--- a/resources/graph examples.pptx
+++ b/resources/graph examples.pptx
@@ -5,15 +5,16 @@
     <p:sldMasterId id="2147483648" r:id="rId1"/>
   </p:sldMasterIdLst>
   <p:notesMasterIdLst>
-    <p:notesMasterId r:id="rId8"/>
+    <p:notesMasterId r:id="rId9"/>
   </p:notesMasterIdLst>
   <p:sldIdLst>
-    <p:sldId id="258" r:id="rId2"/>
-    <p:sldId id="259" r:id="rId3"/>
-    <p:sldId id="260" r:id="rId4"/>
-    <p:sldId id="257" r:id="rId5"/>
-    <p:sldId id="261" r:id="rId6"/>
-    <p:sldId id="262" r:id="rId7"/>
+    <p:sldId id="263" r:id="rId2"/>
+    <p:sldId id="257" r:id="rId3"/>
+    <p:sldId id="258" r:id="rId4"/>
+    <p:sldId id="259" r:id="rId5"/>
+    <p:sldId id="260" r:id="rId6"/>
+    <p:sldId id="261" r:id="rId7"/>
+    <p:sldId id="262" r:id="rId8"/>
   </p:sldIdLst>
   <p:sldSz cx="12192000" cy="6858000"/>
   <p:notesSz cx="6858000" cy="9144000"/>
@@ -214,7 +215,7 @@
           <a:p>
             <a:fld id="{8FC5EDE4-20CB-5943-A2B5-188131AE2986}" type="datetimeFigureOut">
               <a:rPr kumimoji="1" lang="zh-CN" altLang="en-US" smtClean="0"/>
-              <a:t>2020/8/20</a:t>
+              <a:t>2020/8/21</a:t>
             </a:fld>
             <a:endParaRPr kumimoji="1" lang="zh-CN" altLang="en-US"/>
           </a:p>
@@ -563,7 +564,7 @@
     </p:spTree>
     <p:extLst>
       <p:ext uri="{BB962C8B-B14F-4D97-AF65-F5344CB8AC3E}">
-        <p14:creationId xmlns:p14="http://schemas.microsoft.com/office/powerpoint/2010/main" val="164864340"/>
+        <p14:creationId xmlns:p14="http://schemas.microsoft.com/office/powerpoint/2010/main" val="3366991732"/>
       </p:ext>
     </p:extLst>
   </p:cSld>
@@ -646,7 +647,7 @@
           <a:p>
             <a:fld id="{8E8579BD-DDC5-F142-87EC-453164C15837}" type="slidenum">
               <a:rPr kumimoji="1" lang="zh-CN" altLang="en-US" smtClean="0"/>
-              <a:t>2</a:t>
+              <a:t>3</a:t>
             </a:fld>
             <a:endParaRPr kumimoji="1" lang="zh-CN" altLang="en-US"/>
           </a:p>
@@ -655,7 +656,7 @@
     </p:spTree>
     <p:extLst>
       <p:ext uri="{BB962C8B-B14F-4D97-AF65-F5344CB8AC3E}">
-        <p14:creationId xmlns:p14="http://schemas.microsoft.com/office/powerpoint/2010/main" val="4035958489"/>
+        <p14:creationId xmlns:p14="http://schemas.microsoft.com/office/powerpoint/2010/main" val="164864340"/>
       </p:ext>
     </p:extLst>
   </p:cSld>
@@ -738,7 +739,7 @@
           <a:p>
             <a:fld id="{8E8579BD-DDC5-F142-87EC-453164C15837}" type="slidenum">
               <a:rPr kumimoji="1" lang="zh-CN" altLang="en-US" smtClean="0"/>
-              <a:t>3</a:t>
+              <a:t>4</a:t>
             </a:fld>
             <a:endParaRPr kumimoji="1" lang="zh-CN" altLang="en-US"/>
           </a:p>
@@ -747,7 +748,7 @@
     </p:spTree>
     <p:extLst>
       <p:ext uri="{BB962C8B-B14F-4D97-AF65-F5344CB8AC3E}">
-        <p14:creationId xmlns:p14="http://schemas.microsoft.com/office/powerpoint/2010/main" val="553285687"/>
+        <p14:creationId xmlns:p14="http://schemas.microsoft.com/office/powerpoint/2010/main" val="4035958489"/>
       </p:ext>
     </p:extLst>
   </p:cSld>
@@ -803,7 +804,11 @@
           <a:p>
             <a:r>
               <a:rPr kumimoji="1" lang="en-US" altLang="zh-CN" dirty="0"/>
-              <a:t>More examples</a:t>
+              <a:t>GraphSAGE cites </a:t>
+            </a:r>
+            <a:r>
+              <a:rPr kumimoji="1" lang="en-US" altLang="zh-CN" dirty="0" err="1"/>
+              <a:t>DeepWalk</a:t>
             </a:r>
             <a:endParaRPr kumimoji="1" lang="zh-CN" altLang="en-US" dirty="0"/>
           </a:p>
@@ -835,7 +840,7 @@
     </p:spTree>
     <p:extLst>
       <p:ext uri="{BB962C8B-B14F-4D97-AF65-F5344CB8AC3E}">
-        <p14:creationId xmlns:p14="http://schemas.microsoft.com/office/powerpoint/2010/main" val="245972617"/>
+        <p14:creationId xmlns:p14="http://schemas.microsoft.com/office/powerpoint/2010/main" val="553285687"/>
       </p:ext>
     </p:extLst>
   </p:cSld>
@@ -915,6 +920,94 @@
             <a:fld id="{8E8579BD-DDC5-F142-87EC-453164C15837}" type="slidenum">
               <a:rPr kumimoji="1" lang="zh-CN" altLang="en-US" smtClean="0"/>
               <a:t>6</a:t>
+            </a:fld>
+            <a:endParaRPr kumimoji="1" lang="zh-CN" altLang="en-US"/>
+          </a:p>
+        </p:txBody>
+      </p:sp>
+    </p:spTree>
+    <p:extLst>
+      <p:ext uri="{BB962C8B-B14F-4D97-AF65-F5344CB8AC3E}">
+        <p14:creationId xmlns:p14="http://schemas.microsoft.com/office/powerpoint/2010/main" val="245972617"/>
+      </p:ext>
+    </p:extLst>
+  </p:cSld>
+  <p:clrMapOvr>
+    <a:masterClrMapping/>
+  </p:clrMapOvr>
+</p:notes>
+</file>
+
+<file path=ppt/notesSlides/notesSlide6.xml><?xml version="1.0" encoding="utf-8"?>
+<p:notes xmlns:a="http://schemas.openxmlformats.org/drawingml/2006/main" xmlns:r="http://schemas.openxmlformats.org/officeDocument/2006/relationships" xmlns:p="http://schemas.openxmlformats.org/presentationml/2006/main">
+  <p:cSld>
+    <p:spTree>
+      <p:nvGrpSpPr>
+        <p:cNvPr id="1" name=""/>
+        <p:cNvGrpSpPr/>
+        <p:nvPr/>
+      </p:nvGrpSpPr>
+      <p:grpSpPr>
+        <a:xfrm>
+          <a:off x="0" y="0"/>
+          <a:ext cx="0" cy="0"/>
+          <a:chOff x="0" y="0"/>
+          <a:chExt cx="0" cy="0"/>
+        </a:xfrm>
+      </p:grpSpPr>
+      <p:sp>
+        <p:nvSpPr>
+          <p:cNvPr id="2" name="幻灯片图像占位符 1"/>
+          <p:cNvSpPr>
+            <a:spLocks noGrp="1" noRot="1" noChangeAspect="1"/>
+          </p:cNvSpPr>
+          <p:nvPr>
+            <p:ph type="sldImg"/>
+          </p:nvPr>
+        </p:nvSpPr>
+        <p:spPr/>
+      </p:sp>
+      <p:sp>
+        <p:nvSpPr>
+          <p:cNvPr id="3" name="备注占位符 2"/>
+          <p:cNvSpPr>
+            <a:spLocks noGrp="1"/>
+          </p:cNvSpPr>
+          <p:nvPr>
+            <p:ph type="body" idx="1"/>
+          </p:nvPr>
+        </p:nvSpPr>
+        <p:spPr/>
+        <p:txBody>
+          <a:bodyPr/>
+          <a:lstStyle/>
+          <a:p>
+            <a:r>
+              <a:rPr kumimoji="1" lang="en-US" altLang="zh-CN" dirty="0"/>
+              <a:t>More examples</a:t>
+            </a:r>
+            <a:endParaRPr kumimoji="1" lang="zh-CN" altLang="en-US" dirty="0"/>
+          </a:p>
+        </p:txBody>
+      </p:sp>
+      <p:sp>
+        <p:nvSpPr>
+          <p:cNvPr id="4" name="灯片编号占位符 3"/>
+          <p:cNvSpPr>
+            <a:spLocks noGrp="1"/>
+          </p:cNvSpPr>
+          <p:nvPr>
+            <p:ph type="sldNum" sz="quarter" idx="5"/>
+          </p:nvPr>
+        </p:nvSpPr>
+        <p:spPr/>
+        <p:txBody>
+          <a:bodyPr/>
+          <a:lstStyle/>
+          <a:p>
+            <a:fld id="{8E8579BD-DDC5-F142-87EC-453164C15837}" type="slidenum">
+              <a:rPr kumimoji="1" lang="zh-CN" altLang="en-US" smtClean="0"/>
+              <a:t>7</a:t>
             </a:fld>
             <a:endParaRPr kumimoji="1" lang="zh-CN" altLang="en-US"/>
           </a:p>
@@ -1080,7 +1173,7 @@
           <a:p>
             <a:fld id="{A155353B-C118-C14B-A6B8-9547A3B174A3}" type="datetimeFigureOut">
               <a:rPr kumimoji="1" lang="zh-CN" altLang="en-US" smtClean="0"/>
-              <a:t>2020/8/20</a:t>
+              <a:t>2020/8/21</a:t>
             </a:fld>
             <a:endParaRPr kumimoji="1" lang="zh-CN" altLang="en-US"/>
           </a:p>
@@ -1278,7 +1371,7 @@
           <a:p>
             <a:fld id="{A155353B-C118-C14B-A6B8-9547A3B174A3}" type="datetimeFigureOut">
               <a:rPr kumimoji="1" lang="zh-CN" altLang="en-US" smtClean="0"/>
-              <a:t>2020/8/20</a:t>
+              <a:t>2020/8/21</a:t>
             </a:fld>
             <a:endParaRPr kumimoji="1" lang="zh-CN" altLang="en-US"/>
           </a:p>
@@ -1486,7 +1579,7 @@
           <a:p>
             <a:fld id="{A155353B-C118-C14B-A6B8-9547A3B174A3}" type="datetimeFigureOut">
               <a:rPr kumimoji="1" lang="zh-CN" altLang="en-US" smtClean="0"/>
-              <a:t>2020/8/20</a:t>
+              <a:t>2020/8/21</a:t>
             </a:fld>
             <a:endParaRPr kumimoji="1" lang="zh-CN" altLang="en-US"/>
           </a:p>
@@ -1684,7 +1777,7 @@
           <a:p>
             <a:fld id="{A155353B-C118-C14B-A6B8-9547A3B174A3}" type="datetimeFigureOut">
               <a:rPr kumimoji="1" lang="zh-CN" altLang="en-US" smtClean="0"/>
-              <a:t>2020/8/20</a:t>
+              <a:t>2020/8/21</a:t>
             </a:fld>
             <a:endParaRPr kumimoji="1" lang="zh-CN" altLang="en-US"/>
           </a:p>
@@ -1959,7 +2052,7 @@
           <a:p>
             <a:fld id="{A155353B-C118-C14B-A6B8-9547A3B174A3}" type="datetimeFigureOut">
               <a:rPr kumimoji="1" lang="zh-CN" altLang="en-US" smtClean="0"/>
-              <a:t>2020/8/20</a:t>
+              <a:t>2020/8/21</a:t>
             </a:fld>
             <a:endParaRPr kumimoji="1" lang="zh-CN" altLang="en-US"/>
           </a:p>
@@ -2224,7 +2317,7 @@
           <a:p>
             <a:fld id="{A155353B-C118-C14B-A6B8-9547A3B174A3}" type="datetimeFigureOut">
               <a:rPr kumimoji="1" lang="zh-CN" altLang="en-US" smtClean="0"/>
-              <a:t>2020/8/20</a:t>
+              <a:t>2020/8/21</a:t>
             </a:fld>
             <a:endParaRPr kumimoji="1" lang="zh-CN" altLang="en-US"/>
           </a:p>
@@ -2636,7 +2729,7 @@
           <a:p>
             <a:fld id="{A155353B-C118-C14B-A6B8-9547A3B174A3}" type="datetimeFigureOut">
               <a:rPr kumimoji="1" lang="zh-CN" altLang="en-US" smtClean="0"/>
-              <a:t>2020/8/20</a:t>
+              <a:t>2020/8/21</a:t>
             </a:fld>
             <a:endParaRPr kumimoji="1" lang="zh-CN" altLang="en-US"/>
           </a:p>
@@ -2777,7 +2870,7 @@
           <a:p>
             <a:fld id="{A155353B-C118-C14B-A6B8-9547A3B174A3}" type="datetimeFigureOut">
               <a:rPr kumimoji="1" lang="zh-CN" altLang="en-US" smtClean="0"/>
-              <a:t>2020/8/20</a:t>
+              <a:t>2020/8/21</a:t>
             </a:fld>
             <a:endParaRPr kumimoji="1" lang="zh-CN" altLang="en-US"/>
           </a:p>
@@ -2890,7 +2983,7 @@
           <a:p>
             <a:fld id="{A155353B-C118-C14B-A6B8-9547A3B174A3}" type="datetimeFigureOut">
               <a:rPr kumimoji="1" lang="zh-CN" altLang="en-US" smtClean="0"/>
-              <a:t>2020/8/20</a:t>
+              <a:t>2020/8/21</a:t>
             </a:fld>
             <a:endParaRPr kumimoji="1" lang="zh-CN" altLang="en-US"/>
           </a:p>
@@ -3201,7 +3294,7 @@
           <a:p>
             <a:fld id="{A155353B-C118-C14B-A6B8-9547A3B174A3}" type="datetimeFigureOut">
               <a:rPr kumimoji="1" lang="zh-CN" altLang="en-US" smtClean="0"/>
-              <a:t>2020/8/20</a:t>
+              <a:t>2020/8/21</a:t>
             </a:fld>
             <a:endParaRPr kumimoji="1" lang="zh-CN" altLang="en-US"/>
           </a:p>
@@ -3489,7 +3582,7 @@
           <a:p>
             <a:fld id="{A155353B-C118-C14B-A6B8-9547A3B174A3}" type="datetimeFigureOut">
               <a:rPr kumimoji="1" lang="zh-CN" altLang="en-US" smtClean="0"/>
-              <a:t>2020/8/20</a:t>
+              <a:t>2020/8/21</a:t>
             </a:fld>
             <a:endParaRPr kumimoji="1" lang="zh-CN" altLang="en-US"/>
           </a:p>
@@ -3730,7 +3823,7 @@
           <a:p>
             <a:fld id="{A155353B-C118-C14B-A6B8-9547A3B174A3}" type="datetimeFigureOut">
               <a:rPr kumimoji="1" lang="zh-CN" altLang="en-US" smtClean="0"/>
-              <a:t>2020/8/20</a:t>
+              <a:t>2020/8/21</a:t>
             </a:fld>
             <a:endParaRPr kumimoji="1" lang="zh-CN" altLang="en-US"/>
           </a:p>
@@ -4177,8 +4270,8 @@
         </p:nvCxnSpPr>
         <p:spPr>
           <a:xfrm flipV="1">
-            <a:off x="4989225" y="1992057"/>
-            <a:ext cx="3252732" cy="2485545"/>
+            <a:off x="4949005" y="1593472"/>
+            <a:ext cx="3237917" cy="2485544"/>
           </a:xfrm>
           <a:prstGeom prst="straightConnector1">
             <a:avLst/>
@@ -4224,7 +4317,7 @@
         </p:nvCxnSpPr>
         <p:spPr>
           <a:xfrm flipH="1">
-            <a:off x="7225963" y="3332197"/>
+            <a:off x="7003225" y="2933612"/>
             <a:ext cx="683673" cy="18686"/>
           </a:xfrm>
           <a:prstGeom prst="line">
@@ -4268,7 +4361,7 @@
         </p:nvSpPr>
         <p:spPr>
           <a:xfrm>
-            <a:off x="7532460" y="4030942"/>
+            <a:off x="7309722" y="3632357"/>
             <a:ext cx="1789171" cy="1274000"/>
           </a:xfrm>
           <a:prstGeom prst="ellipse">
@@ -4302,14 +4395,14 @@
           <a:p>
             <a:pPr algn="ctr"/>
             <a:r>
-              <a:rPr kumimoji="1" lang="en-US" altLang="zh-CN" b="1" dirty="0" err="1">
+              <a:rPr kumimoji="1" lang="en-US" altLang="zh-CN" b="1" dirty="0">
                 <a:solidFill>
                   <a:srgbClr val="C00000"/>
                 </a:solidFill>
                 <a:latin typeface="Calibri" panose="020F0502020204030204" pitchFamily="34" charset="0"/>
                 <a:cs typeface="Calibri" panose="020F0502020204030204" pitchFamily="34" charset="0"/>
               </a:rPr>
-              <a:t>DeepWalk</a:t>
+              <a:t>node2vec</a:t>
             </a:r>
             <a:endParaRPr kumimoji="1" lang="zh-CN" altLang="en-US" b="1" dirty="0">
               <a:solidFill>
@@ -4338,7 +4431,7 @@
         </p:nvCxnSpPr>
         <p:spPr>
           <a:xfrm flipH="1">
-            <a:off x="8427046" y="2434281"/>
+            <a:off x="8204308" y="2035696"/>
             <a:ext cx="361955" cy="1596661"/>
           </a:xfrm>
           <a:prstGeom prst="straightConnector1">
@@ -4382,7 +4475,7 @@
         </p:nvSpPr>
         <p:spPr>
           <a:xfrm>
-            <a:off x="9585922" y="5324723"/>
+            <a:off x="9363184" y="4926138"/>
             <a:ext cx="1634014" cy="920123"/>
           </a:xfrm>
           <a:prstGeom prst="ellipse">
@@ -4423,7 +4516,7 @@
                 <a:latin typeface="Calibri" panose="020F0502020204030204" pitchFamily="34" charset="0"/>
                 <a:cs typeface="Calibri" panose="020F0502020204030204" pitchFamily="34" charset="0"/>
               </a:rPr>
-              <a:t>Word2Vec</a:t>
+              <a:t>word2vec</a:t>
             </a:r>
             <a:endParaRPr kumimoji="1" lang="zh-CN" altLang="en-US" b="1" dirty="0">
               <a:latin typeface="Calibri" panose="020F0502020204030204" pitchFamily="34" charset="0"/>
@@ -4449,7 +4542,7 @@
         </p:nvCxnSpPr>
         <p:spPr>
           <a:xfrm flipH="1">
-            <a:off x="9321631" y="4585251"/>
+            <a:off x="9098893" y="4186666"/>
             <a:ext cx="765568" cy="82691"/>
           </a:xfrm>
           <a:prstGeom prst="straightConnector1">
@@ -4497,7 +4590,7 @@
         </p:nvCxnSpPr>
         <p:spPr>
           <a:xfrm>
-            <a:off x="9059613" y="5118369"/>
+            <a:off x="8836875" y="4719784"/>
             <a:ext cx="526309" cy="666416"/>
           </a:xfrm>
           <a:prstGeom prst="straightConnector1">
@@ -4541,7 +4634,7 @@
         </p:nvSpPr>
         <p:spPr>
           <a:xfrm>
-            <a:off x="7909636" y="3001882"/>
+            <a:off x="7686898" y="2603297"/>
             <a:ext cx="1363478" cy="660629"/>
           </a:xfrm>
           <a:prstGeom prst="rect">
@@ -4612,7 +4705,7 @@
         </p:nvSpPr>
         <p:spPr>
           <a:xfrm rot="2642623">
-            <a:off x="10043027" y="4297245"/>
+            <a:off x="9820289" y="3898660"/>
             <a:ext cx="468893" cy="477007"/>
           </a:xfrm>
           <a:prstGeom prst="ellipse">
@@ -4666,7 +4759,7 @@
         </p:nvSpPr>
         <p:spPr>
           <a:xfrm rot="18641834">
-            <a:off x="7096359" y="5655180"/>
+            <a:off x="6873621" y="5256595"/>
             <a:ext cx="468893" cy="484531"/>
           </a:xfrm>
           <a:prstGeom prst="ellipse">
@@ -4724,7 +4817,7 @@
         </p:nvCxnSpPr>
         <p:spPr>
           <a:xfrm flipH="1">
-            <a:off x="7483679" y="5304942"/>
+            <a:off x="7260941" y="4906357"/>
             <a:ext cx="943367" cy="414755"/>
           </a:xfrm>
           <a:prstGeom prst="straightConnector1">
@@ -4768,7 +4861,7 @@
         </p:nvSpPr>
         <p:spPr>
           <a:xfrm>
-            <a:off x="8415989" y="5539759"/>
+            <a:off x="8193251" y="5141174"/>
             <a:ext cx="622884" cy="378264"/>
           </a:xfrm>
           <a:prstGeom prst="rect">
@@ -4822,8 +4915,8 @@
         </p:nvCxnSpPr>
         <p:spPr>
           <a:xfrm flipH="1">
-            <a:off x="9917656" y="1263942"/>
-            <a:ext cx="173154" cy="329724"/>
+            <a:off x="9350723" y="865357"/>
+            <a:ext cx="517349" cy="329724"/>
           </a:xfrm>
           <a:prstGeom prst="straightConnector1">
             <a:avLst/>
@@ -4866,7 +4959,7 @@
         </p:nvSpPr>
         <p:spPr>
           <a:xfrm rot="12610101">
-            <a:off x="10085048" y="1080769"/>
+            <a:off x="9862310" y="682184"/>
             <a:ext cx="297498" cy="292964"/>
           </a:xfrm>
           <a:prstGeom prst="ellipse">
@@ -4923,7 +5016,7 @@
         </p:nvCxnSpPr>
         <p:spPr>
           <a:xfrm flipV="1">
-            <a:off x="10443283" y="4143718"/>
+            <a:off x="10220545" y="3745133"/>
             <a:ext cx="280572" cy="220592"/>
           </a:xfrm>
           <a:prstGeom prst="straightConnector1">
@@ -4967,7 +5060,7 @@
         </p:nvSpPr>
         <p:spPr>
           <a:xfrm rot="15653025">
-            <a:off x="10687125" y="3898500"/>
+            <a:off x="10464387" y="3499915"/>
             <a:ext cx="297498" cy="292964"/>
           </a:xfrm>
           <a:prstGeom prst="ellipse">
@@ -5025,7 +5118,7 @@
         </p:nvCxnSpPr>
         <p:spPr>
           <a:xfrm flipV="1">
-            <a:off x="6980473" y="6075195"/>
+            <a:off x="6757735" y="5676610"/>
             <a:ext cx="197459" cy="263291"/>
           </a:xfrm>
           <a:prstGeom prst="straightConnector1">
@@ -5069,7 +5162,7 @@
         </p:nvSpPr>
         <p:spPr>
           <a:xfrm rot="684744">
-            <a:off x="6802740" y="6335590"/>
+            <a:off x="6580002" y="5937005"/>
             <a:ext cx="297498" cy="292964"/>
           </a:xfrm>
           <a:prstGeom prst="ellipse">
@@ -5127,8 +5220,8 @@
         </p:nvCxnSpPr>
         <p:spPr>
           <a:xfrm flipH="1">
-            <a:off x="10205160" y="1923962"/>
-            <a:ext cx="289411" cy="68095"/>
+            <a:off x="9550400" y="1525377"/>
+            <a:ext cx="721433" cy="68095"/>
           </a:xfrm>
           <a:prstGeom prst="straightConnector1">
             <a:avLst/>
@@ -5171,7 +5264,7 @@
         </p:nvSpPr>
         <p:spPr>
           <a:xfrm rot="14477309">
-            <a:off x="10487194" y="1819970"/>
+            <a:off x="10264456" y="1421385"/>
             <a:ext cx="297498" cy="292964"/>
           </a:xfrm>
           <a:prstGeom prst="ellipse">
@@ -5225,8 +5318,8 @@
         </p:nvSpPr>
         <p:spPr>
           <a:xfrm>
-            <a:off x="4277157" y="4477602"/>
-            <a:ext cx="1424135" cy="827340"/>
+            <a:off x="4054419" y="4079016"/>
+            <a:ext cx="1789171" cy="847121"/>
           </a:xfrm>
           <a:prstGeom prst="ellipse">
             <a:avLst/>
@@ -5262,11 +5355,11 @@
           <a:p>
             <a:pPr algn="ctr"/>
             <a:r>
-              <a:rPr kumimoji="1" lang="en-US" altLang="zh-CN" b="1" dirty="0" err="1">
+              <a:rPr kumimoji="1" lang="en-US" altLang="zh-CN" b="1" dirty="0">
                 <a:latin typeface="Calibri" panose="020F0502020204030204" pitchFamily="34" charset="0"/>
                 <a:cs typeface="Calibri" panose="020F0502020204030204" pitchFamily="34" charset="0"/>
               </a:rPr>
-              <a:t>PinSAGE</a:t>
+              <a:t>GraphSAGE</a:t>
             </a:r>
             <a:endParaRPr kumimoji="1" lang="zh-CN" altLang="en-US" b="1" dirty="0">
               <a:latin typeface="Calibri" panose="020F0502020204030204" pitchFamily="34" charset="0"/>
@@ -5293,8 +5386,8 @@
         </p:nvCxnSpPr>
         <p:spPr>
           <a:xfrm flipV="1">
-            <a:off x="5701292" y="4667942"/>
-            <a:ext cx="1831168" cy="223330"/>
+            <a:off x="5843590" y="4269357"/>
+            <a:ext cx="1466132" cy="233220"/>
           </a:xfrm>
           <a:prstGeom prst="straightConnector1">
             <a:avLst/>
@@ -5337,8 +5430,8 @@
         </p:nvSpPr>
         <p:spPr>
           <a:xfrm>
-            <a:off x="151285" y="88386"/>
-            <a:ext cx="7291673" cy="4057131"/>
+            <a:off x="397043" y="787584"/>
+            <a:ext cx="6648388" cy="2887652"/>
           </a:xfrm>
           <a:prstGeom prst="rect">
             <a:avLst/>
@@ -5374,63 +5467,116 @@
           <a:lstStyle/>
           <a:p>
             <a:r>
-              <a:rPr lang="en" altLang="zh-CN" dirty="0">
+              <a:rPr lang="en" altLang="zh-CN" sz="2000" dirty="0">
                 <a:solidFill>
                   <a:schemeClr val="tx1"/>
                 </a:solidFill>
+                <a:latin typeface="Calibri" panose="020F0502020204030204" pitchFamily="34" charset="0"/>
+                <a:cs typeface="Calibri" panose="020F0502020204030204" pitchFamily="34" charset="0"/>
               </a:rPr>
               <a:t>Text From </a:t>
             </a:r>
             <a:r>
-              <a:rPr lang="en" altLang="zh-CN" b="1" dirty="0">
+              <a:rPr lang="en" altLang="zh-CN" sz="2000" b="1" dirty="0">
                 <a:solidFill>
                   <a:schemeClr val="accent6">
                     <a:lumMod val="75000"/>
                   </a:schemeClr>
                 </a:solidFill>
+                <a:latin typeface="Calibri" panose="020F0502020204030204" pitchFamily="34" charset="0"/>
+                <a:cs typeface="Calibri" panose="020F0502020204030204" pitchFamily="34" charset="0"/>
               </a:rPr>
-              <a:t>GraphSAGE</a:t>
-            </a:r>
-            <a:r>
-              <a:rPr lang="en" altLang="zh-CN" dirty="0">
+              <a:t>GCN</a:t>
+            </a:r>
+            <a:r>
+              <a:rPr lang="en" altLang="zh-CN" sz="2000" dirty="0">
                 <a:solidFill>
                   <a:schemeClr val="tx1"/>
                 </a:solidFill>
+                <a:latin typeface="Calibri" panose="020F0502020204030204" pitchFamily="34" charset="0"/>
+                <a:cs typeface="Calibri" panose="020F0502020204030204" pitchFamily="34" charset="0"/>
               </a:rPr>
-              <a:t>: “We use two evolving document graphs based on citation data and Reddit post data (predicting paper and post categories, respectively), and a multigraph generalization experiment based on a dataset of protein-protein interactions (predicting protein functions). </a:t>
-            </a:r>
-            <a:r>
-              <a:rPr lang="en" altLang="zh-CN" b="1" dirty="0">
+              <a:t>: </a:t>
+            </a:r>
+            <a:r>
+              <a:rPr lang="zh-CN" altLang="en-US" sz="2000" dirty="0">
                 <a:solidFill>
                   <a:schemeClr val="tx1"/>
                 </a:solidFill>
+                <a:latin typeface="Calibri" panose="020F0502020204030204" pitchFamily="34" charset="0"/>
+                <a:cs typeface="Calibri" panose="020F0502020204030204" pitchFamily="34" charset="0"/>
               </a:rPr>
-              <a:t>Using these benchmarks, we show that our approach is able to effectively generate representations for unseen nodes and outperform relevant baselines by a significant margin: across domains, our supervised approach improves classification F1-scores by an average of 51% compared to using node features alone and GraphSAGE consistently outperforms a strong, transductive baseline </a:t>
-            </a:r>
-            <a:r>
-              <a:rPr lang="en" altLang="zh-CN" b="1" dirty="0">
+              <a:t>“</a:t>
+            </a:r>
+            <a:r>
+              <a:rPr lang="en" altLang="zh-CN" sz="2000" dirty="0">
+                <a:latin typeface="Calibri" panose="020F0502020204030204" pitchFamily="34" charset="0"/>
+                <a:cs typeface="Calibri" panose="020F0502020204030204" pitchFamily="34" charset="0"/>
+              </a:rPr>
+              <a:t>DeepWalk (</a:t>
+            </a:r>
+            <a:r>
+              <a:rPr lang="en" altLang="zh-CN" sz="2000" dirty="0" err="1">
+                <a:latin typeface="Calibri" panose="020F0502020204030204" pitchFamily="34" charset="0"/>
+                <a:cs typeface="Calibri" panose="020F0502020204030204" pitchFamily="34" charset="0"/>
+              </a:rPr>
+              <a:t>Perozzi</a:t>
+            </a:r>
+            <a:r>
+              <a:rPr lang="en" altLang="zh-CN" sz="2000" dirty="0">
+                <a:latin typeface="Calibri" panose="020F0502020204030204" pitchFamily="34" charset="0"/>
+                <a:cs typeface="Calibri" panose="020F0502020204030204" pitchFamily="34" charset="0"/>
+              </a:rPr>
+              <a:t> et al., 2014) learns embeddings via the prediction of the local neighborhood of nodes, sampled from random walks on the graph</a:t>
+            </a:r>
+            <a:r>
+              <a:rPr lang="en" altLang="zh-CN" sz="2000" b="1" dirty="0">
+                <a:latin typeface="Calibri" panose="020F0502020204030204" pitchFamily="34" charset="0"/>
+                <a:cs typeface="Calibri" panose="020F0502020204030204" pitchFamily="34" charset="0"/>
+              </a:rPr>
+              <a:t>. LINE (Tang et al., 2015) and node2vec </a:t>
+            </a:r>
+            <a:r>
+              <a:rPr lang="en" altLang="zh-CN" sz="2000" b="1" dirty="0">
                 <a:solidFill>
                   <a:srgbClr val="C00000"/>
                 </a:solidFill>
+                <a:latin typeface="Calibri" panose="020F0502020204030204" pitchFamily="34" charset="0"/>
+                <a:cs typeface="Calibri" panose="020F0502020204030204" pitchFamily="34" charset="0"/>
               </a:rPr>
-              <a:t>[28] </a:t>
-            </a:r>
-            <a:r>
-              <a:rPr lang="en" altLang="zh-CN" b="1" dirty="0">
+              <a:t>(Grover &amp; Leskovec, 2016) </a:t>
+            </a:r>
+            <a:r>
+              <a:rPr lang="en" altLang="zh-CN" sz="2000" b="1" dirty="0">
+                <a:latin typeface="Calibri" panose="020F0502020204030204" pitchFamily="34" charset="0"/>
+                <a:cs typeface="Calibri" panose="020F0502020204030204" pitchFamily="34" charset="0"/>
+              </a:rPr>
+              <a:t>extend DeepWalk with more sophisticated random walk or breadth-first search schemes. </a:t>
+            </a:r>
+            <a:r>
+              <a:rPr lang="en" altLang="zh-CN" sz="2000" dirty="0">
+                <a:latin typeface="Calibri" panose="020F0502020204030204" pitchFamily="34" charset="0"/>
+                <a:cs typeface="Calibri" panose="020F0502020204030204" pitchFamily="34" charset="0"/>
+              </a:rPr>
+              <a:t>For all these methods, however, a multistep pipeline including random walk generation and semi-supervised training is required where each step has to be optimized separately. </a:t>
+            </a:r>
+            <a:r>
+              <a:rPr lang="zh-CN" altLang="en-US" sz="2000" dirty="0">
                 <a:solidFill>
                   <a:schemeClr val="tx1"/>
                 </a:solidFill>
+                <a:latin typeface="Calibri" panose="020F0502020204030204" pitchFamily="34" charset="0"/>
+                <a:cs typeface="Calibri" panose="020F0502020204030204" pitchFamily="34" charset="0"/>
               </a:rPr>
-              <a:t>, despite this baseline taking ∼100× longer to run on unseen nodes. </a:t>
-            </a:r>
-            <a:r>
-              <a:rPr lang="en" altLang="zh-CN" dirty="0">
-                <a:solidFill>
-                  <a:schemeClr val="tx1"/>
-                </a:solidFill>
-              </a:rPr>
-              <a:t>We also show that the new aggregator architectures we propose provide significant gains (7.4% on average) compared to an aggregator inspired by graph convolutional networks [17] . ”</a:t>
-            </a:r>
+              <a:t>”</a:t>
+            </a:r>
+            <a:endParaRPr lang="en" altLang="zh-CN" sz="2000" dirty="0">
+              <a:solidFill>
+                <a:schemeClr val="tx1"/>
+              </a:solidFill>
+              <a:latin typeface="Calibri" panose="020F0502020204030204" pitchFamily="34" charset="0"/>
+              <a:cs typeface="Calibri" panose="020F0502020204030204" pitchFamily="34" charset="0"/>
+            </a:endParaRPr>
           </a:p>
         </p:txBody>
       </p:sp>
@@ -5452,8 +5598,8 @@
         </p:nvCxnSpPr>
         <p:spPr>
           <a:xfrm flipV="1">
-            <a:off x="3377284" y="4891272"/>
-            <a:ext cx="899873" cy="210073"/>
+            <a:off x="3154546" y="4502577"/>
+            <a:ext cx="899873" cy="200183"/>
           </a:xfrm>
           <a:prstGeom prst="straightConnector1">
             <a:avLst/>
@@ -5500,8 +5646,8 @@
         </p:nvCxnSpPr>
         <p:spPr>
           <a:xfrm flipV="1">
-            <a:off x="4882180" y="5304942"/>
-            <a:ext cx="107045" cy="495319"/>
+            <a:off x="4659442" y="4926137"/>
+            <a:ext cx="289563" cy="475539"/>
           </a:xfrm>
           <a:prstGeom prst="straightConnector1">
             <a:avLst/>
@@ -5544,7 +5690,7 @@
         </p:nvSpPr>
         <p:spPr>
           <a:xfrm rot="18641834">
-            <a:off x="2904860" y="4873064"/>
+            <a:off x="2682122" y="4474479"/>
             <a:ext cx="468893" cy="484531"/>
           </a:xfrm>
           <a:prstGeom prst="ellipse">
@@ -5598,7 +5744,7 @@
         </p:nvSpPr>
         <p:spPr>
           <a:xfrm rot="18641834">
-            <a:off x="4669515" y="5795386"/>
+            <a:off x="4446777" y="5396801"/>
             <a:ext cx="468893" cy="484531"/>
           </a:xfrm>
           <a:prstGeom prst="ellipse">
@@ -5652,8 +5798,8 @@
         </p:nvSpPr>
         <p:spPr>
           <a:xfrm>
-            <a:off x="8241957" y="1428647"/>
-            <a:ext cx="1963203" cy="1126820"/>
+            <a:off x="8186922" y="1030062"/>
+            <a:ext cx="1363478" cy="1126820"/>
           </a:xfrm>
           <a:prstGeom prst="ellipse">
             <a:avLst/>
@@ -5695,7 +5841,7 @@
                 <a:latin typeface="Calibri" panose="020F0502020204030204" pitchFamily="34" charset="0"/>
                 <a:cs typeface="Calibri" panose="020F0502020204030204" pitchFamily="34" charset="0"/>
               </a:rPr>
-              <a:t>GraphSAGE</a:t>
+              <a:t>GCN</a:t>
             </a:r>
             <a:endParaRPr kumimoji="1" lang="zh-CN" altLang="en-US" b="1" dirty="0">
               <a:solidFill>
@@ -5712,7 +5858,7 @@
     </p:spTree>
     <p:extLst>
       <p:ext uri="{BB962C8B-B14F-4D97-AF65-F5344CB8AC3E}">
-        <p14:creationId xmlns:p14="http://schemas.microsoft.com/office/powerpoint/2010/main" val="2667235294"/>
+        <p14:creationId xmlns:p14="http://schemas.microsoft.com/office/powerpoint/2010/main" val="1226300108"/>
       </p:ext>
     </p:extLst>
   </p:cSld>
@@ -5725,18 +5871,6 @@
 <file path=ppt/slides/slide2.xml><?xml version="1.0" encoding="utf-8"?>
 <p:sld xmlns:a="http://schemas.openxmlformats.org/drawingml/2006/main" xmlns:r="http://schemas.openxmlformats.org/officeDocument/2006/relationships" xmlns:p="http://schemas.openxmlformats.org/presentationml/2006/main">
   <p:cSld>
-    <p:bg>
-      <p:bgPr>
-        <a:solidFill>
-          <a:schemeClr val="accent4">
-            <a:lumMod val="20000"/>
-            <a:lumOff val="80000"/>
-            <a:alpha val="66000"/>
-          </a:schemeClr>
-        </a:solidFill>
-        <a:effectLst/>
-      </p:bgPr>
-    </p:bg>
     <p:spTree>
       <p:nvGrpSpPr>
         <p:cNvPr id="1" name=""/>
@@ -5751,48 +5885,126 @@
           <a:chExt cx="0" cy="0"/>
         </a:xfrm>
       </p:grpSpPr>
+      <p:pic>
+        <p:nvPicPr>
+          <p:cNvPr id="4" name="图片 3">
+            <a:extLst>
+              <a:ext uri="{FF2B5EF4-FFF2-40B4-BE49-F238E27FC236}">
+                <a16:creationId xmlns:a16="http://schemas.microsoft.com/office/drawing/2014/main" id="{6CA3D319-9138-034E-9BFC-6F4F14A1EDF1}"/>
+              </a:ext>
+            </a:extLst>
+          </p:cNvPr>
+          <p:cNvPicPr>
+            <a:picLocks noChangeAspect="1"/>
+          </p:cNvPicPr>
+          <p:nvPr/>
+        </p:nvPicPr>
+        <p:blipFill>
+          <a:blip r:embed="rId2"/>
+          <a:stretch>
+            <a:fillRect/>
+          </a:stretch>
+        </p:blipFill>
+        <p:spPr>
+          <a:xfrm>
+            <a:off x="1171074" y="433692"/>
+            <a:ext cx="14108742" cy="7249920"/>
+          </a:xfrm>
+          <a:prstGeom prst="rect">
+            <a:avLst/>
+          </a:prstGeom>
+        </p:spPr>
+      </p:pic>
+      <p:sp>
+        <p:nvSpPr>
+          <p:cNvPr id="12" name="矩形 11">
+            <a:extLst>
+              <a:ext uri="{FF2B5EF4-FFF2-40B4-BE49-F238E27FC236}">
+                <a16:creationId xmlns:a16="http://schemas.microsoft.com/office/drawing/2014/main" id="{02718DAE-E615-5349-9EBA-131741DD7EC0}"/>
+              </a:ext>
+            </a:extLst>
+          </p:cNvPr>
+          <p:cNvSpPr/>
+          <p:nvPr/>
+        </p:nvSpPr>
+        <p:spPr>
+          <a:xfrm>
+            <a:off x="10026316" y="4203031"/>
+            <a:ext cx="272716" cy="256673"/>
+          </a:xfrm>
+          <a:prstGeom prst="rect">
+            <a:avLst/>
+          </a:prstGeom>
+          <a:solidFill>
+            <a:schemeClr val="accent4">
+              <a:lumMod val="20000"/>
+              <a:lumOff val="80000"/>
+              <a:alpha val="63000"/>
+            </a:schemeClr>
+          </a:solidFill>
+        </p:spPr>
+        <p:style>
+          <a:lnRef idx="2">
+            <a:schemeClr val="accent1">
+              <a:shade val="50000"/>
+            </a:schemeClr>
+          </a:lnRef>
+          <a:fillRef idx="1">
+            <a:schemeClr val="accent1"/>
+          </a:fillRef>
+          <a:effectRef idx="0">
+            <a:schemeClr val="accent1"/>
+          </a:effectRef>
+          <a:fontRef idx="minor">
+            <a:schemeClr val="lt1"/>
+          </a:fontRef>
+        </p:style>
+        <p:txBody>
+          <a:bodyPr rtlCol="0" anchor="ctr"/>
+          <a:lstStyle/>
+          <a:p>
+            <a:pPr algn="ctr"/>
+            <a:endParaRPr kumimoji="1" lang="zh-CN" altLang="en-US"/>
+          </a:p>
+        </p:txBody>
+      </p:sp>
       <p:cxnSp>
         <p:nvCxnSpPr>
-          <p:cNvPr id="112" name="直线箭头连接符 111">
-            <a:extLst>
-              <a:ext uri="{FF2B5EF4-FFF2-40B4-BE49-F238E27FC236}">
-                <a16:creationId xmlns:a16="http://schemas.microsoft.com/office/drawing/2014/main" id="{B033A795-262A-8847-823C-B82B671E32D0}"/>
+          <p:cNvPr id="22" name="直线连接符 21">
+            <a:extLst>
+              <a:ext uri="{FF2B5EF4-FFF2-40B4-BE49-F238E27FC236}">
+                <a16:creationId xmlns:a16="http://schemas.microsoft.com/office/drawing/2014/main" id="{B9FF3097-E2E5-AF40-9D0C-6C216FB6E73F}"/>
               </a:ext>
             </a:extLst>
           </p:cNvPr>
           <p:cNvCxnSpPr>
             <a:cxnSpLocks/>
-            <a:stCxn id="105" idx="0"/>
-            <a:endCxn id="3" idx="2"/>
           </p:cNvCxnSpPr>
           <p:nvPr/>
         </p:nvCxnSpPr>
         <p:spPr>
-          <a:xfrm flipV="1">
-            <a:off x="4026698" y="1558921"/>
-            <a:ext cx="3252732" cy="2485545"/>
-          </a:xfrm>
-          <a:prstGeom prst="straightConnector1">
-            <a:avLst/>
-          </a:prstGeom>
-          <a:ln w="19050">
+          <a:xfrm flipH="1" flipV="1">
+            <a:off x="9290162" y="1"/>
+            <a:ext cx="1008870" cy="4203030"/>
+          </a:xfrm>
+          <a:prstGeom prst="line">
+            <a:avLst/>
+          </a:prstGeom>
+          <a:ln>
             <a:solidFill>
-              <a:schemeClr val="accent1">
-                <a:lumMod val="75000"/>
-              </a:schemeClr>
+              <a:schemeClr val="accent4"/>
             </a:solidFill>
-            <a:tailEnd type="triangle"/>
           </a:ln>
         </p:spPr>
         <p:style>
           <a:lnRef idx="1">
-            <a:schemeClr val="dk1"/>
+            <a:schemeClr val="accent3"/>
           </a:lnRef>
           <a:fillRef idx="0">
-            <a:schemeClr val="dk1"/>
+            <a:schemeClr val="accent3"/>
           </a:fillRef>
           <a:effectRef idx="0">
-            <a:schemeClr val="dk1"/>
+            <a:schemeClr val="accent3"/>
           </a:effectRef>
           <a:fontRef idx="minor">
             <a:schemeClr val="tx1"/>
@@ -5801,270 +6013,41 @@
       </p:cxnSp>
       <p:cxnSp>
         <p:nvCxnSpPr>
-          <p:cNvPr id="31" name="直线连接符 30">
-            <a:extLst>
-              <a:ext uri="{FF2B5EF4-FFF2-40B4-BE49-F238E27FC236}">
-                <a16:creationId xmlns:a16="http://schemas.microsoft.com/office/drawing/2014/main" id="{8634CF39-A355-BA41-864D-95FE1108E263}"/>
+          <p:cNvPr id="24" name="直线连接符 23">
+            <a:extLst>
+              <a:ext uri="{FF2B5EF4-FFF2-40B4-BE49-F238E27FC236}">
+                <a16:creationId xmlns:a16="http://schemas.microsoft.com/office/drawing/2014/main" id="{C46CF371-4F59-554A-A069-D367FDF71A27}"/>
               </a:ext>
             </a:extLst>
           </p:cNvPr>
           <p:cNvCxnSpPr>
             <a:cxnSpLocks/>
-            <a:stCxn id="28" idx="1"/>
           </p:cNvCxnSpPr>
           <p:nvPr/>
         </p:nvCxnSpPr>
         <p:spPr>
           <a:xfrm flipH="1">
-            <a:off x="6263436" y="2899061"/>
-            <a:ext cx="683673" cy="18686"/>
+            <a:off x="9290162" y="4459704"/>
+            <a:ext cx="1008870" cy="766012"/>
           </a:xfrm>
           <a:prstGeom prst="line">
             <a:avLst/>
           </a:prstGeom>
-          <a:ln w="25400">
+          <a:ln>
             <a:solidFill>
-              <a:schemeClr val="accent2">
-                <a:lumMod val="75000"/>
-              </a:schemeClr>
+              <a:schemeClr val="accent4"/>
             </a:solidFill>
-            <a:prstDash val="dash"/>
           </a:ln>
         </p:spPr>
         <p:style>
           <a:lnRef idx="1">
-            <a:schemeClr val="dk1"/>
+            <a:schemeClr val="accent3"/>
           </a:lnRef>
           <a:fillRef idx="0">
-            <a:schemeClr val="dk1"/>
+            <a:schemeClr val="accent3"/>
           </a:fillRef>
           <a:effectRef idx="0">
-            <a:schemeClr val="dk1"/>
-          </a:effectRef>
-          <a:fontRef idx="minor">
-            <a:schemeClr val="tx1"/>
-          </a:fontRef>
-        </p:style>
-      </p:cxnSp>
-      <p:sp>
-        <p:nvSpPr>
-          <p:cNvPr id="4" name="椭圆 3">
-            <a:extLst>
-              <a:ext uri="{FF2B5EF4-FFF2-40B4-BE49-F238E27FC236}">
-                <a16:creationId xmlns:a16="http://schemas.microsoft.com/office/drawing/2014/main" id="{9B86182F-309C-BD4E-88A7-FBF200E3D62E}"/>
-              </a:ext>
-            </a:extLst>
-          </p:cNvPr>
-          <p:cNvSpPr/>
-          <p:nvPr/>
-        </p:nvSpPr>
-        <p:spPr>
-          <a:xfrm>
-            <a:off x="6569933" y="3597806"/>
-            <a:ext cx="1789171" cy="1274000"/>
-          </a:xfrm>
-          <a:prstGeom prst="ellipse">
-            <a:avLst/>
-          </a:prstGeom>
-          <a:ln w="19050">
-            <a:solidFill>
-              <a:schemeClr val="accent1">
-                <a:lumMod val="75000"/>
-              </a:schemeClr>
-            </a:solidFill>
-          </a:ln>
-        </p:spPr>
-        <p:style>
-          <a:lnRef idx="2">
-            <a:schemeClr val="accent6"/>
-          </a:lnRef>
-          <a:fillRef idx="1">
-            <a:schemeClr val="lt1"/>
-          </a:fillRef>
-          <a:effectRef idx="0">
-            <a:schemeClr val="accent6"/>
-          </a:effectRef>
-          <a:fontRef idx="minor">
-            <a:schemeClr val="dk1"/>
-          </a:fontRef>
-        </p:style>
-        <p:txBody>
-          <a:bodyPr rtlCol="0" anchor="ctr"/>
-          <a:lstStyle/>
-          <a:p>
-            <a:pPr algn="ctr"/>
-            <a:r>
-              <a:rPr kumimoji="1" lang="en-US" altLang="zh-CN" b="1" dirty="0">
-                <a:solidFill>
-                  <a:srgbClr val="C00000"/>
-                </a:solidFill>
-                <a:latin typeface="Calibri" panose="020F0502020204030204" pitchFamily="34" charset="0"/>
-                <a:cs typeface="Calibri" panose="020F0502020204030204" pitchFamily="34" charset="0"/>
-              </a:rPr>
-              <a:t>GCN</a:t>
-            </a:r>
-            <a:endParaRPr kumimoji="1" lang="zh-CN" altLang="en-US" b="1" dirty="0">
-              <a:solidFill>
-                <a:srgbClr val="C00000"/>
-              </a:solidFill>
-              <a:latin typeface="Calibri" panose="020F0502020204030204" pitchFamily="34" charset="0"/>
-              <a:cs typeface="Calibri" panose="020F0502020204030204" pitchFamily="34" charset="0"/>
-            </a:endParaRPr>
-          </a:p>
-        </p:txBody>
-      </p:sp>
-      <p:cxnSp>
-        <p:nvCxnSpPr>
-          <p:cNvPr id="19" name="直线箭头连接符 18">
-            <a:extLst>
-              <a:ext uri="{FF2B5EF4-FFF2-40B4-BE49-F238E27FC236}">
-                <a16:creationId xmlns:a16="http://schemas.microsoft.com/office/drawing/2014/main" id="{F4E8B3BC-6920-6C4E-8BDE-FD72453F1C57}"/>
-              </a:ext>
-            </a:extLst>
-          </p:cNvPr>
-          <p:cNvCxnSpPr>
-            <a:cxnSpLocks/>
-            <a:endCxn id="4" idx="0"/>
-          </p:cNvCxnSpPr>
-          <p:nvPr/>
-        </p:nvCxnSpPr>
-        <p:spPr>
-          <a:xfrm flipH="1">
-            <a:off x="7464519" y="2001145"/>
-            <a:ext cx="361955" cy="1596661"/>
-          </a:xfrm>
-          <a:prstGeom prst="straightConnector1">
-            <a:avLst/>
-          </a:prstGeom>
-          <a:ln w="19050">
-            <a:solidFill>
-              <a:schemeClr val="accent1">
-                <a:lumMod val="75000"/>
-              </a:schemeClr>
-            </a:solidFill>
-            <a:tailEnd type="triangle"/>
-          </a:ln>
-        </p:spPr>
-        <p:style>
-          <a:lnRef idx="1">
-            <a:schemeClr val="dk1"/>
-          </a:lnRef>
-          <a:fillRef idx="0">
-            <a:schemeClr val="dk1"/>
-          </a:fillRef>
-          <a:effectRef idx="0">
-            <a:schemeClr val="dk1"/>
-          </a:effectRef>
-          <a:fontRef idx="minor">
-            <a:schemeClr val="tx1"/>
-          </a:fontRef>
-        </p:style>
-      </p:cxnSp>
-      <p:sp>
-        <p:nvSpPr>
-          <p:cNvPr id="14" name="椭圆 13">
-            <a:extLst>
-              <a:ext uri="{FF2B5EF4-FFF2-40B4-BE49-F238E27FC236}">
-                <a16:creationId xmlns:a16="http://schemas.microsoft.com/office/drawing/2014/main" id="{4EEEE7FB-1FC2-1845-85A6-9C8F723331DA}"/>
-              </a:ext>
-            </a:extLst>
-          </p:cNvPr>
-          <p:cNvSpPr/>
-          <p:nvPr/>
-        </p:nvSpPr>
-        <p:spPr>
-          <a:xfrm>
-            <a:off x="8623395" y="4891587"/>
-            <a:ext cx="1634014" cy="920123"/>
-          </a:xfrm>
-          <a:prstGeom prst="ellipse">
-            <a:avLst/>
-          </a:prstGeom>
-          <a:solidFill>
-            <a:srgbClr val="FFFFFF"/>
-          </a:solidFill>
-          <a:ln w="19050">
-            <a:solidFill>
-              <a:schemeClr val="accent1">
-                <a:lumMod val="75000"/>
-              </a:schemeClr>
-            </a:solidFill>
-          </a:ln>
-        </p:spPr>
-        <p:style>
-          <a:lnRef idx="2">
-            <a:schemeClr val="accent6"/>
-          </a:lnRef>
-          <a:fillRef idx="1">
-            <a:schemeClr val="lt1"/>
-          </a:fillRef>
-          <a:effectRef idx="0">
-            <a:schemeClr val="accent6"/>
-          </a:effectRef>
-          <a:fontRef idx="minor">
-            <a:schemeClr val="dk1"/>
-          </a:fontRef>
-        </p:style>
-        <p:txBody>
-          <a:bodyPr rtlCol="0" anchor="ctr"/>
-          <a:lstStyle/>
-          <a:p>
-            <a:pPr algn="ctr"/>
-            <a:r>
-              <a:rPr kumimoji="1" lang="en-US" altLang="zh-CN" b="1" dirty="0">
-                <a:latin typeface="Calibri" panose="020F0502020204030204" pitchFamily="34" charset="0"/>
-                <a:cs typeface="Calibri" panose="020F0502020204030204" pitchFamily="34" charset="0"/>
-              </a:rPr>
-              <a:t>Word2Vec</a:t>
-            </a:r>
-            <a:endParaRPr kumimoji="1" lang="zh-CN" altLang="en-US" b="1" dirty="0">
-              <a:latin typeface="Calibri" panose="020F0502020204030204" pitchFamily="34" charset="0"/>
-              <a:cs typeface="Calibri" panose="020F0502020204030204" pitchFamily="34" charset="0"/>
-            </a:endParaRPr>
-          </a:p>
-        </p:txBody>
-      </p:sp>
-      <p:cxnSp>
-        <p:nvCxnSpPr>
-          <p:cNvPr id="21" name="直线箭头连接符 20">
-            <a:extLst>
-              <a:ext uri="{FF2B5EF4-FFF2-40B4-BE49-F238E27FC236}">
-                <a16:creationId xmlns:a16="http://schemas.microsoft.com/office/drawing/2014/main" id="{D5706766-4E8B-4949-A0D1-F2A80D1BC289}"/>
-              </a:ext>
-            </a:extLst>
-          </p:cNvPr>
-          <p:cNvCxnSpPr>
-            <a:cxnSpLocks/>
-            <a:endCxn id="4" idx="6"/>
-          </p:cNvCxnSpPr>
-          <p:nvPr/>
-        </p:nvCxnSpPr>
-        <p:spPr>
-          <a:xfrm flipH="1">
-            <a:off x="8359104" y="4152115"/>
-            <a:ext cx="765568" cy="82691"/>
-          </a:xfrm>
-          <a:prstGeom prst="straightConnector1">
-            <a:avLst/>
-          </a:prstGeom>
-          <a:ln w="19050">
-            <a:solidFill>
-              <a:schemeClr val="accent1">
-                <a:lumMod val="75000"/>
-              </a:schemeClr>
-            </a:solidFill>
-            <a:tailEnd type="triangle"/>
-          </a:ln>
-        </p:spPr>
-        <p:style>
-          <a:lnRef idx="1">
-            <a:schemeClr val="dk1"/>
-          </a:lnRef>
-          <a:fillRef idx="0">
-            <a:schemeClr val="dk1"/>
-          </a:fillRef>
-          <a:effectRef idx="0">
-            <a:schemeClr val="dk1"/>
+            <a:schemeClr val="accent3"/>
           </a:effectRef>
           <a:fontRef idx="minor">
             <a:schemeClr val="tx1"/>
@@ -6073,1035 +6056,41 @@
       </p:cxnSp>
       <p:cxnSp>
         <p:nvCxnSpPr>
-          <p:cNvPr id="24" name="直线箭头连接符 23">
-            <a:extLst>
-              <a:ext uri="{FF2B5EF4-FFF2-40B4-BE49-F238E27FC236}">
-                <a16:creationId xmlns:a16="http://schemas.microsoft.com/office/drawing/2014/main" id="{58D9B24F-2099-604B-898A-298BC58BC8CD}"/>
+          <p:cNvPr id="28" name="直线连接符 27">
+            <a:extLst>
+              <a:ext uri="{FF2B5EF4-FFF2-40B4-BE49-F238E27FC236}">
+                <a16:creationId xmlns:a16="http://schemas.microsoft.com/office/drawing/2014/main" id="{324E7D3D-C9FC-8545-8472-B5BFC9034704}"/>
               </a:ext>
             </a:extLst>
           </p:cNvPr>
           <p:cNvCxnSpPr>
             <a:cxnSpLocks/>
-            <a:stCxn id="4" idx="5"/>
-            <a:endCxn id="14" idx="2"/>
           </p:cNvCxnSpPr>
           <p:nvPr/>
         </p:nvCxnSpPr>
         <p:spPr>
-          <a:xfrm>
-            <a:off x="8097086" y="4685233"/>
-            <a:ext cx="526309" cy="666416"/>
-          </a:xfrm>
-          <a:prstGeom prst="straightConnector1">
-            <a:avLst/>
-          </a:prstGeom>
-          <a:ln w="19050">
+          <a:xfrm flipH="1">
+            <a:off x="0" y="4459704"/>
+            <a:ext cx="10026316" cy="766012"/>
+          </a:xfrm>
+          <a:prstGeom prst="line">
+            <a:avLst/>
+          </a:prstGeom>
+          <a:ln>
             <a:solidFill>
-              <a:schemeClr val="accent1">
-                <a:lumMod val="75000"/>
-              </a:schemeClr>
+              <a:schemeClr val="accent4"/>
             </a:solidFill>
-            <a:tailEnd type="triangle"/>
           </a:ln>
         </p:spPr>
         <p:style>
           <a:lnRef idx="1">
-            <a:schemeClr val="dk1"/>
+            <a:schemeClr val="accent3"/>
           </a:lnRef>
           <a:fillRef idx="0">
-            <a:schemeClr val="dk1"/>
+            <a:schemeClr val="accent3"/>
           </a:fillRef>
           <a:effectRef idx="0">
-            <a:schemeClr val="dk1"/>
-          </a:effectRef>
-          <a:fontRef idx="minor">
-            <a:schemeClr val="tx1"/>
-          </a:fontRef>
-        </p:style>
-      </p:cxnSp>
-      <p:sp>
-        <p:nvSpPr>
-          <p:cNvPr id="28" name="矩形 27">
-            <a:extLst>
-              <a:ext uri="{FF2B5EF4-FFF2-40B4-BE49-F238E27FC236}">
-                <a16:creationId xmlns:a16="http://schemas.microsoft.com/office/drawing/2014/main" id="{B3E5C349-C895-6C49-B60E-D0BA7BE7F171}"/>
-              </a:ext>
-            </a:extLst>
-          </p:cNvPr>
-          <p:cNvSpPr/>
-          <p:nvPr/>
-        </p:nvSpPr>
-        <p:spPr>
-          <a:xfrm>
-            <a:off x="6947109" y="2568746"/>
-            <a:ext cx="1363478" cy="660629"/>
-          </a:xfrm>
-          <a:prstGeom prst="rect">
-            <a:avLst/>
-          </a:prstGeom>
-          <a:solidFill>
-            <a:schemeClr val="bg1"/>
-          </a:solidFill>
-          <a:ln w="19050">
-            <a:solidFill>
-              <a:schemeClr val="accent2">
-                <a:lumMod val="60000"/>
-                <a:lumOff val="40000"/>
-              </a:schemeClr>
-            </a:solidFill>
-          </a:ln>
-        </p:spPr>
-        <p:style>
-          <a:lnRef idx="2">
-            <a:schemeClr val="accent6"/>
-          </a:lnRef>
-          <a:fillRef idx="1">
-            <a:schemeClr val="lt1"/>
-          </a:fillRef>
-          <a:effectRef idx="0">
-            <a:schemeClr val="accent6"/>
-          </a:effectRef>
-          <a:fontRef idx="minor">
-            <a:schemeClr val="dk1"/>
-          </a:fontRef>
-        </p:style>
-        <p:txBody>
-          <a:bodyPr rtlCol="0" anchor="ctr"/>
-          <a:lstStyle/>
-          <a:p>
-            <a:pPr algn="ctr"/>
-            <a:r>
-              <a:rPr kumimoji="1" lang="en-US" altLang="zh-CN" dirty="0">
-                <a:solidFill>
-                  <a:schemeClr val="tx1"/>
-                </a:solidFill>
-                <a:latin typeface="Calibri" panose="020F0502020204030204" pitchFamily="34" charset="0"/>
-                <a:cs typeface="Calibri" panose="020F0502020204030204" pitchFamily="34" charset="0"/>
-              </a:rPr>
-              <a:t>citation context</a:t>
-            </a:r>
-            <a:endParaRPr kumimoji="1" lang="zh-CN" altLang="en-US" dirty="0">
-              <a:solidFill>
-                <a:schemeClr val="tx1"/>
-              </a:solidFill>
-              <a:latin typeface="Calibri" panose="020F0502020204030204" pitchFamily="34" charset="0"/>
-              <a:cs typeface="Calibri" panose="020F0502020204030204" pitchFamily="34" charset="0"/>
-            </a:endParaRPr>
-          </a:p>
-        </p:txBody>
-      </p:sp>
-      <p:sp>
-        <p:nvSpPr>
-          <p:cNvPr id="40" name="椭圆 39">
-            <a:extLst>
-              <a:ext uri="{FF2B5EF4-FFF2-40B4-BE49-F238E27FC236}">
-                <a16:creationId xmlns:a16="http://schemas.microsoft.com/office/drawing/2014/main" id="{55BD0A76-4986-1C4D-A72F-11E43F195DC6}"/>
-              </a:ext>
-            </a:extLst>
-          </p:cNvPr>
-          <p:cNvSpPr/>
-          <p:nvPr/>
-        </p:nvSpPr>
-        <p:spPr>
-          <a:xfrm rot="2642623">
-            <a:off x="9080500" y="3864109"/>
-            <a:ext cx="468893" cy="477007"/>
-          </a:xfrm>
-          <a:prstGeom prst="ellipse">
-            <a:avLst/>
-          </a:prstGeom>
-          <a:ln w="19050">
-            <a:solidFill>
-              <a:schemeClr val="accent1">
-                <a:lumMod val="75000"/>
-              </a:schemeClr>
-            </a:solidFill>
-          </a:ln>
-        </p:spPr>
-        <p:style>
-          <a:lnRef idx="2">
-            <a:schemeClr val="accent6"/>
-          </a:lnRef>
-          <a:fillRef idx="1">
-            <a:schemeClr val="lt1"/>
-          </a:fillRef>
-          <a:effectRef idx="0">
-            <a:schemeClr val="accent6"/>
-          </a:effectRef>
-          <a:fontRef idx="minor">
-            <a:schemeClr val="dk1"/>
-          </a:fontRef>
-        </p:style>
-        <p:txBody>
-          <a:bodyPr rtlCol="0" anchor="ctr"/>
-          <a:lstStyle/>
-          <a:p>
-            <a:pPr algn="ctr"/>
-            <a:endParaRPr kumimoji="1" lang="zh-CN" altLang="en-US" dirty="0">
-              <a:latin typeface="Calibri" panose="020F0502020204030204" pitchFamily="34" charset="0"/>
-              <a:cs typeface="Calibri" panose="020F0502020204030204" pitchFamily="34" charset="0"/>
-            </a:endParaRPr>
-          </a:p>
-        </p:txBody>
-      </p:sp>
-      <p:sp>
-        <p:nvSpPr>
-          <p:cNvPr id="44" name="椭圆 43">
-            <a:extLst>
-              <a:ext uri="{FF2B5EF4-FFF2-40B4-BE49-F238E27FC236}">
-                <a16:creationId xmlns:a16="http://schemas.microsoft.com/office/drawing/2014/main" id="{A4D8EA85-E625-F346-BCE5-04F7FA4545D9}"/>
-              </a:ext>
-            </a:extLst>
-          </p:cNvPr>
-          <p:cNvSpPr/>
-          <p:nvPr/>
-        </p:nvSpPr>
-        <p:spPr>
-          <a:xfrm rot="18641834">
-            <a:off x="6133832" y="5222044"/>
-            <a:ext cx="468893" cy="484531"/>
-          </a:xfrm>
-          <a:prstGeom prst="ellipse">
-            <a:avLst/>
-          </a:prstGeom>
-          <a:ln w="19050">
-            <a:solidFill>
-              <a:schemeClr val="accent1">
-                <a:lumMod val="75000"/>
-              </a:schemeClr>
-            </a:solidFill>
-          </a:ln>
-        </p:spPr>
-        <p:style>
-          <a:lnRef idx="2">
-            <a:schemeClr val="accent6"/>
-          </a:lnRef>
-          <a:fillRef idx="1">
-            <a:schemeClr val="lt1"/>
-          </a:fillRef>
-          <a:effectRef idx="0">
-            <a:schemeClr val="accent6"/>
-          </a:effectRef>
-          <a:fontRef idx="minor">
-            <a:schemeClr val="dk1"/>
-          </a:fontRef>
-        </p:style>
-        <p:txBody>
-          <a:bodyPr rtlCol="0" anchor="ctr"/>
-          <a:lstStyle/>
-          <a:p>
-            <a:pPr algn="ctr"/>
-            <a:endParaRPr kumimoji="1" lang="zh-CN" altLang="en-US" dirty="0">
-              <a:latin typeface="Calibri" panose="020F0502020204030204" pitchFamily="34" charset="0"/>
-              <a:cs typeface="Calibri" panose="020F0502020204030204" pitchFamily="34" charset="0"/>
-            </a:endParaRPr>
-          </a:p>
-        </p:txBody>
-      </p:sp>
-      <p:cxnSp>
-        <p:nvCxnSpPr>
-          <p:cNvPr id="45" name="直线箭头连接符 44">
-            <a:extLst>
-              <a:ext uri="{FF2B5EF4-FFF2-40B4-BE49-F238E27FC236}">
-                <a16:creationId xmlns:a16="http://schemas.microsoft.com/office/drawing/2014/main" id="{0972208D-205F-2147-9630-946CCB59D0A2}"/>
-              </a:ext>
-            </a:extLst>
-          </p:cNvPr>
-          <p:cNvCxnSpPr>
-            <a:cxnSpLocks/>
-            <a:stCxn id="4" idx="4"/>
-            <a:endCxn id="44" idx="6"/>
-          </p:cNvCxnSpPr>
-          <p:nvPr/>
-        </p:nvCxnSpPr>
-        <p:spPr>
-          <a:xfrm flipH="1">
-            <a:off x="6521152" y="4871806"/>
-            <a:ext cx="943367" cy="414755"/>
-          </a:xfrm>
-          <a:prstGeom prst="straightConnector1">
-            <a:avLst/>
-          </a:prstGeom>
-          <a:ln w="19050">
-            <a:solidFill>
-              <a:schemeClr val="accent1">
-                <a:lumMod val="75000"/>
-              </a:schemeClr>
-            </a:solidFill>
-            <a:tailEnd type="triangle"/>
-          </a:ln>
-        </p:spPr>
-        <p:style>
-          <a:lnRef idx="1">
-            <a:schemeClr val="dk1"/>
-          </a:lnRef>
-          <a:fillRef idx="0">
-            <a:schemeClr val="dk1"/>
-          </a:fillRef>
-          <a:effectRef idx="0">
-            <a:schemeClr val="dk1"/>
-          </a:effectRef>
-          <a:fontRef idx="minor">
-            <a:schemeClr val="tx1"/>
-          </a:fontRef>
-        </p:style>
-      </p:cxnSp>
-      <p:sp>
-        <p:nvSpPr>
-          <p:cNvPr id="49" name="文本框 48">
-            <a:extLst>
-              <a:ext uri="{FF2B5EF4-FFF2-40B4-BE49-F238E27FC236}">
-                <a16:creationId xmlns:a16="http://schemas.microsoft.com/office/drawing/2014/main" id="{449B90EE-EB0B-C749-A3F7-6BE2797CD1BC}"/>
-              </a:ext>
-            </a:extLst>
-          </p:cNvPr>
-          <p:cNvSpPr txBox="1"/>
-          <p:nvPr/>
-        </p:nvSpPr>
-        <p:spPr>
-          <a:xfrm>
-            <a:off x="7453462" y="5106623"/>
-            <a:ext cx="622884" cy="378264"/>
-          </a:xfrm>
-          <a:prstGeom prst="rect">
-            <a:avLst/>
-          </a:prstGeom>
-          <a:noFill/>
-          <a:ln w="19050">
-            <a:solidFill>
-              <a:schemeClr val="accent4">
-                <a:lumMod val="20000"/>
-                <a:lumOff val="80000"/>
-              </a:schemeClr>
-            </a:solidFill>
-          </a:ln>
-        </p:spPr>
-        <p:txBody>
-          <a:bodyPr wrap="square" rtlCol="0">
-            <a:spAutoFit/>
-          </a:bodyPr>
-          <a:lstStyle/>
-          <a:p>
-            <a:r>
-              <a:rPr kumimoji="1" lang="en-US" altLang="zh-CN" b="1" dirty="0">
-                <a:latin typeface="Calibri" panose="020F0502020204030204" pitchFamily="34" charset="0"/>
-                <a:cs typeface="Calibri" panose="020F0502020204030204" pitchFamily="34" charset="0"/>
-              </a:rPr>
-              <a:t>…</a:t>
-            </a:r>
-            <a:endParaRPr kumimoji="1" lang="zh-CN" altLang="en-US" b="1" dirty="0">
-              <a:latin typeface="Calibri" panose="020F0502020204030204" pitchFamily="34" charset="0"/>
-              <a:cs typeface="Calibri" panose="020F0502020204030204" pitchFamily="34" charset="0"/>
-            </a:endParaRPr>
-          </a:p>
-        </p:txBody>
-      </p:sp>
-      <p:cxnSp>
-        <p:nvCxnSpPr>
-          <p:cNvPr id="53" name="直线箭头连接符 52">
-            <a:extLst>
-              <a:ext uri="{FF2B5EF4-FFF2-40B4-BE49-F238E27FC236}">
-                <a16:creationId xmlns:a16="http://schemas.microsoft.com/office/drawing/2014/main" id="{A7CFED1C-E267-8449-AEC0-246DCD4AF301}"/>
-              </a:ext>
-            </a:extLst>
-          </p:cNvPr>
-          <p:cNvCxnSpPr>
-            <a:cxnSpLocks/>
-            <a:stCxn id="54" idx="7"/>
-            <a:endCxn id="3" idx="7"/>
-          </p:cNvCxnSpPr>
-          <p:nvPr/>
-        </p:nvCxnSpPr>
-        <p:spPr>
-          <a:xfrm flipH="1">
-            <a:off x="8955129" y="830806"/>
-            <a:ext cx="173154" cy="329724"/>
-          </a:xfrm>
-          <a:prstGeom prst="straightConnector1">
-            <a:avLst/>
-          </a:prstGeom>
-          <a:ln w="19050">
-            <a:solidFill>
-              <a:schemeClr val="accent1">
-                <a:lumMod val="75000"/>
-              </a:schemeClr>
-            </a:solidFill>
-            <a:tailEnd type="triangle"/>
-          </a:ln>
-        </p:spPr>
-        <p:style>
-          <a:lnRef idx="1">
-            <a:schemeClr val="dk1"/>
-          </a:lnRef>
-          <a:fillRef idx="0">
-            <a:schemeClr val="dk1"/>
-          </a:fillRef>
-          <a:effectRef idx="0">
-            <a:schemeClr val="dk1"/>
-          </a:effectRef>
-          <a:fontRef idx="minor">
-            <a:schemeClr val="tx1"/>
-          </a:fontRef>
-        </p:style>
-      </p:cxnSp>
-      <p:sp>
-        <p:nvSpPr>
-          <p:cNvPr id="54" name="椭圆 53">
-            <a:extLst>
-              <a:ext uri="{FF2B5EF4-FFF2-40B4-BE49-F238E27FC236}">
-                <a16:creationId xmlns:a16="http://schemas.microsoft.com/office/drawing/2014/main" id="{B653AAAD-BA07-2941-84F6-16D2508BB242}"/>
-              </a:ext>
-            </a:extLst>
-          </p:cNvPr>
-          <p:cNvSpPr/>
-          <p:nvPr/>
-        </p:nvSpPr>
-        <p:spPr>
-          <a:xfrm rot="12610101">
-            <a:off x="9122521" y="647633"/>
-            <a:ext cx="297498" cy="292964"/>
-          </a:xfrm>
-          <a:prstGeom prst="ellipse">
-            <a:avLst/>
-          </a:prstGeom>
-          <a:ln w="19050">
-            <a:solidFill>
-              <a:schemeClr val="accent1">
-                <a:lumMod val="75000"/>
-              </a:schemeClr>
-            </a:solidFill>
-          </a:ln>
-        </p:spPr>
-        <p:style>
-          <a:lnRef idx="2">
-            <a:schemeClr val="accent6"/>
-          </a:lnRef>
-          <a:fillRef idx="1">
-            <a:schemeClr val="lt1"/>
-          </a:fillRef>
-          <a:effectRef idx="0">
-            <a:schemeClr val="accent6"/>
-          </a:effectRef>
-          <a:fontRef idx="minor">
-            <a:schemeClr val="dk1"/>
-          </a:fontRef>
-        </p:style>
-        <p:txBody>
-          <a:bodyPr rtlCol="0" anchor="ctr"/>
-          <a:lstStyle/>
-          <a:p>
-            <a:pPr algn="ctr"/>
-            <a:endParaRPr kumimoji="1" lang="zh-CN" altLang="en-US" dirty="0">
-              <a:latin typeface="Calibri" panose="020F0502020204030204" pitchFamily="34" charset="0"/>
-              <a:cs typeface="Calibri" panose="020F0502020204030204" pitchFamily="34" charset="0"/>
-            </a:endParaRPr>
-          </a:p>
-        </p:txBody>
-      </p:sp>
-      <p:cxnSp>
-        <p:nvCxnSpPr>
-          <p:cNvPr id="61" name="直线箭头连接符 60">
-            <a:extLst>
-              <a:ext uri="{FF2B5EF4-FFF2-40B4-BE49-F238E27FC236}">
-                <a16:creationId xmlns:a16="http://schemas.microsoft.com/office/drawing/2014/main" id="{6F78533E-9A5F-1646-A11B-A1583ADB379D}"/>
-              </a:ext>
-            </a:extLst>
-          </p:cNvPr>
-          <p:cNvCxnSpPr>
-            <a:cxnSpLocks/>
-            <a:stCxn id="40" idx="0"/>
-          </p:cNvCxnSpPr>
-          <p:nvPr/>
-        </p:nvCxnSpPr>
-        <p:spPr>
-          <a:xfrm flipV="1">
-            <a:off x="9480756" y="3710582"/>
-            <a:ext cx="280572" cy="220592"/>
-          </a:xfrm>
-          <a:prstGeom prst="straightConnector1">
-            <a:avLst/>
-          </a:prstGeom>
-          <a:ln w="19050">
-            <a:solidFill>
-              <a:schemeClr val="accent1">
-                <a:lumMod val="75000"/>
-              </a:schemeClr>
-            </a:solidFill>
-            <a:tailEnd type="triangle"/>
-          </a:ln>
-        </p:spPr>
-        <p:style>
-          <a:lnRef idx="1">
-            <a:schemeClr val="dk1"/>
-          </a:lnRef>
-          <a:fillRef idx="0">
-            <a:schemeClr val="dk1"/>
-          </a:fillRef>
-          <a:effectRef idx="0">
-            <a:schemeClr val="dk1"/>
-          </a:effectRef>
-          <a:fontRef idx="minor">
-            <a:schemeClr val="tx1"/>
-          </a:fontRef>
-        </p:style>
-      </p:cxnSp>
-      <p:sp>
-        <p:nvSpPr>
-          <p:cNvPr id="62" name="椭圆 61">
-            <a:extLst>
-              <a:ext uri="{FF2B5EF4-FFF2-40B4-BE49-F238E27FC236}">
-                <a16:creationId xmlns:a16="http://schemas.microsoft.com/office/drawing/2014/main" id="{83FF4F26-229D-3445-AFCE-F6D05F50A189}"/>
-              </a:ext>
-            </a:extLst>
-          </p:cNvPr>
-          <p:cNvSpPr/>
-          <p:nvPr/>
-        </p:nvSpPr>
-        <p:spPr>
-          <a:xfrm rot="15653025">
-            <a:off x="9724598" y="3465364"/>
-            <a:ext cx="297498" cy="292964"/>
-          </a:xfrm>
-          <a:prstGeom prst="ellipse">
-            <a:avLst/>
-          </a:prstGeom>
-          <a:ln w="19050">
-            <a:solidFill>
-              <a:schemeClr val="accent1">
-                <a:lumMod val="75000"/>
-              </a:schemeClr>
-            </a:solidFill>
-          </a:ln>
-        </p:spPr>
-        <p:style>
-          <a:lnRef idx="2">
-            <a:schemeClr val="accent6"/>
-          </a:lnRef>
-          <a:fillRef idx="1">
-            <a:schemeClr val="lt1"/>
-          </a:fillRef>
-          <a:effectRef idx="0">
-            <a:schemeClr val="accent6"/>
-          </a:effectRef>
-          <a:fontRef idx="minor">
-            <a:schemeClr val="dk1"/>
-          </a:fontRef>
-        </p:style>
-        <p:txBody>
-          <a:bodyPr rtlCol="0" anchor="ctr"/>
-          <a:lstStyle/>
-          <a:p>
-            <a:pPr algn="ctr"/>
-            <a:endParaRPr kumimoji="1" lang="zh-CN" altLang="en-US" dirty="0">
-              <a:latin typeface="Calibri" panose="020F0502020204030204" pitchFamily="34" charset="0"/>
-              <a:cs typeface="Calibri" panose="020F0502020204030204" pitchFamily="34" charset="0"/>
-            </a:endParaRPr>
-          </a:p>
-        </p:txBody>
-      </p:sp>
-      <p:cxnSp>
-        <p:nvCxnSpPr>
-          <p:cNvPr id="66" name="直线箭头连接符 65">
-            <a:extLst>
-              <a:ext uri="{FF2B5EF4-FFF2-40B4-BE49-F238E27FC236}">
-                <a16:creationId xmlns:a16="http://schemas.microsoft.com/office/drawing/2014/main" id="{F2095BB6-E932-574D-95FE-CAF17EE6A3DB}"/>
-              </a:ext>
-            </a:extLst>
-          </p:cNvPr>
-          <p:cNvCxnSpPr>
-            <a:cxnSpLocks/>
-            <a:stCxn id="67" idx="0"/>
-            <a:endCxn id="44" idx="2"/>
-          </p:cNvCxnSpPr>
-          <p:nvPr/>
-        </p:nvCxnSpPr>
-        <p:spPr>
-          <a:xfrm flipV="1">
-            <a:off x="6017946" y="5642059"/>
-            <a:ext cx="197459" cy="263291"/>
-          </a:xfrm>
-          <a:prstGeom prst="straightConnector1">
-            <a:avLst/>
-          </a:prstGeom>
-          <a:ln w="19050">
-            <a:solidFill>
-              <a:schemeClr val="accent1">
-                <a:lumMod val="75000"/>
-              </a:schemeClr>
-            </a:solidFill>
-            <a:tailEnd type="triangle"/>
-          </a:ln>
-        </p:spPr>
-        <p:style>
-          <a:lnRef idx="1">
-            <a:schemeClr val="dk1"/>
-          </a:lnRef>
-          <a:fillRef idx="0">
-            <a:schemeClr val="dk1"/>
-          </a:fillRef>
-          <a:effectRef idx="0">
-            <a:schemeClr val="dk1"/>
-          </a:effectRef>
-          <a:fontRef idx="minor">
-            <a:schemeClr val="tx1"/>
-          </a:fontRef>
-        </p:style>
-      </p:cxnSp>
-      <p:sp>
-        <p:nvSpPr>
-          <p:cNvPr id="67" name="椭圆 66">
-            <a:extLst>
-              <a:ext uri="{FF2B5EF4-FFF2-40B4-BE49-F238E27FC236}">
-                <a16:creationId xmlns:a16="http://schemas.microsoft.com/office/drawing/2014/main" id="{FDBD94A0-156B-3344-9FA6-28361576E310}"/>
-              </a:ext>
-            </a:extLst>
-          </p:cNvPr>
-          <p:cNvSpPr/>
-          <p:nvPr/>
-        </p:nvSpPr>
-        <p:spPr>
-          <a:xfrm rot="684744">
-            <a:off x="5840213" y="5902454"/>
-            <a:ext cx="297498" cy="292964"/>
-          </a:xfrm>
-          <a:prstGeom prst="ellipse">
-            <a:avLst/>
-          </a:prstGeom>
-          <a:ln w="19050">
-            <a:solidFill>
-              <a:schemeClr val="accent1">
-                <a:lumMod val="75000"/>
-              </a:schemeClr>
-            </a:solidFill>
-          </a:ln>
-        </p:spPr>
-        <p:style>
-          <a:lnRef idx="2">
-            <a:schemeClr val="accent6"/>
-          </a:lnRef>
-          <a:fillRef idx="1">
-            <a:schemeClr val="lt1"/>
-          </a:fillRef>
-          <a:effectRef idx="0">
-            <a:schemeClr val="accent6"/>
-          </a:effectRef>
-          <a:fontRef idx="minor">
-            <a:schemeClr val="dk1"/>
-          </a:fontRef>
-        </p:style>
-        <p:txBody>
-          <a:bodyPr rtlCol="0" anchor="ctr"/>
-          <a:lstStyle/>
-          <a:p>
-            <a:pPr algn="ctr"/>
-            <a:endParaRPr kumimoji="1" lang="zh-CN" altLang="en-US" dirty="0">
-              <a:latin typeface="Calibri" panose="020F0502020204030204" pitchFamily="34" charset="0"/>
-              <a:cs typeface="Calibri" panose="020F0502020204030204" pitchFamily="34" charset="0"/>
-            </a:endParaRPr>
-          </a:p>
-        </p:txBody>
-      </p:sp>
-      <p:cxnSp>
-        <p:nvCxnSpPr>
-          <p:cNvPr id="75" name="直线箭头连接符 74">
-            <a:extLst>
-              <a:ext uri="{FF2B5EF4-FFF2-40B4-BE49-F238E27FC236}">
-                <a16:creationId xmlns:a16="http://schemas.microsoft.com/office/drawing/2014/main" id="{929A5F2F-F879-904C-94FB-5F5987B73468}"/>
-              </a:ext>
-            </a:extLst>
-          </p:cNvPr>
-          <p:cNvCxnSpPr>
-            <a:cxnSpLocks/>
-            <a:stCxn id="76" idx="7"/>
-            <a:endCxn id="3" idx="6"/>
-          </p:cNvCxnSpPr>
-          <p:nvPr/>
-        </p:nvCxnSpPr>
-        <p:spPr>
-          <a:xfrm flipH="1">
-            <a:off x="9242633" y="1490826"/>
-            <a:ext cx="289411" cy="68095"/>
-          </a:xfrm>
-          <a:prstGeom prst="straightConnector1">
-            <a:avLst/>
-          </a:prstGeom>
-          <a:ln w="19050">
-            <a:solidFill>
-              <a:schemeClr val="accent1">
-                <a:lumMod val="75000"/>
-              </a:schemeClr>
-            </a:solidFill>
-            <a:tailEnd type="triangle"/>
-          </a:ln>
-        </p:spPr>
-        <p:style>
-          <a:lnRef idx="1">
-            <a:schemeClr val="dk1"/>
-          </a:lnRef>
-          <a:fillRef idx="0">
-            <a:schemeClr val="dk1"/>
-          </a:fillRef>
-          <a:effectRef idx="0">
-            <a:schemeClr val="dk1"/>
-          </a:effectRef>
-          <a:fontRef idx="minor">
-            <a:schemeClr val="tx1"/>
-          </a:fontRef>
-        </p:style>
-      </p:cxnSp>
-      <p:sp>
-        <p:nvSpPr>
-          <p:cNvPr id="76" name="椭圆 75">
-            <a:extLst>
-              <a:ext uri="{FF2B5EF4-FFF2-40B4-BE49-F238E27FC236}">
-                <a16:creationId xmlns:a16="http://schemas.microsoft.com/office/drawing/2014/main" id="{62020212-83FA-0449-85A3-E0E83A0F17BD}"/>
-              </a:ext>
-            </a:extLst>
-          </p:cNvPr>
-          <p:cNvSpPr/>
-          <p:nvPr/>
-        </p:nvSpPr>
-        <p:spPr>
-          <a:xfrm rot="14477309">
-            <a:off x="9524667" y="1386834"/>
-            <a:ext cx="297498" cy="292964"/>
-          </a:xfrm>
-          <a:prstGeom prst="ellipse">
-            <a:avLst/>
-          </a:prstGeom>
-          <a:ln w="19050">
-            <a:solidFill>
-              <a:schemeClr val="accent1">
-                <a:lumMod val="75000"/>
-              </a:schemeClr>
-            </a:solidFill>
-          </a:ln>
-        </p:spPr>
-        <p:style>
-          <a:lnRef idx="2">
-            <a:schemeClr val="accent6"/>
-          </a:lnRef>
-          <a:fillRef idx="1">
-            <a:schemeClr val="lt1"/>
-          </a:fillRef>
-          <a:effectRef idx="0">
-            <a:schemeClr val="accent6"/>
-          </a:effectRef>
-          <a:fontRef idx="minor">
-            <a:schemeClr val="dk1"/>
-          </a:fontRef>
-        </p:style>
-        <p:txBody>
-          <a:bodyPr rtlCol="0" anchor="ctr"/>
-          <a:lstStyle/>
-          <a:p>
-            <a:pPr algn="ctr"/>
-            <a:endParaRPr kumimoji="1" lang="zh-CN" altLang="en-US" dirty="0">
-              <a:latin typeface="Calibri" panose="020F0502020204030204" pitchFamily="34" charset="0"/>
-              <a:cs typeface="Calibri" panose="020F0502020204030204" pitchFamily="34" charset="0"/>
-            </a:endParaRPr>
-          </a:p>
-        </p:txBody>
-      </p:sp>
-      <p:sp>
-        <p:nvSpPr>
-          <p:cNvPr id="105" name="椭圆 104">
-            <a:extLst>
-              <a:ext uri="{FF2B5EF4-FFF2-40B4-BE49-F238E27FC236}">
-                <a16:creationId xmlns:a16="http://schemas.microsoft.com/office/drawing/2014/main" id="{D0564BA5-4009-744C-823A-C79A2712D84D}"/>
-              </a:ext>
-            </a:extLst>
-          </p:cNvPr>
-          <p:cNvSpPr/>
-          <p:nvPr/>
-        </p:nvSpPr>
-        <p:spPr>
-          <a:xfrm>
-            <a:off x="3314630" y="4044466"/>
-            <a:ext cx="1424135" cy="827340"/>
-          </a:xfrm>
-          <a:prstGeom prst="ellipse">
-            <a:avLst/>
-          </a:prstGeom>
-          <a:solidFill>
-            <a:schemeClr val="bg1"/>
-          </a:solidFill>
-          <a:ln w="19050">
-            <a:solidFill>
-              <a:schemeClr val="accent1">
-                <a:lumMod val="75000"/>
-              </a:schemeClr>
-            </a:solidFill>
-          </a:ln>
-        </p:spPr>
-        <p:style>
-          <a:lnRef idx="2">
-            <a:schemeClr val="accent6"/>
-          </a:lnRef>
-          <a:fillRef idx="1">
-            <a:schemeClr val="lt1"/>
-          </a:fillRef>
-          <a:effectRef idx="0">
-            <a:schemeClr val="accent6"/>
-          </a:effectRef>
-          <a:fontRef idx="minor">
-            <a:schemeClr val="dk1"/>
-          </a:fontRef>
-        </p:style>
-        <p:txBody>
-          <a:bodyPr rtlCol="0" anchor="ctr"/>
-          <a:lstStyle/>
-          <a:p>
-            <a:pPr algn="ctr"/>
-            <a:r>
-              <a:rPr kumimoji="1" lang="en-US" altLang="zh-CN" b="1" dirty="0">
-                <a:latin typeface="Calibri" panose="020F0502020204030204" pitchFamily="34" charset="0"/>
-                <a:cs typeface="Calibri" panose="020F0502020204030204" pitchFamily="34" charset="0"/>
-              </a:rPr>
-              <a:t>GCMC</a:t>
-            </a:r>
-            <a:endParaRPr kumimoji="1" lang="zh-CN" altLang="en-US" b="1" dirty="0">
-              <a:latin typeface="Calibri" panose="020F0502020204030204" pitchFamily="34" charset="0"/>
-              <a:cs typeface="Calibri" panose="020F0502020204030204" pitchFamily="34" charset="0"/>
-            </a:endParaRPr>
-          </a:p>
-        </p:txBody>
-      </p:sp>
-      <p:cxnSp>
-        <p:nvCxnSpPr>
-          <p:cNvPr id="106" name="直线箭头连接符 105">
-            <a:extLst>
-              <a:ext uri="{FF2B5EF4-FFF2-40B4-BE49-F238E27FC236}">
-                <a16:creationId xmlns:a16="http://schemas.microsoft.com/office/drawing/2014/main" id="{473C53AD-8D05-354F-88FC-FF6CBFF8A2EB}"/>
-              </a:ext>
-            </a:extLst>
-          </p:cNvPr>
-          <p:cNvCxnSpPr>
-            <a:cxnSpLocks/>
-            <a:stCxn id="105" idx="6"/>
-            <a:endCxn id="4" idx="2"/>
-          </p:cNvCxnSpPr>
-          <p:nvPr/>
-        </p:nvCxnSpPr>
-        <p:spPr>
-          <a:xfrm flipV="1">
-            <a:off x="4738765" y="4234806"/>
-            <a:ext cx="1831168" cy="223330"/>
-          </a:xfrm>
-          <a:prstGeom prst="straightConnector1">
-            <a:avLst/>
-          </a:prstGeom>
-          <a:ln w="19050">
-            <a:solidFill>
-              <a:schemeClr val="accent1">
-                <a:lumMod val="75000"/>
-              </a:schemeClr>
-            </a:solidFill>
-            <a:tailEnd type="triangle"/>
-          </a:ln>
-        </p:spPr>
-        <p:style>
-          <a:lnRef idx="1">
-            <a:schemeClr val="dk1"/>
-          </a:lnRef>
-          <a:fillRef idx="0">
-            <a:schemeClr val="dk1"/>
-          </a:fillRef>
-          <a:effectRef idx="0">
-            <a:schemeClr val="dk1"/>
-          </a:effectRef>
-          <a:fontRef idx="minor">
-            <a:schemeClr val="tx1"/>
-          </a:fontRef>
-        </p:style>
-      </p:cxnSp>
-      <p:sp>
-        <p:nvSpPr>
-          <p:cNvPr id="29" name="矩形 28">
-            <a:extLst>
-              <a:ext uri="{FF2B5EF4-FFF2-40B4-BE49-F238E27FC236}">
-                <a16:creationId xmlns:a16="http://schemas.microsoft.com/office/drawing/2014/main" id="{F751CC5E-BA23-0048-8157-8C8DB66DF17D}"/>
-              </a:ext>
-            </a:extLst>
-          </p:cNvPr>
-          <p:cNvSpPr/>
-          <p:nvPr/>
-        </p:nvSpPr>
-        <p:spPr>
-          <a:xfrm>
-            <a:off x="681859" y="595821"/>
-            <a:ext cx="5732620" cy="2968534"/>
-          </a:xfrm>
-          <a:prstGeom prst="rect">
-            <a:avLst/>
-          </a:prstGeom>
-          <a:solidFill>
-            <a:schemeClr val="bg1"/>
-          </a:solidFill>
-          <a:ln w="19050">
-            <a:solidFill>
-              <a:schemeClr val="accent2">
-                <a:lumMod val="60000"/>
-                <a:lumOff val="40000"/>
-              </a:schemeClr>
-            </a:solidFill>
-          </a:ln>
-        </p:spPr>
-        <p:style>
-          <a:lnRef idx="2">
-            <a:schemeClr val="accent6"/>
-          </a:lnRef>
-          <a:fillRef idx="1">
-            <a:schemeClr val="lt1"/>
-          </a:fillRef>
-          <a:effectRef idx="0">
-            <a:schemeClr val="accent6"/>
-          </a:effectRef>
-          <a:fontRef idx="minor">
-            <a:schemeClr val="dk1"/>
-          </a:fontRef>
-        </p:style>
-        <p:txBody>
-          <a:bodyPr rtlCol="0" anchor="t" anchorCtr="0"/>
-          <a:lstStyle/>
-          <a:p>
-            <a:r>
-              <a:rPr lang="en" altLang="zh-CN" sz="1900" dirty="0">
-                <a:latin typeface="Calibri" panose="020F0502020204030204" pitchFamily="34" charset="0"/>
-                <a:cs typeface="Calibri" panose="020F0502020204030204" pitchFamily="34" charset="0"/>
-              </a:rPr>
-              <a:t>Text From </a:t>
-            </a:r>
-            <a:r>
-              <a:rPr lang="en" altLang="zh-CN" sz="1900" b="1" dirty="0">
-                <a:solidFill>
-                  <a:schemeClr val="accent6">
-                    <a:lumMod val="75000"/>
-                  </a:schemeClr>
-                </a:solidFill>
-                <a:latin typeface="Calibri" panose="020F0502020204030204" pitchFamily="34" charset="0"/>
-                <a:cs typeface="Calibri" panose="020F0502020204030204" pitchFamily="34" charset="0"/>
-              </a:rPr>
-              <a:t>GraphSAGE</a:t>
-            </a:r>
-            <a:r>
-              <a:rPr lang="en" altLang="zh-CN" sz="1900" dirty="0">
-                <a:latin typeface="Calibri" panose="020F0502020204030204" pitchFamily="34" charset="0"/>
-                <a:cs typeface="Calibri" panose="020F0502020204030204" pitchFamily="34" charset="0"/>
-              </a:rPr>
-              <a:t>: “We also compare four variants of GraphSAGE that use the different aggregator functions (Section 3.3). </a:t>
-            </a:r>
-            <a:r>
-              <a:rPr lang="en" altLang="zh-CN" sz="1900" b="1" dirty="0">
-                <a:latin typeface="Calibri" panose="020F0502020204030204" pitchFamily="34" charset="0"/>
-                <a:cs typeface="Calibri" panose="020F0502020204030204" pitchFamily="34" charset="0"/>
-              </a:rPr>
-              <a:t>Since, the "convolutional" variant of GraphSAGE is an extended, inductive version of </a:t>
-            </a:r>
-            <a:r>
-              <a:rPr lang="en" altLang="zh-CN" sz="1900" b="1" dirty="0" err="1">
-                <a:latin typeface="Calibri" panose="020F0502020204030204" pitchFamily="34" charset="0"/>
-                <a:cs typeface="Calibri" panose="020F0502020204030204" pitchFamily="34" charset="0"/>
-              </a:rPr>
-              <a:t>Kipf</a:t>
-            </a:r>
-            <a:r>
-              <a:rPr lang="en" altLang="zh-CN" sz="1900" b="1" dirty="0">
-                <a:latin typeface="Calibri" panose="020F0502020204030204" pitchFamily="34" charset="0"/>
-                <a:cs typeface="Calibri" panose="020F0502020204030204" pitchFamily="34" charset="0"/>
-              </a:rPr>
-              <a:t> et </a:t>
-            </a:r>
-            <a:r>
-              <a:rPr lang="en" altLang="zh-CN" sz="1900" b="1" dirty="0" err="1">
-                <a:latin typeface="Calibri" panose="020F0502020204030204" pitchFamily="34" charset="0"/>
-                <a:cs typeface="Calibri" panose="020F0502020204030204" pitchFamily="34" charset="0"/>
-              </a:rPr>
-              <a:t>al's</a:t>
-            </a:r>
-            <a:r>
-              <a:rPr lang="en" altLang="zh-CN" sz="1900" b="1" dirty="0">
-                <a:latin typeface="Calibri" panose="020F0502020204030204" pitchFamily="34" charset="0"/>
-                <a:cs typeface="Calibri" panose="020F0502020204030204" pitchFamily="34" charset="0"/>
-              </a:rPr>
-              <a:t> semi-supervised GCN </a:t>
-            </a:r>
-            <a:r>
-              <a:rPr lang="en" altLang="zh-CN" sz="1900" b="1" dirty="0">
-                <a:solidFill>
-                  <a:srgbClr val="C00000"/>
-                </a:solidFill>
-                <a:latin typeface="Calibri" panose="020F0502020204030204" pitchFamily="34" charset="0"/>
-                <a:cs typeface="Calibri" panose="020F0502020204030204" pitchFamily="34" charset="0"/>
-              </a:rPr>
-              <a:t>[17] </a:t>
-            </a:r>
-            <a:r>
-              <a:rPr lang="en" altLang="zh-CN" sz="1900" b="1" dirty="0">
-                <a:latin typeface="Calibri" panose="020F0502020204030204" pitchFamily="34" charset="0"/>
-                <a:cs typeface="Calibri" panose="020F0502020204030204" pitchFamily="34" charset="0"/>
-              </a:rPr>
-              <a:t>, we term this variant GraphSAGE-GCN.</a:t>
-            </a:r>
-            <a:r>
-              <a:rPr lang="en" altLang="zh-CN" sz="1900" dirty="0">
-                <a:latin typeface="Calibri" panose="020F0502020204030204" pitchFamily="34" charset="0"/>
-                <a:cs typeface="Calibri" panose="020F0502020204030204" pitchFamily="34" charset="0"/>
-              </a:rPr>
-              <a:t> We test unsupervised variants of GraphSAGE trained according to the loss in Equation (1), as well as supervised variants that are trained directly on classification cross-entropy loss. ”</a:t>
-            </a:r>
-          </a:p>
-          <a:p>
-            <a:endParaRPr lang="en" altLang="zh-CN" dirty="0">
-              <a:solidFill>
-                <a:schemeClr val="tx1"/>
-              </a:solidFill>
-            </a:endParaRPr>
-          </a:p>
-        </p:txBody>
-      </p:sp>
-      <p:cxnSp>
-        <p:nvCxnSpPr>
-          <p:cNvPr id="119" name="直线箭头连接符 118">
-            <a:extLst>
-              <a:ext uri="{FF2B5EF4-FFF2-40B4-BE49-F238E27FC236}">
-                <a16:creationId xmlns:a16="http://schemas.microsoft.com/office/drawing/2014/main" id="{6E71F29E-4815-FB47-95DE-41CD290F95C0}"/>
-              </a:ext>
-            </a:extLst>
-          </p:cNvPr>
-          <p:cNvCxnSpPr>
-            <a:cxnSpLocks/>
-            <a:stCxn id="128" idx="5"/>
-            <a:endCxn id="105" idx="2"/>
-          </p:cNvCxnSpPr>
-          <p:nvPr/>
-        </p:nvCxnSpPr>
-        <p:spPr>
-          <a:xfrm flipV="1">
-            <a:off x="2414757" y="4458136"/>
-            <a:ext cx="899873" cy="210073"/>
-          </a:xfrm>
-          <a:prstGeom prst="straightConnector1">
-            <a:avLst/>
-          </a:prstGeom>
-          <a:ln w="19050">
-            <a:solidFill>
-              <a:schemeClr val="accent1">
-                <a:lumMod val="75000"/>
-              </a:schemeClr>
-            </a:solidFill>
-            <a:tailEnd type="triangle"/>
-          </a:ln>
-        </p:spPr>
-        <p:style>
-          <a:lnRef idx="1">
-            <a:schemeClr val="dk1"/>
-          </a:lnRef>
-          <a:fillRef idx="0">
-            <a:schemeClr val="dk1"/>
-          </a:fillRef>
-          <a:effectRef idx="0">
-            <a:schemeClr val="dk1"/>
+            <a:schemeClr val="accent3"/>
           </a:effectRef>
           <a:fontRef idx="minor">
             <a:schemeClr val="tx1"/>
@@ -7110,235 +6099,81 @@
       </p:cxnSp>
       <p:cxnSp>
         <p:nvCxnSpPr>
-          <p:cNvPr id="121" name="直线箭头连接符 120">
-            <a:extLst>
-              <a:ext uri="{FF2B5EF4-FFF2-40B4-BE49-F238E27FC236}">
-                <a16:creationId xmlns:a16="http://schemas.microsoft.com/office/drawing/2014/main" id="{CB151B8E-87B5-A141-84CB-2A73300A3B9B}"/>
+          <p:cNvPr id="10" name="直线连接符 9">
+            <a:extLst>
+              <a:ext uri="{FF2B5EF4-FFF2-40B4-BE49-F238E27FC236}">
+                <a16:creationId xmlns:a16="http://schemas.microsoft.com/office/drawing/2014/main" id="{CA484657-545F-8F44-B836-E2628AC52111}"/>
               </a:ext>
             </a:extLst>
           </p:cNvPr>
           <p:cNvCxnSpPr>
             <a:cxnSpLocks/>
-            <a:stCxn id="131" idx="7"/>
-            <a:endCxn id="105" idx="4"/>
           </p:cNvCxnSpPr>
           <p:nvPr/>
         </p:nvCxnSpPr>
         <p:spPr>
-          <a:xfrm flipV="1">
-            <a:off x="3919653" y="4871806"/>
-            <a:ext cx="107045" cy="495319"/>
-          </a:xfrm>
-          <a:prstGeom prst="straightConnector1">
-            <a:avLst/>
-          </a:prstGeom>
-          <a:ln w="19050">
+          <a:xfrm flipH="1" flipV="1">
+            <a:off x="0" y="0"/>
+            <a:ext cx="10026316" cy="4203031"/>
+          </a:xfrm>
+          <a:prstGeom prst="line">
+            <a:avLst/>
+          </a:prstGeom>
+          <a:ln>
             <a:solidFill>
-              <a:schemeClr val="accent1">
-                <a:lumMod val="75000"/>
-              </a:schemeClr>
+              <a:schemeClr val="accent4"/>
             </a:solidFill>
-            <a:tailEnd type="triangle"/>
           </a:ln>
         </p:spPr>
         <p:style>
           <a:lnRef idx="1">
-            <a:schemeClr val="dk1"/>
+            <a:schemeClr val="accent3"/>
           </a:lnRef>
           <a:fillRef idx="0">
-            <a:schemeClr val="dk1"/>
+            <a:schemeClr val="accent3"/>
           </a:fillRef>
           <a:effectRef idx="0">
-            <a:schemeClr val="dk1"/>
+            <a:schemeClr val="accent3"/>
           </a:effectRef>
           <a:fontRef idx="minor">
             <a:schemeClr val="tx1"/>
           </a:fontRef>
         </p:style>
       </p:cxnSp>
-      <p:sp>
-        <p:nvSpPr>
-          <p:cNvPr id="128" name="椭圆 127">
-            <a:extLst>
-              <a:ext uri="{FF2B5EF4-FFF2-40B4-BE49-F238E27FC236}">
-                <a16:creationId xmlns:a16="http://schemas.microsoft.com/office/drawing/2014/main" id="{9B5EDDB6-0381-9F4D-81D1-1777E83B2D15}"/>
-              </a:ext>
-            </a:extLst>
-          </p:cNvPr>
-          <p:cNvSpPr/>
+      <p:pic>
+        <p:nvPicPr>
+          <p:cNvPr id="5" name="图片 4">
+            <a:extLst>
+              <a:ext uri="{FF2B5EF4-FFF2-40B4-BE49-F238E27FC236}">
+                <a16:creationId xmlns:a16="http://schemas.microsoft.com/office/drawing/2014/main" id="{B40C59DA-0D80-F744-BAA5-098710DA3A38}"/>
+              </a:ext>
+            </a:extLst>
+          </p:cNvPr>
+          <p:cNvPicPr>
+            <a:picLocks noChangeAspect="1"/>
+          </p:cNvPicPr>
           <p:nvPr/>
-        </p:nvSpPr>
-        <p:spPr>
-          <a:xfrm rot="18641834">
-            <a:off x="1942333" y="4439928"/>
-            <a:ext cx="468893" cy="484531"/>
-          </a:xfrm>
-          <a:prstGeom prst="ellipse">
-            <a:avLst/>
-          </a:prstGeom>
-          <a:ln w="19050">
-            <a:solidFill>
-              <a:schemeClr val="accent1">
-                <a:lumMod val="75000"/>
-              </a:schemeClr>
-            </a:solidFill>
-          </a:ln>
-        </p:spPr>
-        <p:style>
-          <a:lnRef idx="2">
-            <a:schemeClr val="accent6"/>
-          </a:lnRef>
-          <a:fillRef idx="1">
-            <a:schemeClr val="lt1"/>
-          </a:fillRef>
-          <a:effectRef idx="0">
-            <a:schemeClr val="accent6"/>
-          </a:effectRef>
-          <a:fontRef idx="minor">
-            <a:schemeClr val="dk1"/>
-          </a:fontRef>
-        </p:style>
-        <p:txBody>
-          <a:bodyPr rtlCol="0" anchor="ctr"/>
-          <a:lstStyle/>
-          <a:p>
-            <a:pPr algn="ctr"/>
-            <a:endParaRPr kumimoji="1" lang="zh-CN" altLang="en-US" dirty="0">
-              <a:latin typeface="Calibri" panose="020F0502020204030204" pitchFamily="34" charset="0"/>
-              <a:cs typeface="Calibri" panose="020F0502020204030204" pitchFamily="34" charset="0"/>
-            </a:endParaRPr>
-          </a:p>
-        </p:txBody>
-      </p:sp>
-      <p:sp>
-        <p:nvSpPr>
-          <p:cNvPr id="131" name="椭圆 130">
-            <a:extLst>
-              <a:ext uri="{FF2B5EF4-FFF2-40B4-BE49-F238E27FC236}">
-                <a16:creationId xmlns:a16="http://schemas.microsoft.com/office/drawing/2014/main" id="{842D0D4D-CE53-7E44-A829-E0CC552A54DA}"/>
-              </a:ext>
-            </a:extLst>
-          </p:cNvPr>
-          <p:cNvSpPr/>
-          <p:nvPr/>
-        </p:nvSpPr>
-        <p:spPr>
-          <a:xfrm rot="18641834">
-            <a:off x="3706988" y="5362250"/>
-            <a:ext cx="468893" cy="484531"/>
-          </a:xfrm>
-          <a:prstGeom prst="ellipse">
-            <a:avLst/>
-          </a:prstGeom>
-          <a:ln w="19050">
-            <a:solidFill>
-              <a:schemeClr val="accent1">
-                <a:lumMod val="75000"/>
-              </a:schemeClr>
-            </a:solidFill>
-          </a:ln>
-        </p:spPr>
-        <p:style>
-          <a:lnRef idx="2">
-            <a:schemeClr val="accent6"/>
-          </a:lnRef>
-          <a:fillRef idx="1">
-            <a:schemeClr val="lt1"/>
-          </a:fillRef>
-          <a:effectRef idx="0">
-            <a:schemeClr val="accent6"/>
-          </a:effectRef>
-          <a:fontRef idx="minor">
-            <a:schemeClr val="dk1"/>
-          </a:fontRef>
-        </p:style>
-        <p:txBody>
-          <a:bodyPr rtlCol="0" anchor="ctr"/>
-          <a:lstStyle/>
-          <a:p>
-            <a:pPr algn="ctr"/>
-            <a:endParaRPr kumimoji="1" lang="zh-CN" altLang="en-US" dirty="0">
-              <a:latin typeface="Calibri" panose="020F0502020204030204" pitchFamily="34" charset="0"/>
-              <a:cs typeface="Calibri" panose="020F0502020204030204" pitchFamily="34" charset="0"/>
-            </a:endParaRPr>
-          </a:p>
-        </p:txBody>
-      </p:sp>
-      <p:sp>
-        <p:nvSpPr>
-          <p:cNvPr id="3" name="椭圆 2">
-            <a:extLst>
-              <a:ext uri="{FF2B5EF4-FFF2-40B4-BE49-F238E27FC236}">
-                <a16:creationId xmlns:a16="http://schemas.microsoft.com/office/drawing/2014/main" id="{C8CDF892-6BEB-974F-9ACB-EA4D957824FF}"/>
-              </a:ext>
-            </a:extLst>
-          </p:cNvPr>
-          <p:cNvSpPr/>
-          <p:nvPr/>
-        </p:nvSpPr>
+        </p:nvPicPr>
+        <p:blipFill>
+          <a:blip r:embed="rId3"/>
+          <a:stretch>
+            <a:fillRect/>
+          </a:stretch>
+        </p:blipFill>
         <p:spPr>
           <a:xfrm>
-            <a:off x="7279430" y="995511"/>
-            <a:ext cx="1963203" cy="1126820"/>
-          </a:xfrm>
-          <a:prstGeom prst="ellipse">
-            <a:avLst/>
-          </a:prstGeom>
-          <a:ln w="19050">
-            <a:solidFill>
-              <a:schemeClr val="accent1">
-                <a:lumMod val="75000"/>
-              </a:schemeClr>
-            </a:solidFill>
-          </a:ln>
-        </p:spPr>
-        <p:style>
-          <a:lnRef idx="2">
-            <a:schemeClr val="accent6"/>
-          </a:lnRef>
-          <a:fillRef idx="1">
-            <a:schemeClr val="lt1"/>
-          </a:fillRef>
-          <a:effectRef idx="0">
-            <a:schemeClr val="accent6"/>
-          </a:effectRef>
-          <a:fontRef idx="minor">
-            <a:schemeClr val="dk1"/>
-          </a:fontRef>
-        </p:style>
-        <p:txBody>
-          <a:bodyPr rtlCol="0" anchor="ctr"/>
-          <a:lstStyle/>
-          <a:p>
-            <a:pPr algn="ctr"/>
-            <a:r>
-              <a:rPr kumimoji="1" lang="en-US" altLang="zh-CN" b="1" dirty="0">
-                <a:solidFill>
-                  <a:schemeClr val="accent6">
-                    <a:lumMod val="75000"/>
-                  </a:schemeClr>
-                </a:solidFill>
-                <a:latin typeface="Calibri" panose="020F0502020204030204" pitchFamily="34" charset="0"/>
-                <a:cs typeface="Calibri" panose="020F0502020204030204" pitchFamily="34" charset="0"/>
-              </a:rPr>
-              <a:t>GraphSAGE</a:t>
-            </a:r>
-            <a:endParaRPr kumimoji="1" lang="zh-CN" altLang="en-US" b="1" dirty="0">
-              <a:solidFill>
-                <a:schemeClr val="accent6">
-                  <a:lumMod val="75000"/>
-                </a:schemeClr>
-              </a:solidFill>
-              <a:latin typeface="Calibri" panose="020F0502020204030204" pitchFamily="34" charset="0"/>
-              <a:cs typeface="Calibri" panose="020F0502020204030204" pitchFamily="34" charset="0"/>
-            </a:endParaRPr>
-          </a:p>
-        </p:txBody>
-      </p:sp>
+            <a:off x="0" y="0"/>
+            <a:ext cx="9290162" cy="5225716"/>
+          </a:xfrm>
+          <a:prstGeom prst="rect">
+            <a:avLst/>
+          </a:prstGeom>
+        </p:spPr>
+      </p:pic>
     </p:spTree>
     <p:extLst>
       <p:ext uri="{BB962C8B-B14F-4D97-AF65-F5344CB8AC3E}">
-        <p14:creationId xmlns:p14="http://schemas.microsoft.com/office/powerpoint/2010/main" val="1728019478"/>
+        <p14:creationId xmlns:p14="http://schemas.microsoft.com/office/powerpoint/2010/main" val="4062328588"/>
       </p:ext>
     </p:extLst>
   </p:cSld>
@@ -7395,6 +6230,3269 @@
         </p:nvCxnSpPr>
         <p:spPr>
           <a:xfrm flipV="1">
+            <a:off x="4766487" y="1593472"/>
+            <a:ext cx="3252732" cy="2485545"/>
+          </a:xfrm>
+          <a:prstGeom prst="straightConnector1">
+            <a:avLst/>
+          </a:prstGeom>
+          <a:ln w="19050">
+            <a:solidFill>
+              <a:schemeClr val="accent1">
+                <a:lumMod val="75000"/>
+              </a:schemeClr>
+            </a:solidFill>
+            <a:tailEnd type="triangle"/>
+          </a:ln>
+        </p:spPr>
+        <p:style>
+          <a:lnRef idx="1">
+            <a:schemeClr val="dk1"/>
+          </a:lnRef>
+          <a:fillRef idx="0">
+            <a:schemeClr val="dk1"/>
+          </a:fillRef>
+          <a:effectRef idx="0">
+            <a:schemeClr val="dk1"/>
+          </a:effectRef>
+          <a:fontRef idx="minor">
+            <a:schemeClr val="tx1"/>
+          </a:fontRef>
+        </p:style>
+      </p:cxnSp>
+      <p:cxnSp>
+        <p:nvCxnSpPr>
+          <p:cNvPr id="31" name="直线连接符 30">
+            <a:extLst>
+              <a:ext uri="{FF2B5EF4-FFF2-40B4-BE49-F238E27FC236}">
+                <a16:creationId xmlns:a16="http://schemas.microsoft.com/office/drawing/2014/main" id="{8634CF39-A355-BA41-864D-95FE1108E263}"/>
+              </a:ext>
+            </a:extLst>
+          </p:cNvPr>
+          <p:cNvCxnSpPr>
+            <a:cxnSpLocks/>
+            <a:stCxn id="28" idx="1"/>
+          </p:cNvCxnSpPr>
+          <p:nvPr/>
+        </p:nvCxnSpPr>
+        <p:spPr>
+          <a:xfrm flipH="1">
+            <a:off x="7003225" y="2933612"/>
+            <a:ext cx="683673" cy="18686"/>
+          </a:xfrm>
+          <a:prstGeom prst="line">
+            <a:avLst/>
+          </a:prstGeom>
+          <a:ln w="25400">
+            <a:solidFill>
+              <a:schemeClr val="accent2">
+                <a:lumMod val="75000"/>
+              </a:schemeClr>
+            </a:solidFill>
+            <a:prstDash val="dash"/>
+          </a:ln>
+        </p:spPr>
+        <p:style>
+          <a:lnRef idx="1">
+            <a:schemeClr val="dk1"/>
+          </a:lnRef>
+          <a:fillRef idx="0">
+            <a:schemeClr val="dk1"/>
+          </a:fillRef>
+          <a:effectRef idx="0">
+            <a:schemeClr val="dk1"/>
+          </a:effectRef>
+          <a:fontRef idx="minor">
+            <a:schemeClr val="tx1"/>
+          </a:fontRef>
+        </p:style>
+      </p:cxnSp>
+      <p:sp>
+        <p:nvSpPr>
+          <p:cNvPr id="4" name="椭圆 3">
+            <a:extLst>
+              <a:ext uri="{FF2B5EF4-FFF2-40B4-BE49-F238E27FC236}">
+                <a16:creationId xmlns:a16="http://schemas.microsoft.com/office/drawing/2014/main" id="{9B86182F-309C-BD4E-88A7-FBF200E3D62E}"/>
+              </a:ext>
+            </a:extLst>
+          </p:cNvPr>
+          <p:cNvSpPr/>
+          <p:nvPr/>
+        </p:nvSpPr>
+        <p:spPr>
+          <a:xfrm>
+            <a:off x="7309722" y="3632357"/>
+            <a:ext cx="1789171" cy="1274000"/>
+          </a:xfrm>
+          <a:prstGeom prst="ellipse">
+            <a:avLst/>
+          </a:prstGeom>
+          <a:ln w="19050">
+            <a:solidFill>
+              <a:schemeClr val="accent1">
+                <a:lumMod val="75000"/>
+              </a:schemeClr>
+            </a:solidFill>
+          </a:ln>
+        </p:spPr>
+        <p:style>
+          <a:lnRef idx="2">
+            <a:schemeClr val="accent6"/>
+          </a:lnRef>
+          <a:fillRef idx="1">
+            <a:schemeClr val="lt1"/>
+          </a:fillRef>
+          <a:effectRef idx="0">
+            <a:schemeClr val="accent6"/>
+          </a:effectRef>
+          <a:fontRef idx="minor">
+            <a:schemeClr val="dk1"/>
+          </a:fontRef>
+        </p:style>
+        <p:txBody>
+          <a:bodyPr rtlCol="0" anchor="ctr"/>
+          <a:lstStyle/>
+          <a:p>
+            <a:pPr algn="ctr"/>
+            <a:r>
+              <a:rPr kumimoji="1" lang="en-US" altLang="zh-CN" b="1" dirty="0" err="1">
+                <a:solidFill>
+                  <a:srgbClr val="C00000"/>
+                </a:solidFill>
+                <a:latin typeface="Calibri" panose="020F0502020204030204" pitchFamily="34" charset="0"/>
+                <a:cs typeface="Calibri" panose="020F0502020204030204" pitchFamily="34" charset="0"/>
+              </a:rPr>
+              <a:t>DeepWalk</a:t>
+            </a:r>
+            <a:endParaRPr kumimoji="1" lang="zh-CN" altLang="en-US" b="1" dirty="0">
+              <a:solidFill>
+                <a:srgbClr val="C00000"/>
+              </a:solidFill>
+              <a:latin typeface="Calibri" panose="020F0502020204030204" pitchFamily="34" charset="0"/>
+              <a:cs typeface="Calibri" panose="020F0502020204030204" pitchFamily="34" charset="0"/>
+            </a:endParaRPr>
+          </a:p>
+        </p:txBody>
+      </p:sp>
+      <p:cxnSp>
+        <p:nvCxnSpPr>
+          <p:cNvPr id="19" name="直线箭头连接符 18">
+            <a:extLst>
+              <a:ext uri="{FF2B5EF4-FFF2-40B4-BE49-F238E27FC236}">
+                <a16:creationId xmlns:a16="http://schemas.microsoft.com/office/drawing/2014/main" id="{F4E8B3BC-6920-6C4E-8BDE-FD72453F1C57}"/>
+              </a:ext>
+            </a:extLst>
+          </p:cNvPr>
+          <p:cNvCxnSpPr>
+            <a:cxnSpLocks/>
+            <a:endCxn id="4" idx="0"/>
+          </p:cNvCxnSpPr>
+          <p:nvPr/>
+        </p:nvCxnSpPr>
+        <p:spPr>
+          <a:xfrm flipH="1">
+            <a:off x="8204308" y="2035696"/>
+            <a:ext cx="361955" cy="1596661"/>
+          </a:xfrm>
+          <a:prstGeom prst="straightConnector1">
+            <a:avLst/>
+          </a:prstGeom>
+          <a:ln w="19050">
+            <a:solidFill>
+              <a:schemeClr val="accent1">
+                <a:lumMod val="75000"/>
+              </a:schemeClr>
+            </a:solidFill>
+            <a:tailEnd type="triangle"/>
+          </a:ln>
+        </p:spPr>
+        <p:style>
+          <a:lnRef idx="1">
+            <a:schemeClr val="dk1"/>
+          </a:lnRef>
+          <a:fillRef idx="0">
+            <a:schemeClr val="dk1"/>
+          </a:fillRef>
+          <a:effectRef idx="0">
+            <a:schemeClr val="dk1"/>
+          </a:effectRef>
+          <a:fontRef idx="minor">
+            <a:schemeClr val="tx1"/>
+          </a:fontRef>
+        </p:style>
+      </p:cxnSp>
+      <p:sp>
+        <p:nvSpPr>
+          <p:cNvPr id="14" name="椭圆 13">
+            <a:extLst>
+              <a:ext uri="{FF2B5EF4-FFF2-40B4-BE49-F238E27FC236}">
+                <a16:creationId xmlns:a16="http://schemas.microsoft.com/office/drawing/2014/main" id="{4EEEE7FB-1FC2-1845-85A6-9C8F723331DA}"/>
+              </a:ext>
+            </a:extLst>
+          </p:cNvPr>
+          <p:cNvSpPr/>
+          <p:nvPr/>
+        </p:nvSpPr>
+        <p:spPr>
+          <a:xfrm>
+            <a:off x="9363184" y="4926138"/>
+            <a:ext cx="1634014" cy="920123"/>
+          </a:xfrm>
+          <a:prstGeom prst="ellipse">
+            <a:avLst/>
+          </a:prstGeom>
+          <a:solidFill>
+            <a:srgbClr val="FFFFFF"/>
+          </a:solidFill>
+          <a:ln w="19050">
+            <a:solidFill>
+              <a:schemeClr val="accent1">
+                <a:lumMod val="75000"/>
+              </a:schemeClr>
+            </a:solidFill>
+          </a:ln>
+        </p:spPr>
+        <p:style>
+          <a:lnRef idx="2">
+            <a:schemeClr val="accent6"/>
+          </a:lnRef>
+          <a:fillRef idx="1">
+            <a:schemeClr val="lt1"/>
+          </a:fillRef>
+          <a:effectRef idx="0">
+            <a:schemeClr val="accent6"/>
+          </a:effectRef>
+          <a:fontRef idx="minor">
+            <a:schemeClr val="dk1"/>
+          </a:fontRef>
+        </p:style>
+        <p:txBody>
+          <a:bodyPr rtlCol="0" anchor="ctr"/>
+          <a:lstStyle/>
+          <a:p>
+            <a:pPr algn="ctr"/>
+            <a:r>
+              <a:rPr kumimoji="1" lang="en-US" altLang="zh-CN" b="1" dirty="0">
+                <a:latin typeface="Calibri" panose="020F0502020204030204" pitchFamily="34" charset="0"/>
+                <a:cs typeface="Calibri" panose="020F0502020204030204" pitchFamily="34" charset="0"/>
+              </a:rPr>
+              <a:t>Word2Vec</a:t>
+            </a:r>
+            <a:endParaRPr kumimoji="1" lang="zh-CN" altLang="en-US" b="1" dirty="0">
+              <a:latin typeface="Calibri" panose="020F0502020204030204" pitchFamily="34" charset="0"/>
+              <a:cs typeface="Calibri" panose="020F0502020204030204" pitchFamily="34" charset="0"/>
+            </a:endParaRPr>
+          </a:p>
+        </p:txBody>
+      </p:sp>
+      <p:cxnSp>
+        <p:nvCxnSpPr>
+          <p:cNvPr id="21" name="直线箭头连接符 20">
+            <a:extLst>
+              <a:ext uri="{FF2B5EF4-FFF2-40B4-BE49-F238E27FC236}">
+                <a16:creationId xmlns:a16="http://schemas.microsoft.com/office/drawing/2014/main" id="{D5706766-4E8B-4949-A0D1-F2A80D1BC289}"/>
+              </a:ext>
+            </a:extLst>
+          </p:cNvPr>
+          <p:cNvCxnSpPr>
+            <a:cxnSpLocks/>
+            <a:endCxn id="4" idx="6"/>
+          </p:cNvCxnSpPr>
+          <p:nvPr/>
+        </p:nvCxnSpPr>
+        <p:spPr>
+          <a:xfrm flipH="1">
+            <a:off x="9098893" y="4186666"/>
+            <a:ext cx="765568" cy="82691"/>
+          </a:xfrm>
+          <a:prstGeom prst="straightConnector1">
+            <a:avLst/>
+          </a:prstGeom>
+          <a:ln w="19050">
+            <a:solidFill>
+              <a:schemeClr val="accent1">
+                <a:lumMod val="75000"/>
+              </a:schemeClr>
+            </a:solidFill>
+            <a:tailEnd type="triangle"/>
+          </a:ln>
+        </p:spPr>
+        <p:style>
+          <a:lnRef idx="1">
+            <a:schemeClr val="dk1"/>
+          </a:lnRef>
+          <a:fillRef idx="0">
+            <a:schemeClr val="dk1"/>
+          </a:fillRef>
+          <a:effectRef idx="0">
+            <a:schemeClr val="dk1"/>
+          </a:effectRef>
+          <a:fontRef idx="minor">
+            <a:schemeClr val="tx1"/>
+          </a:fontRef>
+        </p:style>
+      </p:cxnSp>
+      <p:cxnSp>
+        <p:nvCxnSpPr>
+          <p:cNvPr id="24" name="直线箭头连接符 23">
+            <a:extLst>
+              <a:ext uri="{FF2B5EF4-FFF2-40B4-BE49-F238E27FC236}">
+                <a16:creationId xmlns:a16="http://schemas.microsoft.com/office/drawing/2014/main" id="{58D9B24F-2099-604B-898A-298BC58BC8CD}"/>
+              </a:ext>
+            </a:extLst>
+          </p:cNvPr>
+          <p:cNvCxnSpPr>
+            <a:cxnSpLocks/>
+            <a:stCxn id="4" idx="5"/>
+            <a:endCxn id="14" idx="2"/>
+          </p:cNvCxnSpPr>
+          <p:nvPr/>
+        </p:nvCxnSpPr>
+        <p:spPr>
+          <a:xfrm>
+            <a:off x="8836875" y="4719784"/>
+            <a:ext cx="526309" cy="666416"/>
+          </a:xfrm>
+          <a:prstGeom prst="straightConnector1">
+            <a:avLst/>
+          </a:prstGeom>
+          <a:ln w="19050">
+            <a:solidFill>
+              <a:schemeClr val="accent1">
+                <a:lumMod val="75000"/>
+              </a:schemeClr>
+            </a:solidFill>
+            <a:tailEnd type="triangle"/>
+          </a:ln>
+        </p:spPr>
+        <p:style>
+          <a:lnRef idx="1">
+            <a:schemeClr val="dk1"/>
+          </a:lnRef>
+          <a:fillRef idx="0">
+            <a:schemeClr val="dk1"/>
+          </a:fillRef>
+          <a:effectRef idx="0">
+            <a:schemeClr val="dk1"/>
+          </a:effectRef>
+          <a:fontRef idx="minor">
+            <a:schemeClr val="tx1"/>
+          </a:fontRef>
+        </p:style>
+      </p:cxnSp>
+      <p:sp>
+        <p:nvSpPr>
+          <p:cNvPr id="28" name="矩形 27">
+            <a:extLst>
+              <a:ext uri="{FF2B5EF4-FFF2-40B4-BE49-F238E27FC236}">
+                <a16:creationId xmlns:a16="http://schemas.microsoft.com/office/drawing/2014/main" id="{B3E5C349-C895-6C49-B60E-D0BA7BE7F171}"/>
+              </a:ext>
+            </a:extLst>
+          </p:cNvPr>
+          <p:cNvSpPr/>
+          <p:nvPr/>
+        </p:nvSpPr>
+        <p:spPr>
+          <a:xfrm>
+            <a:off x="7686898" y="2603297"/>
+            <a:ext cx="1363478" cy="660629"/>
+          </a:xfrm>
+          <a:prstGeom prst="rect">
+            <a:avLst/>
+          </a:prstGeom>
+          <a:solidFill>
+            <a:schemeClr val="bg1"/>
+          </a:solidFill>
+          <a:ln w="19050">
+            <a:solidFill>
+              <a:schemeClr val="accent2">
+                <a:lumMod val="60000"/>
+                <a:lumOff val="40000"/>
+              </a:schemeClr>
+            </a:solidFill>
+          </a:ln>
+        </p:spPr>
+        <p:style>
+          <a:lnRef idx="2">
+            <a:schemeClr val="accent6"/>
+          </a:lnRef>
+          <a:fillRef idx="1">
+            <a:schemeClr val="lt1"/>
+          </a:fillRef>
+          <a:effectRef idx="0">
+            <a:schemeClr val="accent6"/>
+          </a:effectRef>
+          <a:fontRef idx="minor">
+            <a:schemeClr val="dk1"/>
+          </a:fontRef>
+        </p:style>
+        <p:txBody>
+          <a:bodyPr rtlCol="0" anchor="ctr"/>
+          <a:lstStyle/>
+          <a:p>
+            <a:pPr algn="ctr"/>
+            <a:r>
+              <a:rPr kumimoji="1" lang="en-US" altLang="zh-CN" dirty="0">
+                <a:solidFill>
+                  <a:schemeClr val="tx1"/>
+                </a:solidFill>
+                <a:latin typeface="Calibri" panose="020F0502020204030204" pitchFamily="34" charset="0"/>
+                <a:cs typeface="Calibri" panose="020F0502020204030204" pitchFamily="34" charset="0"/>
+              </a:rPr>
+              <a:t>citation context</a:t>
+            </a:r>
+            <a:endParaRPr kumimoji="1" lang="zh-CN" altLang="en-US" dirty="0">
+              <a:solidFill>
+                <a:schemeClr val="tx1"/>
+              </a:solidFill>
+              <a:latin typeface="Calibri" panose="020F0502020204030204" pitchFamily="34" charset="0"/>
+              <a:cs typeface="Calibri" panose="020F0502020204030204" pitchFamily="34" charset="0"/>
+            </a:endParaRPr>
+          </a:p>
+        </p:txBody>
+      </p:sp>
+      <p:sp>
+        <p:nvSpPr>
+          <p:cNvPr id="40" name="椭圆 39">
+            <a:extLst>
+              <a:ext uri="{FF2B5EF4-FFF2-40B4-BE49-F238E27FC236}">
+                <a16:creationId xmlns:a16="http://schemas.microsoft.com/office/drawing/2014/main" id="{55BD0A76-4986-1C4D-A72F-11E43F195DC6}"/>
+              </a:ext>
+            </a:extLst>
+          </p:cNvPr>
+          <p:cNvSpPr/>
+          <p:nvPr/>
+        </p:nvSpPr>
+        <p:spPr>
+          <a:xfrm rot="2642623">
+            <a:off x="9820289" y="3898660"/>
+            <a:ext cx="468893" cy="477007"/>
+          </a:xfrm>
+          <a:prstGeom prst="ellipse">
+            <a:avLst/>
+          </a:prstGeom>
+          <a:ln w="19050">
+            <a:solidFill>
+              <a:schemeClr val="accent1">
+                <a:lumMod val="75000"/>
+              </a:schemeClr>
+            </a:solidFill>
+          </a:ln>
+        </p:spPr>
+        <p:style>
+          <a:lnRef idx="2">
+            <a:schemeClr val="accent6"/>
+          </a:lnRef>
+          <a:fillRef idx="1">
+            <a:schemeClr val="lt1"/>
+          </a:fillRef>
+          <a:effectRef idx="0">
+            <a:schemeClr val="accent6"/>
+          </a:effectRef>
+          <a:fontRef idx="minor">
+            <a:schemeClr val="dk1"/>
+          </a:fontRef>
+        </p:style>
+        <p:txBody>
+          <a:bodyPr rtlCol="0" anchor="ctr"/>
+          <a:lstStyle/>
+          <a:p>
+            <a:pPr algn="ctr"/>
+            <a:endParaRPr kumimoji="1" lang="zh-CN" altLang="en-US" dirty="0">
+              <a:latin typeface="Calibri" panose="020F0502020204030204" pitchFamily="34" charset="0"/>
+              <a:cs typeface="Calibri" panose="020F0502020204030204" pitchFamily="34" charset="0"/>
+            </a:endParaRPr>
+          </a:p>
+        </p:txBody>
+      </p:sp>
+      <p:sp>
+        <p:nvSpPr>
+          <p:cNvPr id="44" name="椭圆 43">
+            <a:extLst>
+              <a:ext uri="{FF2B5EF4-FFF2-40B4-BE49-F238E27FC236}">
+                <a16:creationId xmlns:a16="http://schemas.microsoft.com/office/drawing/2014/main" id="{A4D8EA85-E625-F346-BCE5-04F7FA4545D9}"/>
+              </a:ext>
+            </a:extLst>
+          </p:cNvPr>
+          <p:cNvSpPr/>
+          <p:nvPr/>
+        </p:nvSpPr>
+        <p:spPr>
+          <a:xfrm rot="18641834">
+            <a:off x="6873621" y="5256595"/>
+            <a:ext cx="468893" cy="484531"/>
+          </a:xfrm>
+          <a:prstGeom prst="ellipse">
+            <a:avLst/>
+          </a:prstGeom>
+          <a:ln w="19050">
+            <a:solidFill>
+              <a:schemeClr val="accent1">
+                <a:lumMod val="75000"/>
+              </a:schemeClr>
+            </a:solidFill>
+          </a:ln>
+        </p:spPr>
+        <p:style>
+          <a:lnRef idx="2">
+            <a:schemeClr val="accent6"/>
+          </a:lnRef>
+          <a:fillRef idx="1">
+            <a:schemeClr val="lt1"/>
+          </a:fillRef>
+          <a:effectRef idx="0">
+            <a:schemeClr val="accent6"/>
+          </a:effectRef>
+          <a:fontRef idx="minor">
+            <a:schemeClr val="dk1"/>
+          </a:fontRef>
+        </p:style>
+        <p:txBody>
+          <a:bodyPr rtlCol="0" anchor="ctr"/>
+          <a:lstStyle/>
+          <a:p>
+            <a:pPr algn="ctr"/>
+            <a:endParaRPr kumimoji="1" lang="zh-CN" altLang="en-US" dirty="0">
+              <a:latin typeface="Calibri" panose="020F0502020204030204" pitchFamily="34" charset="0"/>
+              <a:cs typeface="Calibri" panose="020F0502020204030204" pitchFamily="34" charset="0"/>
+            </a:endParaRPr>
+          </a:p>
+        </p:txBody>
+      </p:sp>
+      <p:cxnSp>
+        <p:nvCxnSpPr>
+          <p:cNvPr id="45" name="直线箭头连接符 44">
+            <a:extLst>
+              <a:ext uri="{FF2B5EF4-FFF2-40B4-BE49-F238E27FC236}">
+                <a16:creationId xmlns:a16="http://schemas.microsoft.com/office/drawing/2014/main" id="{0972208D-205F-2147-9630-946CCB59D0A2}"/>
+              </a:ext>
+            </a:extLst>
+          </p:cNvPr>
+          <p:cNvCxnSpPr>
+            <a:cxnSpLocks/>
+            <a:stCxn id="4" idx="4"/>
+            <a:endCxn id="44" idx="6"/>
+          </p:cNvCxnSpPr>
+          <p:nvPr/>
+        </p:nvCxnSpPr>
+        <p:spPr>
+          <a:xfrm flipH="1">
+            <a:off x="7260941" y="4906357"/>
+            <a:ext cx="943367" cy="414755"/>
+          </a:xfrm>
+          <a:prstGeom prst="straightConnector1">
+            <a:avLst/>
+          </a:prstGeom>
+          <a:ln w="19050">
+            <a:solidFill>
+              <a:schemeClr val="accent1">
+                <a:lumMod val="75000"/>
+              </a:schemeClr>
+            </a:solidFill>
+            <a:tailEnd type="triangle"/>
+          </a:ln>
+        </p:spPr>
+        <p:style>
+          <a:lnRef idx="1">
+            <a:schemeClr val="dk1"/>
+          </a:lnRef>
+          <a:fillRef idx="0">
+            <a:schemeClr val="dk1"/>
+          </a:fillRef>
+          <a:effectRef idx="0">
+            <a:schemeClr val="dk1"/>
+          </a:effectRef>
+          <a:fontRef idx="minor">
+            <a:schemeClr val="tx1"/>
+          </a:fontRef>
+        </p:style>
+      </p:cxnSp>
+      <p:sp>
+        <p:nvSpPr>
+          <p:cNvPr id="49" name="文本框 48">
+            <a:extLst>
+              <a:ext uri="{FF2B5EF4-FFF2-40B4-BE49-F238E27FC236}">
+                <a16:creationId xmlns:a16="http://schemas.microsoft.com/office/drawing/2014/main" id="{449B90EE-EB0B-C749-A3F7-6BE2797CD1BC}"/>
+              </a:ext>
+            </a:extLst>
+          </p:cNvPr>
+          <p:cNvSpPr txBox="1"/>
+          <p:nvPr/>
+        </p:nvSpPr>
+        <p:spPr>
+          <a:xfrm>
+            <a:off x="8193251" y="5141174"/>
+            <a:ext cx="622884" cy="378264"/>
+          </a:xfrm>
+          <a:prstGeom prst="rect">
+            <a:avLst/>
+          </a:prstGeom>
+          <a:noFill/>
+          <a:ln w="19050">
+            <a:solidFill>
+              <a:schemeClr val="accent4">
+                <a:lumMod val="20000"/>
+                <a:lumOff val="80000"/>
+              </a:schemeClr>
+            </a:solidFill>
+          </a:ln>
+        </p:spPr>
+        <p:txBody>
+          <a:bodyPr wrap="square" rtlCol="0">
+            <a:spAutoFit/>
+          </a:bodyPr>
+          <a:lstStyle/>
+          <a:p>
+            <a:r>
+              <a:rPr kumimoji="1" lang="en-US" altLang="zh-CN" b="1" dirty="0">
+                <a:latin typeface="Calibri" panose="020F0502020204030204" pitchFamily="34" charset="0"/>
+                <a:cs typeface="Calibri" panose="020F0502020204030204" pitchFamily="34" charset="0"/>
+              </a:rPr>
+              <a:t>…</a:t>
+            </a:r>
+            <a:endParaRPr kumimoji="1" lang="zh-CN" altLang="en-US" b="1" dirty="0">
+              <a:latin typeface="Calibri" panose="020F0502020204030204" pitchFamily="34" charset="0"/>
+              <a:cs typeface="Calibri" panose="020F0502020204030204" pitchFamily="34" charset="0"/>
+            </a:endParaRPr>
+          </a:p>
+        </p:txBody>
+      </p:sp>
+      <p:cxnSp>
+        <p:nvCxnSpPr>
+          <p:cNvPr id="53" name="直线箭头连接符 52">
+            <a:extLst>
+              <a:ext uri="{FF2B5EF4-FFF2-40B4-BE49-F238E27FC236}">
+                <a16:creationId xmlns:a16="http://schemas.microsoft.com/office/drawing/2014/main" id="{A7CFED1C-E267-8449-AEC0-246DCD4AF301}"/>
+              </a:ext>
+            </a:extLst>
+          </p:cNvPr>
+          <p:cNvCxnSpPr>
+            <a:cxnSpLocks/>
+            <a:stCxn id="54" idx="7"/>
+            <a:endCxn id="3" idx="7"/>
+          </p:cNvCxnSpPr>
+          <p:nvPr/>
+        </p:nvCxnSpPr>
+        <p:spPr>
+          <a:xfrm flipH="1">
+            <a:off x="9694918" y="865357"/>
+            <a:ext cx="173154" cy="329724"/>
+          </a:xfrm>
+          <a:prstGeom prst="straightConnector1">
+            <a:avLst/>
+          </a:prstGeom>
+          <a:ln w="19050">
+            <a:solidFill>
+              <a:schemeClr val="accent1">
+                <a:lumMod val="75000"/>
+              </a:schemeClr>
+            </a:solidFill>
+            <a:tailEnd type="triangle"/>
+          </a:ln>
+        </p:spPr>
+        <p:style>
+          <a:lnRef idx="1">
+            <a:schemeClr val="dk1"/>
+          </a:lnRef>
+          <a:fillRef idx="0">
+            <a:schemeClr val="dk1"/>
+          </a:fillRef>
+          <a:effectRef idx="0">
+            <a:schemeClr val="dk1"/>
+          </a:effectRef>
+          <a:fontRef idx="minor">
+            <a:schemeClr val="tx1"/>
+          </a:fontRef>
+        </p:style>
+      </p:cxnSp>
+      <p:sp>
+        <p:nvSpPr>
+          <p:cNvPr id="54" name="椭圆 53">
+            <a:extLst>
+              <a:ext uri="{FF2B5EF4-FFF2-40B4-BE49-F238E27FC236}">
+                <a16:creationId xmlns:a16="http://schemas.microsoft.com/office/drawing/2014/main" id="{B653AAAD-BA07-2941-84F6-16D2508BB242}"/>
+              </a:ext>
+            </a:extLst>
+          </p:cNvPr>
+          <p:cNvSpPr/>
+          <p:nvPr/>
+        </p:nvSpPr>
+        <p:spPr>
+          <a:xfrm rot="12610101">
+            <a:off x="9862310" y="682184"/>
+            <a:ext cx="297498" cy="292964"/>
+          </a:xfrm>
+          <a:prstGeom prst="ellipse">
+            <a:avLst/>
+          </a:prstGeom>
+          <a:ln w="19050">
+            <a:solidFill>
+              <a:schemeClr val="accent1">
+                <a:lumMod val="75000"/>
+              </a:schemeClr>
+            </a:solidFill>
+          </a:ln>
+        </p:spPr>
+        <p:style>
+          <a:lnRef idx="2">
+            <a:schemeClr val="accent6"/>
+          </a:lnRef>
+          <a:fillRef idx="1">
+            <a:schemeClr val="lt1"/>
+          </a:fillRef>
+          <a:effectRef idx="0">
+            <a:schemeClr val="accent6"/>
+          </a:effectRef>
+          <a:fontRef idx="minor">
+            <a:schemeClr val="dk1"/>
+          </a:fontRef>
+        </p:style>
+        <p:txBody>
+          <a:bodyPr rtlCol="0" anchor="ctr"/>
+          <a:lstStyle/>
+          <a:p>
+            <a:pPr algn="ctr"/>
+            <a:endParaRPr kumimoji="1" lang="zh-CN" altLang="en-US" dirty="0">
+              <a:latin typeface="Calibri" panose="020F0502020204030204" pitchFamily="34" charset="0"/>
+              <a:cs typeface="Calibri" panose="020F0502020204030204" pitchFamily="34" charset="0"/>
+            </a:endParaRPr>
+          </a:p>
+        </p:txBody>
+      </p:sp>
+      <p:cxnSp>
+        <p:nvCxnSpPr>
+          <p:cNvPr id="61" name="直线箭头连接符 60">
+            <a:extLst>
+              <a:ext uri="{FF2B5EF4-FFF2-40B4-BE49-F238E27FC236}">
+                <a16:creationId xmlns:a16="http://schemas.microsoft.com/office/drawing/2014/main" id="{6F78533E-9A5F-1646-A11B-A1583ADB379D}"/>
+              </a:ext>
+            </a:extLst>
+          </p:cNvPr>
+          <p:cNvCxnSpPr>
+            <a:cxnSpLocks/>
+            <a:stCxn id="40" idx="0"/>
+          </p:cNvCxnSpPr>
+          <p:nvPr/>
+        </p:nvCxnSpPr>
+        <p:spPr>
+          <a:xfrm flipV="1">
+            <a:off x="10220545" y="3745133"/>
+            <a:ext cx="280572" cy="220592"/>
+          </a:xfrm>
+          <a:prstGeom prst="straightConnector1">
+            <a:avLst/>
+          </a:prstGeom>
+          <a:ln w="19050">
+            <a:solidFill>
+              <a:schemeClr val="accent1">
+                <a:lumMod val="75000"/>
+              </a:schemeClr>
+            </a:solidFill>
+            <a:tailEnd type="triangle"/>
+          </a:ln>
+        </p:spPr>
+        <p:style>
+          <a:lnRef idx="1">
+            <a:schemeClr val="dk1"/>
+          </a:lnRef>
+          <a:fillRef idx="0">
+            <a:schemeClr val="dk1"/>
+          </a:fillRef>
+          <a:effectRef idx="0">
+            <a:schemeClr val="dk1"/>
+          </a:effectRef>
+          <a:fontRef idx="minor">
+            <a:schemeClr val="tx1"/>
+          </a:fontRef>
+        </p:style>
+      </p:cxnSp>
+      <p:sp>
+        <p:nvSpPr>
+          <p:cNvPr id="62" name="椭圆 61">
+            <a:extLst>
+              <a:ext uri="{FF2B5EF4-FFF2-40B4-BE49-F238E27FC236}">
+                <a16:creationId xmlns:a16="http://schemas.microsoft.com/office/drawing/2014/main" id="{83FF4F26-229D-3445-AFCE-F6D05F50A189}"/>
+              </a:ext>
+            </a:extLst>
+          </p:cNvPr>
+          <p:cNvSpPr/>
+          <p:nvPr/>
+        </p:nvSpPr>
+        <p:spPr>
+          <a:xfrm rot="15653025">
+            <a:off x="10464387" y="3499915"/>
+            <a:ext cx="297498" cy="292964"/>
+          </a:xfrm>
+          <a:prstGeom prst="ellipse">
+            <a:avLst/>
+          </a:prstGeom>
+          <a:ln w="19050">
+            <a:solidFill>
+              <a:schemeClr val="accent1">
+                <a:lumMod val="75000"/>
+              </a:schemeClr>
+            </a:solidFill>
+          </a:ln>
+        </p:spPr>
+        <p:style>
+          <a:lnRef idx="2">
+            <a:schemeClr val="accent6"/>
+          </a:lnRef>
+          <a:fillRef idx="1">
+            <a:schemeClr val="lt1"/>
+          </a:fillRef>
+          <a:effectRef idx="0">
+            <a:schemeClr val="accent6"/>
+          </a:effectRef>
+          <a:fontRef idx="minor">
+            <a:schemeClr val="dk1"/>
+          </a:fontRef>
+        </p:style>
+        <p:txBody>
+          <a:bodyPr rtlCol="0" anchor="ctr"/>
+          <a:lstStyle/>
+          <a:p>
+            <a:pPr algn="ctr"/>
+            <a:endParaRPr kumimoji="1" lang="zh-CN" altLang="en-US" dirty="0">
+              <a:latin typeface="Calibri" panose="020F0502020204030204" pitchFamily="34" charset="0"/>
+              <a:cs typeface="Calibri" panose="020F0502020204030204" pitchFamily="34" charset="0"/>
+            </a:endParaRPr>
+          </a:p>
+        </p:txBody>
+      </p:sp>
+      <p:cxnSp>
+        <p:nvCxnSpPr>
+          <p:cNvPr id="66" name="直线箭头连接符 65">
+            <a:extLst>
+              <a:ext uri="{FF2B5EF4-FFF2-40B4-BE49-F238E27FC236}">
+                <a16:creationId xmlns:a16="http://schemas.microsoft.com/office/drawing/2014/main" id="{F2095BB6-E932-574D-95FE-CAF17EE6A3DB}"/>
+              </a:ext>
+            </a:extLst>
+          </p:cNvPr>
+          <p:cNvCxnSpPr>
+            <a:cxnSpLocks/>
+            <a:stCxn id="67" idx="0"/>
+            <a:endCxn id="44" idx="2"/>
+          </p:cNvCxnSpPr>
+          <p:nvPr/>
+        </p:nvCxnSpPr>
+        <p:spPr>
+          <a:xfrm flipV="1">
+            <a:off x="6757735" y="5676610"/>
+            <a:ext cx="197459" cy="263291"/>
+          </a:xfrm>
+          <a:prstGeom prst="straightConnector1">
+            <a:avLst/>
+          </a:prstGeom>
+          <a:ln w="19050">
+            <a:solidFill>
+              <a:schemeClr val="accent1">
+                <a:lumMod val="75000"/>
+              </a:schemeClr>
+            </a:solidFill>
+            <a:tailEnd type="triangle"/>
+          </a:ln>
+        </p:spPr>
+        <p:style>
+          <a:lnRef idx="1">
+            <a:schemeClr val="dk1"/>
+          </a:lnRef>
+          <a:fillRef idx="0">
+            <a:schemeClr val="dk1"/>
+          </a:fillRef>
+          <a:effectRef idx="0">
+            <a:schemeClr val="dk1"/>
+          </a:effectRef>
+          <a:fontRef idx="minor">
+            <a:schemeClr val="tx1"/>
+          </a:fontRef>
+        </p:style>
+      </p:cxnSp>
+      <p:sp>
+        <p:nvSpPr>
+          <p:cNvPr id="67" name="椭圆 66">
+            <a:extLst>
+              <a:ext uri="{FF2B5EF4-FFF2-40B4-BE49-F238E27FC236}">
+                <a16:creationId xmlns:a16="http://schemas.microsoft.com/office/drawing/2014/main" id="{FDBD94A0-156B-3344-9FA6-28361576E310}"/>
+              </a:ext>
+            </a:extLst>
+          </p:cNvPr>
+          <p:cNvSpPr/>
+          <p:nvPr/>
+        </p:nvSpPr>
+        <p:spPr>
+          <a:xfrm rot="684744">
+            <a:off x="6580002" y="5937005"/>
+            <a:ext cx="297498" cy="292964"/>
+          </a:xfrm>
+          <a:prstGeom prst="ellipse">
+            <a:avLst/>
+          </a:prstGeom>
+          <a:ln w="19050">
+            <a:solidFill>
+              <a:schemeClr val="accent1">
+                <a:lumMod val="75000"/>
+              </a:schemeClr>
+            </a:solidFill>
+          </a:ln>
+        </p:spPr>
+        <p:style>
+          <a:lnRef idx="2">
+            <a:schemeClr val="accent6"/>
+          </a:lnRef>
+          <a:fillRef idx="1">
+            <a:schemeClr val="lt1"/>
+          </a:fillRef>
+          <a:effectRef idx="0">
+            <a:schemeClr val="accent6"/>
+          </a:effectRef>
+          <a:fontRef idx="minor">
+            <a:schemeClr val="dk1"/>
+          </a:fontRef>
+        </p:style>
+        <p:txBody>
+          <a:bodyPr rtlCol="0" anchor="ctr"/>
+          <a:lstStyle/>
+          <a:p>
+            <a:pPr algn="ctr"/>
+            <a:endParaRPr kumimoji="1" lang="zh-CN" altLang="en-US" dirty="0">
+              <a:latin typeface="Calibri" panose="020F0502020204030204" pitchFamily="34" charset="0"/>
+              <a:cs typeface="Calibri" panose="020F0502020204030204" pitchFamily="34" charset="0"/>
+            </a:endParaRPr>
+          </a:p>
+        </p:txBody>
+      </p:sp>
+      <p:cxnSp>
+        <p:nvCxnSpPr>
+          <p:cNvPr id="75" name="直线箭头连接符 74">
+            <a:extLst>
+              <a:ext uri="{FF2B5EF4-FFF2-40B4-BE49-F238E27FC236}">
+                <a16:creationId xmlns:a16="http://schemas.microsoft.com/office/drawing/2014/main" id="{929A5F2F-F879-904C-94FB-5F5987B73468}"/>
+              </a:ext>
+            </a:extLst>
+          </p:cNvPr>
+          <p:cNvCxnSpPr>
+            <a:cxnSpLocks/>
+            <a:stCxn id="76" idx="7"/>
+            <a:endCxn id="3" idx="6"/>
+          </p:cNvCxnSpPr>
+          <p:nvPr/>
+        </p:nvCxnSpPr>
+        <p:spPr>
+          <a:xfrm flipH="1">
+            <a:off x="9982422" y="1525377"/>
+            <a:ext cx="289411" cy="68095"/>
+          </a:xfrm>
+          <a:prstGeom prst="straightConnector1">
+            <a:avLst/>
+          </a:prstGeom>
+          <a:ln w="19050">
+            <a:solidFill>
+              <a:schemeClr val="accent1">
+                <a:lumMod val="75000"/>
+              </a:schemeClr>
+            </a:solidFill>
+            <a:tailEnd type="triangle"/>
+          </a:ln>
+        </p:spPr>
+        <p:style>
+          <a:lnRef idx="1">
+            <a:schemeClr val="dk1"/>
+          </a:lnRef>
+          <a:fillRef idx="0">
+            <a:schemeClr val="dk1"/>
+          </a:fillRef>
+          <a:effectRef idx="0">
+            <a:schemeClr val="dk1"/>
+          </a:effectRef>
+          <a:fontRef idx="minor">
+            <a:schemeClr val="tx1"/>
+          </a:fontRef>
+        </p:style>
+      </p:cxnSp>
+      <p:sp>
+        <p:nvSpPr>
+          <p:cNvPr id="76" name="椭圆 75">
+            <a:extLst>
+              <a:ext uri="{FF2B5EF4-FFF2-40B4-BE49-F238E27FC236}">
+                <a16:creationId xmlns:a16="http://schemas.microsoft.com/office/drawing/2014/main" id="{62020212-83FA-0449-85A3-E0E83A0F17BD}"/>
+              </a:ext>
+            </a:extLst>
+          </p:cNvPr>
+          <p:cNvSpPr/>
+          <p:nvPr/>
+        </p:nvSpPr>
+        <p:spPr>
+          <a:xfrm rot="14477309">
+            <a:off x="10264456" y="1421385"/>
+            <a:ext cx="297498" cy="292964"/>
+          </a:xfrm>
+          <a:prstGeom prst="ellipse">
+            <a:avLst/>
+          </a:prstGeom>
+          <a:ln w="19050">
+            <a:solidFill>
+              <a:schemeClr val="accent1">
+                <a:lumMod val="75000"/>
+              </a:schemeClr>
+            </a:solidFill>
+          </a:ln>
+        </p:spPr>
+        <p:style>
+          <a:lnRef idx="2">
+            <a:schemeClr val="accent6"/>
+          </a:lnRef>
+          <a:fillRef idx="1">
+            <a:schemeClr val="lt1"/>
+          </a:fillRef>
+          <a:effectRef idx="0">
+            <a:schemeClr val="accent6"/>
+          </a:effectRef>
+          <a:fontRef idx="minor">
+            <a:schemeClr val="dk1"/>
+          </a:fontRef>
+        </p:style>
+        <p:txBody>
+          <a:bodyPr rtlCol="0" anchor="ctr"/>
+          <a:lstStyle/>
+          <a:p>
+            <a:pPr algn="ctr"/>
+            <a:endParaRPr kumimoji="1" lang="zh-CN" altLang="en-US" dirty="0">
+              <a:latin typeface="Calibri" panose="020F0502020204030204" pitchFamily="34" charset="0"/>
+              <a:cs typeface="Calibri" panose="020F0502020204030204" pitchFamily="34" charset="0"/>
+            </a:endParaRPr>
+          </a:p>
+        </p:txBody>
+      </p:sp>
+      <p:sp>
+        <p:nvSpPr>
+          <p:cNvPr id="105" name="椭圆 104">
+            <a:extLst>
+              <a:ext uri="{FF2B5EF4-FFF2-40B4-BE49-F238E27FC236}">
+                <a16:creationId xmlns:a16="http://schemas.microsoft.com/office/drawing/2014/main" id="{D0564BA5-4009-744C-823A-C79A2712D84D}"/>
+              </a:ext>
+            </a:extLst>
+          </p:cNvPr>
+          <p:cNvSpPr/>
+          <p:nvPr/>
+        </p:nvSpPr>
+        <p:spPr>
+          <a:xfrm>
+            <a:off x="4054419" y="4079017"/>
+            <a:ext cx="1424135" cy="827340"/>
+          </a:xfrm>
+          <a:prstGeom prst="ellipse">
+            <a:avLst/>
+          </a:prstGeom>
+          <a:solidFill>
+            <a:schemeClr val="bg1"/>
+          </a:solidFill>
+          <a:ln w="19050">
+            <a:solidFill>
+              <a:schemeClr val="accent1">
+                <a:lumMod val="75000"/>
+              </a:schemeClr>
+            </a:solidFill>
+          </a:ln>
+        </p:spPr>
+        <p:style>
+          <a:lnRef idx="2">
+            <a:schemeClr val="accent6"/>
+          </a:lnRef>
+          <a:fillRef idx="1">
+            <a:schemeClr val="lt1"/>
+          </a:fillRef>
+          <a:effectRef idx="0">
+            <a:schemeClr val="accent6"/>
+          </a:effectRef>
+          <a:fontRef idx="minor">
+            <a:schemeClr val="dk1"/>
+          </a:fontRef>
+        </p:style>
+        <p:txBody>
+          <a:bodyPr rtlCol="0" anchor="ctr"/>
+          <a:lstStyle/>
+          <a:p>
+            <a:pPr algn="ctr"/>
+            <a:r>
+              <a:rPr kumimoji="1" lang="en-US" altLang="zh-CN" b="1" dirty="0" err="1">
+                <a:latin typeface="Calibri" panose="020F0502020204030204" pitchFamily="34" charset="0"/>
+                <a:cs typeface="Calibri" panose="020F0502020204030204" pitchFamily="34" charset="0"/>
+              </a:rPr>
+              <a:t>PinSAGE</a:t>
+            </a:r>
+            <a:endParaRPr kumimoji="1" lang="zh-CN" altLang="en-US" b="1" dirty="0">
+              <a:latin typeface="Calibri" panose="020F0502020204030204" pitchFamily="34" charset="0"/>
+              <a:cs typeface="Calibri" panose="020F0502020204030204" pitchFamily="34" charset="0"/>
+            </a:endParaRPr>
+          </a:p>
+        </p:txBody>
+      </p:sp>
+      <p:cxnSp>
+        <p:nvCxnSpPr>
+          <p:cNvPr id="106" name="直线箭头连接符 105">
+            <a:extLst>
+              <a:ext uri="{FF2B5EF4-FFF2-40B4-BE49-F238E27FC236}">
+                <a16:creationId xmlns:a16="http://schemas.microsoft.com/office/drawing/2014/main" id="{473C53AD-8D05-354F-88FC-FF6CBFF8A2EB}"/>
+              </a:ext>
+            </a:extLst>
+          </p:cNvPr>
+          <p:cNvCxnSpPr>
+            <a:cxnSpLocks/>
+            <a:stCxn id="105" idx="6"/>
+            <a:endCxn id="4" idx="2"/>
+          </p:cNvCxnSpPr>
+          <p:nvPr/>
+        </p:nvCxnSpPr>
+        <p:spPr>
+          <a:xfrm flipV="1">
+            <a:off x="5478554" y="4269357"/>
+            <a:ext cx="1831168" cy="223330"/>
+          </a:xfrm>
+          <a:prstGeom prst="straightConnector1">
+            <a:avLst/>
+          </a:prstGeom>
+          <a:ln w="19050">
+            <a:solidFill>
+              <a:schemeClr val="accent1">
+                <a:lumMod val="75000"/>
+              </a:schemeClr>
+            </a:solidFill>
+            <a:tailEnd type="triangle"/>
+          </a:ln>
+        </p:spPr>
+        <p:style>
+          <a:lnRef idx="1">
+            <a:schemeClr val="dk1"/>
+          </a:lnRef>
+          <a:fillRef idx="0">
+            <a:schemeClr val="dk1"/>
+          </a:fillRef>
+          <a:effectRef idx="0">
+            <a:schemeClr val="dk1"/>
+          </a:effectRef>
+          <a:fontRef idx="minor">
+            <a:schemeClr val="tx1"/>
+          </a:fontRef>
+        </p:style>
+      </p:cxnSp>
+      <p:sp>
+        <p:nvSpPr>
+          <p:cNvPr id="29" name="矩形 28">
+            <a:extLst>
+              <a:ext uri="{FF2B5EF4-FFF2-40B4-BE49-F238E27FC236}">
+                <a16:creationId xmlns:a16="http://schemas.microsoft.com/office/drawing/2014/main" id="{F751CC5E-BA23-0048-8157-8C8DB66DF17D}"/>
+              </a:ext>
+            </a:extLst>
+          </p:cNvPr>
+          <p:cNvSpPr/>
+          <p:nvPr/>
+        </p:nvSpPr>
+        <p:spPr>
+          <a:xfrm>
+            <a:off x="389230" y="706197"/>
+            <a:ext cx="6648388" cy="2821211"/>
+          </a:xfrm>
+          <a:prstGeom prst="rect">
+            <a:avLst/>
+          </a:prstGeom>
+          <a:solidFill>
+            <a:schemeClr val="bg1"/>
+          </a:solidFill>
+          <a:ln w="19050">
+            <a:solidFill>
+              <a:schemeClr val="accent2">
+                <a:lumMod val="60000"/>
+                <a:lumOff val="40000"/>
+              </a:schemeClr>
+            </a:solidFill>
+          </a:ln>
+        </p:spPr>
+        <p:style>
+          <a:lnRef idx="2">
+            <a:schemeClr val="accent6"/>
+          </a:lnRef>
+          <a:fillRef idx="1">
+            <a:schemeClr val="lt1"/>
+          </a:fillRef>
+          <a:effectRef idx="0">
+            <a:schemeClr val="accent6"/>
+          </a:effectRef>
+          <a:fontRef idx="minor">
+            <a:schemeClr val="dk1"/>
+          </a:fontRef>
+        </p:style>
+        <p:txBody>
+          <a:bodyPr rtlCol="0" anchor="t" anchorCtr="0"/>
+          <a:lstStyle/>
+          <a:p>
+            <a:r>
+              <a:rPr lang="en" altLang="zh-CN" dirty="0">
+                <a:solidFill>
+                  <a:schemeClr val="tx1"/>
+                </a:solidFill>
+              </a:rPr>
+              <a:t>Text From </a:t>
+            </a:r>
+            <a:r>
+              <a:rPr lang="en" altLang="zh-CN" b="1" dirty="0">
+                <a:solidFill>
+                  <a:schemeClr val="accent6">
+                    <a:lumMod val="75000"/>
+                  </a:schemeClr>
+                </a:solidFill>
+              </a:rPr>
+              <a:t>GraphSAGE</a:t>
+            </a:r>
+            <a:r>
+              <a:rPr lang="en" altLang="zh-CN" dirty="0">
+                <a:solidFill>
+                  <a:schemeClr val="tx1"/>
+                </a:solidFill>
+              </a:rPr>
+              <a:t>: </a:t>
+            </a:r>
+            <a:r>
+              <a:rPr lang="zh-CN" altLang="en-US" dirty="0">
+                <a:solidFill>
+                  <a:schemeClr val="tx1"/>
+                </a:solidFill>
+              </a:rPr>
+              <a:t>“</a:t>
+            </a:r>
+            <a:r>
+              <a:rPr lang="en" altLang="zh-CN" dirty="0">
+                <a:solidFill>
+                  <a:schemeClr val="tx1"/>
+                </a:solidFill>
+              </a:rPr>
+              <a:t>Experimental set-up. </a:t>
+            </a:r>
+            <a:r>
+              <a:rPr lang="en" altLang="zh-CN" b="1" dirty="0">
+                <a:solidFill>
+                  <a:schemeClr val="tx1"/>
+                </a:solidFill>
+              </a:rPr>
+              <a:t>To contextualize the empirical results on our inductive benchmarks, we compare against four baselines: a random </a:t>
+            </a:r>
+            <a:r>
+              <a:rPr lang="en" altLang="zh-CN" b="1" dirty="0" err="1">
+                <a:solidFill>
+                  <a:schemeClr val="tx1"/>
+                </a:solidFill>
+              </a:rPr>
+              <a:t>classifer</a:t>
+            </a:r>
+            <a:r>
+              <a:rPr lang="en" altLang="zh-CN" b="1" dirty="0">
+                <a:solidFill>
+                  <a:schemeClr val="tx1"/>
+                </a:solidFill>
+              </a:rPr>
+              <a:t>, a logistic regression feature-based classifier (that ignores graph structure), the DeepWalk algorithm </a:t>
+            </a:r>
+            <a:r>
+              <a:rPr lang="en" altLang="zh-CN" b="1" dirty="0">
+                <a:solidFill>
+                  <a:srgbClr val="C00000"/>
+                </a:solidFill>
+              </a:rPr>
+              <a:t>[28] </a:t>
+            </a:r>
+            <a:r>
+              <a:rPr lang="en" altLang="zh-CN" b="1" dirty="0">
+                <a:solidFill>
+                  <a:schemeClr val="tx1"/>
+                </a:solidFill>
+              </a:rPr>
+              <a:t>as a representative factorization-based approach, and a concatenation of the raw features and DeepWalk embeddings.</a:t>
+            </a:r>
+            <a:r>
+              <a:rPr lang="en" altLang="zh-CN" dirty="0">
+                <a:solidFill>
+                  <a:schemeClr val="tx1"/>
+                </a:solidFill>
+              </a:rPr>
+              <a:t> We also compare four variants of GraphSAGE that use the different aggregator functions (Section 3.3). </a:t>
+            </a:r>
+            <a:r>
+              <a:rPr lang="zh-CN" altLang="en-US" dirty="0">
+                <a:solidFill>
+                  <a:schemeClr val="tx1"/>
+                </a:solidFill>
+              </a:rPr>
+              <a:t>”</a:t>
+            </a:r>
+            <a:endParaRPr lang="en" altLang="zh-CN" dirty="0">
+              <a:solidFill>
+                <a:schemeClr val="tx1"/>
+              </a:solidFill>
+            </a:endParaRPr>
+          </a:p>
+        </p:txBody>
+      </p:sp>
+      <p:cxnSp>
+        <p:nvCxnSpPr>
+          <p:cNvPr id="119" name="直线箭头连接符 118">
+            <a:extLst>
+              <a:ext uri="{FF2B5EF4-FFF2-40B4-BE49-F238E27FC236}">
+                <a16:creationId xmlns:a16="http://schemas.microsoft.com/office/drawing/2014/main" id="{6E71F29E-4815-FB47-95DE-41CD290F95C0}"/>
+              </a:ext>
+            </a:extLst>
+          </p:cNvPr>
+          <p:cNvCxnSpPr>
+            <a:cxnSpLocks/>
+            <a:stCxn id="128" idx="5"/>
+            <a:endCxn id="105" idx="2"/>
+          </p:cNvCxnSpPr>
+          <p:nvPr/>
+        </p:nvCxnSpPr>
+        <p:spPr>
+          <a:xfrm flipV="1">
+            <a:off x="3154546" y="4492687"/>
+            <a:ext cx="899873" cy="210073"/>
+          </a:xfrm>
+          <a:prstGeom prst="straightConnector1">
+            <a:avLst/>
+          </a:prstGeom>
+          <a:ln w="19050">
+            <a:solidFill>
+              <a:schemeClr val="accent1">
+                <a:lumMod val="75000"/>
+              </a:schemeClr>
+            </a:solidFill>
+            <a:tailEnd type="triangle"/>
+          </a:ln>
+        </p:spPr>
+        <p:style>
+          <a:lnRef idx="1">
+            <a:schemeClr val="dk1"/>
+          </a:lnRef>
+          <a:fillRef idx="0">
+            <a:schemeClr val="dk1"/>
+          </a:fillRef>
+          <a:effectRef idx="0">
+            <a:schemeClr val="dk1"/>
+          </a:effectRef>
+          <a:fontRef idx="minor">
+            <a:schemeClr val="tx1"/>
+          </a:fontRef>
+        </p:style>
+      </p:cxnSp>
+      <p:cxnSp>
+        <p:nvCxnSpPr>
+          <p:cNvPr id="121" name="直线箭头连接符 120">
+            <a:extLst>
+              <a:ext uri="{FF2B5EF4-FFF2-40B4-BE49-F238E27FC236}">
+                <a16:creationId xmlns:a16="http://schemas.microsoft.com/office/drawing/2014/main" id="{CB151B8E-87B5-A141-84CB-2A73300A3B9B}"/>
+              </a:ext>
+            </a:extLst>
+          </p:cNvPr>
+          <p:cNvCxnSpPr>
+            <a:cxnSpLocks/>
+            <a:stCxn id="131" idx="7"/>
+            <a:endCxn id="105" idx="4"/>
+          </p:cNvCxnSpPr>
+          <p:nvPr/>
+        </p:nvCxnSpPr>
+        <p:spPr>
+          <a:xfrm flipV="1">
+            <a:off x="4659442" y="4906357"/>
+            <a:ext cx="107045" cy="495319"/>
+          </a:xfrm>
+          <a:prstGeom prst="straightConnector1">
+            <a:avLst/>
+          </a:prstGeom>
+          <a:ln w="19050">
+            <a:solidFill>
+              <a:schemeClr val="accent1">
+                <a:lumMod val="75000"/>
+              </a:schemeClr>
+            </a:solidFill>
+            <a:tailEnd type="triangle"/>
+          </a:ln>
+        </p:spPr>
+        <p:style>
+          <a:lnRef idx="1">
+            <a:schemeClr val="dk1"/>
+          </a:lnRef>
+          <a:fillRef idx="0">
+            <a:schemeClr val="dk1"/>
+          </a:fillRef>
+          <a:effectRef idx="0">
+            <a:schemeClr val="dk1"/>
+          </a:effectRef>
+          <a:fontRef idx="minor">
+            <a:schemeClr val="tx1"/>
+          </a:fontRef>
+        </p:style>
+      </p:cxnSp>
+      <p:sp>
+        <p:nvSpPr>
+          <p:cNvPr id="128" name="椭圆 127">
+            <a:extLst>
+              <a:ext uri="{FF2B5EF4-FFF2-40B4-BE49-F238E27FC236}">
+                <a16:creationId xmlns:a16="http://schemas.microsoft.com/office/drawing/2014/main" id="{9B5EDDB6-0381-9F4D-81D1-1777E83B2D15}"/>
+              </a:ext>
+            </a:extLst>
+          </p:cNvPr>
+          <p:cNvSpPr/>
+          <p:nvPr/>
+        </p:nvSpPr>
+        <p:spPr>
+          <a:xfrm rot="18641834">
+            <a:off x="2682122" y="4474479"/>
+            <a:ext cx="468893" cy="484531"/>
+          </a:xfrm>
+          <a:prstGeom prst="ellipse">
+            <a:avLst/>
+          </a:prstGeom>
+          <a:ln w="19050">
+            <a:solidFill>
+              <a:schemeClr val="accent1">
+                <a:lumMod val="75000"/>
+              </a:schemeClr>
+            </a:solidFill>
+          </a:ln>
+        </p:spPr>
+        <p:style>
+          <a:lnRef idx="2">
+            <a:schemeClr val="accent6"/>
+          </a:lnRef>
+          <a:fillRef idx="1">
+            <a:schemeClr val="lt1"/>
+          </a:fillRef>
+          <a:effectRef idx="0">
+            <a:schemeClr val="accent6"/>
+          </a:effectRef>
+          <a:fontRef idx="minor">
+            <a:schemeClr val="dk1"/>
+          </a:fontRef>
+        </p:style>
+        <p:txBody>
+          <a:bodyPr rtlCol="0" anchor="ctr"/>
+          <a:lstStyle/>
+          <a:p>
+            <a:pPr algn="ctr"/>
+            <a:endParaRPr kumimoji="1" lang="zh-CN" altLang="en-US" dirty="0">
+              <a:latin typeface="Calibri" panose="020F0502020204030204" pitchFamily="34" charset="0"/>
+              <a:cs typeface="Calibri" panose="020F0502020204030204" pitchFamily="34" charset="0"/>
+            </a:endParaRPr>
+          </a:p>
+        </p:txBody>
+      </p:sp>
+      <p:sp>
+        <p:nvSpPr>
+          <p:cNvPr id="131" name="椭圆 130">
+            <a:extLst>
+              <a:ext uri="{FF2B5EF4-FFF2-40B4-BE49-F238E27FC236}">
+                <a16:creationId xmlns:a16="http://schemas.microsoft.com/office/drawing/2014/main" id="{842D0D4D-CE53-7E44-A829-E0CC552A54DA}"/>
+              </a:ext>
+            </a:extLst>
+          </p:cNvPr>
+          <p:cNvSpPr/>
+          <p:nvPr/>
+        </p:nvSpPr>
+        <p:spPr>
+          <a:xfrm rot="18641834">
+            <a:off x="4446777" y="5396801"/>
+            <a:ext cx="468893" cy="484531"/>
+          </a:xfrm>
+          <a:prstGeom prst="ellipse">
+            <a:avLst/>
+          </a:prstGeom>
+          <a:ln w="19050">
+            <a:solidFill>
+              <a:schemeClr val="accent1">
+                <a:lumMod val="75000"/>
+              </a:schemeClr>
+            </a:solidFill>
+          </a:ln>
+        </p:spPr>
+        <p:style>
+          <a:lnRef idx="2">
+            <a:schemeClr val="accent6"/>
+          </a:lnRef>
+          <a:fillRef idx="1">
+            <a:schemeClr val="lt1"/>
+          </a:fillRef>
+          <a:effectRef idx="0">
+            <a:schemeClr val="accent6"/>
+          </a:effectRef>
+          <a:fontRef idx="minor">
+            <a:schemeClr val="dk1"/>
+          </a:fontRef>
+        </p:style>
+        <p:txBody>
+          <a:bodyPr rtlCol="0" anchor="ctr"/>
+          <a:lstStyle/>
+          <a:p>
+            <a:pPr algn="ctr"/>
+            <a:endParaRPr kumimoji="1" lang="zh-CN" altLang="en-US" dirty="0">
+              <a:latin typeface="Calibri" panose="020F0502020204030204" pitchFamily="34" charset="0"/>
+              <a:cs typeface="Calibri" panose="020F0502020204030204" pitchFamily="34" charset="0"/>
+            </a:endParaRPr>
+          </a:p>
+        </p:txBody>
+      </p:sp>
+      <p:sp>
+        <p:nvSpPr>
+          <p:cNvPr id="3" name="椭圆 2">
+            <a:extLst>
+              <a:ext uri="{FF2B5EF4-FFF2-40B4-BE49-F238E27FC236}">
+                <a16:creationId xmlns:a16="http://schemas.microsoft.com/office/drawing/2014/main" id="{C8CDF892-6BEB-974F-9ACB-EA4D957824FF}"/>
+              </a:ext>
+            </a:extLst>
+          </p:cNvPr>
+          <p:cNvSpPr/>
+          <p:nvPr/>
+        </p:nvSpPr>
+        <p:spPr>
+          <a:xfrm>
+            <a:off x="8019219" y="1030062"/>
+            <a:ext cx="1963203" cy="1126820"/>
+          </a:xfrm>
+          <a:prstGeom prst="ellipse">
+            <a:avLst/>
+          </a:prstGeom>
+          <a:ln w="19050">
+            <a:solidFill>
+              <a:schemeClr val="accent1">
+                <a:lumMod val="75000"/>
+              </a:schemeClr>
+            </a:solidFill>
+          </a:ln>
+        </p:spPr>
+        <p:style>
+          <a:lnRef idx="2">
+            <a:schemeClr val="accent6"/>
+          </a:lnRef>
+          <a:fillRef idx="1">
+            <a:schemeClr val="lt1"/>
+          </a:fillRef>
+          <a:effectRef idx="0">
+            <a:schemeClr val="accent6"/>
+          </a:effectRef>
+          <a:fontRef idx="minor">
+            <a:schemeClr val="dk1"/>
+          </a:fontRef>
+        </p:style>
+        <p:txBody>
+          <a:bodyPr rtlCol="0" anchor="ctr"/>
+          <a:lstStyle/>
+          <a:p>
+            <a:pPr algn="ctr"/>
+            <a:r>
+              <a:rPr kumimoji="1" lang="en-US" altLang="zh-CN" b="1" dirty="0">
+                <a:solidFill>
+                  <a:schemeClr val="accent6">
+                    <a:lumMod val="75000"/>
+                  </a:schemeClr>
+                </a:solidFill>
+                <a:latin typeface="Calibri" panose="020F0502020204030204" pitchFamily="34" charset="0"/>
+                <a:cs typeface="Calibri" panose="020F0502020204030204" pitchFamily="34" charset="0"/>
+              </a:rPr>
+              <a:t>GraphSAGE</a:t>
+            </a:r>
+            <a:endParaRPr kumimoji="1" lang="zh-CN" altLang="en-US" b="1" dirty="0">
+              <a:solidFill>
+                <a:schemeClr val="accent6">
+                  <a:lumMod val="75000"/>
+                </a:schemeClr>
+              </a:solidFill>
+              <a:latin typeface="Calibri" panose="020F0502020204030204" pitchFamily="34" charset="0"/>
+              <a:cs typeface="Calibri" panose="020F0502020204030204" pitchFamily="34" charset="0"/>
+            </a:endParaRPr>
+          </a:p>
+        </p:txBody>
+      </p:sp>
+    </p:spTree>
+    <p:extLst>
+      <p:ext uri="{BB962C8B-B14F-4D97-AF65-F5344CB8AC3E}">
+        <p14:creationId xmlns:p14="http://schemas.microsoft.com/office/powerpoint/2010/main" val="2667235294"/>
+      </p:ext>
+    </p:extLst>
+  </p:cSld>
+  <p:clrMapOvr>
+    <a:masterClrMapping/>
+  </p:clrMapOvr>
+</p:sld>
+</file>
+
+<file path=ppt/slides/slide4.xml><?xml version="1.0" encoding="utf-8"?>
+<p:sld xmlns:a="http://schemas.openxmlformats.org/drawingml/2006/main" xmlns:r="http://schemas.openxmlformats.org/officeDocument/2006/relationships" xmlns:p="http://schemas.openxmlformats.org/presentationml/2006/main">
+  <p:cSld>
+    <p:bg>
+      <p:bgPr>
+        <a:solidFill>
+          <a:schemeClr val="accent4">
+            <a:lumMod val="20000"/>
+            <a:lumOff val="80000"/>
+            <a:alpha val="66000"/>
+          </a:schemeClr>
+        </a:solidFill>
+        <a:effectLst/>
+      </p:bgPr>
+    </p:bg>
+    <p:spTree>
+      <p:nvGrpSpPr>
+        <p:cNvPr id="1" name=""/>
+        <p:cNvGrpSpPr/>
+        <p:nvPr/>
+      </p:nvGrpSpPr>
+      <p:grpSpPr>
+        <a:xfrm>
+          <a:off x="0" y="0"/>
+          <a:ext cx="0" cy="0"/>
+          <a:chOff x="0" y="0"/>
+          <a:chExt cx="0" cy="0"/>
+        </a:xfrm>
+      </p:grpSpPr>
+      <p:cxnSp>
+        <p:nvCxnSpPr>
+          <p:cNvPr id="112" name="直线箭头连接符 111">
+            <a:extLst>
+              <a:ext uri="{FF2B5EF4-FFF2-40B4-BE49-F238E27FC236}">
+                <a16:creationId xmlns:a16="http://schemas.microsoft.com/office/drawing/2014/main" id="{B033A795-262A-8847-823C-B82B671E32D0}"/>
+              </a:ext>
+            </a:extLst>
+          </p:cNvPr>
+          <p:cNvCxnSpPr>
+            <a:cxnSpLocks/>
+            <a:stCxn id="105" idx="0"/>
+            <a:endCxn id="3" idx="2"/>
+          </p:cNvCxnSpPr>
+          <p:nvPr/>
+        </p:nvCxnSpPr>
+        <p:spPr>
+          <a:xfrm flipV="1">
+            <a:off x="4026698" y="1558921"/>
+            <a:ext cx="3252732" cy="2485545"/>
+          </a:xfrm>
+          <a:prstGeom prst="straightConnector1">
+            <a:avLst/>
+          </a:prstGeom>
+          <a:ln w="19050">
+            <a:solidFill>
+              <a:schemeClr val="accent1">
+                <a:lumMod val="75000"/>
+              </a:schemeClr>
+            </a:solidFill>
+            <a:tailEnd type="triangle"/>
+          </a:ln>
+        </p:spPr>
+        <p:style>
+          <a:lnRef idx="1">
+            <a:schemeClr val="dk1"/>
+          </a:lnRef>
+          <a:fillRef idx="0">
+            <a:schemeClr val="dk1"/>
+          </a:fillRef>
+          <a:effectRef idx="0">
+            <a:schemeClr val="dk1"/>
+          </a:effectRef>
+          <a:fontRef idx="minor">
+            <a:schemeClr val="tx1"/>
+          </a:fontRef>
+        </p:style>
+      </p:cxnSp>
+      <p:cxnSp>
+        <p:nvCxnSpPr>
+          <p:cNvPr id="31" name="直线连接符 30">
+            <a:extLst>
+              <a:ext uri="{FF2B5EF4-FFF2-40B4-BE49-F238E27FC236}">
+                <a16:creationId xmlns:a16="http://schemas.microsoft.com/office/drawing/2014/main" id="{8634CF39-A355-BA41-864D-95FE1108E263}"/>
+              </a:ext>
+            </a:extLst>
+          </p:cNvPr>
+          <p:cNvCxnSpPr>
+            <a:cxnSpLocks/>
+            <a:stCxn id="28" idx="1"/>
+          </p:cNvCxnSpPr>
+          <p:nvPr/>
+        </p:nvCxnSpPr>
+        <p:spPr>
+          <a:xfrm flipH="1">
+            <a:off x="6263436" y="2899061"/>
+            <a:ext cx="683673" cy="18686"/>
+          </a:xfrm>
+          <a:prstGeom prst="line">
+            <a:avLst/>
+          </a:prstGeom>
+          <a:ln w="25400">
+            <a:solidFill>
+              <a:schemeClr val="accent2">
+                <a:lumMod val="75000"/>
+              </a:schemeClr>
+            </a:solidFill>
+            <a:prstDash val="dash"/>
+          </a:ln>
+        </p:spPr>
+        <p:style>
+          <a:lnRef idx="1">
+            <a:schemeClr val="dk1"/>
+          </a:lnRef>
+          <a:fillRef idx="0">
+            <a:schemeClr val="dk1"/>
+          </a:fillRef>
+          <a:effectRef idx="0">
+            <a:schemeClr val="dk1"/>
+          </a:effectRef>
+          <a:fontRef idx="minor">
+            <a:schemeClr val="tx1"/>
+          </a:fontRef>
+        </p:style>
+      </p:cxnSp>
+      <p:sp>
+        <p:nvSpPr>
+          <p:cNvPr id="4" name="椭圆 3">
+            <a:extLst>
+              <a:ext uri="{FF2B5EF4-FFF2-40B4-BE49-F238E27FC236}">
+                <a16:creationId xmlns:a16="http://schemas.microsoft.com/office/drawing/2014/main" id="{9B86182F-309C-BD4E-88A7-FBF200E3D62E}"/>
+              </a:ext>
+            </a:extLst>
+          </p:cNvPr>
+          <p:cNvSpPr/>
+          <p:nvPr/>
+        </p:nvSpPr>
+        <p:spPr>
+          <a:xfrm>
+            <a:off x="6569933" y="3597806"/>
+            <a:ext cx="1789171" cy="1274000"/>
+          </a:xfrm>
+          <a:prstGeom prst="ellipse">
+            <a:avLst/>
+          </a:prstGeom>
+          <a:ln w="19050">
+            <a:solidFill>
+              <a:schemeClr val="accent1">
+                <a:lumMod val="75000"/>
+              </a:schemeClr>
+            </a:solidFill>
+          </a:ln>
+        </p:spPr>
+        <p:style>
+          <a:lnRef idx="2">
+            <a:schemeClr val="accent6"/>
+          </a:lnRef>
+          <a:fillRef idx="1">
+            <a:schemeClr val="lt1"/>
+          </a:fillRef>
+          <a:effectRef idx="0">
+            <a:schemeClr val="accent6"/>
+          </a:effectRef>
+          <a:fontRef idx="minor">
+            <a:schemeClr val="dk1"/>
+          </a:fontRef>
+        </p:style>
+        <p:txBody>
+          <a:bodyPr rtlCol="0" anchor="ctr"/>
+          <a:lstStyle/>
+          <a:p>
+            <a:pPr algn="ctr"/>
+            <a:r>
+              <a:rPr kumimoji="1" lang="en-US" altLang="zh-CN" b="1" dirty="0">
+                <a:solidFill>
+                  <a:srgbClr val="C00000"/>
+                </a:solidFill>
+                <a:latin typeface="Calibri" panose="020F0502020204030204" pitchFamily="34" charset="0"/>
+                <a:cs typeface="Calibri" panose="020F0502020204030204" pitchFamily="34" charset="0"/>
+              </a:rPr>
+              <a:t>GCN</a:t>
+            </a:r>
+            <a:endParaRPr kumimoji="1" lang="zh-CN" altLang="en-US" b="1" dirty="0">
+              <a:solidFill>
+                <a:srgbClr val="C00000"/>
+              </a:solidFill>
+              <a:latin typeface="Calibri" panose="020F0502020204030204" pitchFamily="34" charset="0"/>
+              <a:cs typeface="Calibri" panose="020F0502020204030204" pitchFamily="34" charset="0"/>
+            </a:endParaRPr>
+          </a:p>
+        </p:txBody>
+      </p:sp>
+      <p:cxnSp>
+        <p:nvCxnSpPr>
+          <p:cNvPr id="19" name="直线箭头连接符 18">
+            <a:extLst>
+              <a:ext uri="{FF2B5EF4-FFF2-40B4-BE49-F238E27FC236}">
+                <a16:creationId xmlns:a16="http://schemas.microsoft.com/office/drawing/2014/main" id="{F4E8B3BC-6920-6C4E-8BDE-FD72453F1C57}"/>
+              </a:ext>
+            </a:extLst>
+          </p:cNvPr>
+          <p:cNvCxnSpPr>
+            <a:cxnSpLocks/>
+            <a:endCxn id="4" idx="0"/>
+          </p:cNvCxnSpPr>
+          <p:nvPr/>
+        </p:nvCxnSpPr>
+        <p:spPr>
+          <a:xfrm flipH="1">
+            <a:off x="7464519" y="2001145"/>
+            <a:ext cx="361955" cy="1596661"/>
+          </a:xfrm>
+          <a:prstGeom prst="straightConnector1">
+            <a:avLst/>
+          </a:prstGeom>
+          <a:ln w="19050">
+            <a:solidFill>
+              <a:schemeClr val="accent1">
+                <a:lumMod val="75000"/>
+              </a:schemeClr>
+            </a:solidFill>
+            <a:tailEnd type="triangle"/>
+          </a:ln>
+        </p:spPr>
+        <p:style>
+          <a:lnRef idx="1">
+            <a:schemeClr val="dk1"/>
+          </a:lnRef>
+          <a:fillRef idx="0">
+            <a:schemeClr val="dk1"/>
+          </a:fillRef>
+          <a:effectRef idx="0">
+            <a:schemeClr val="dk1"/>
+          </a:effectRef>
+          <a:fontRef idx="minor">
+            <a:schemeClr val="tx1"/>
+          </a:fontRef>
+        </p:style>
+      </p:cxnSp>
+      <p:sp>
+        <p:nvSpPr>
+          <p:cNvPr id="14" name="椭圆 13">
+            <a:extLst>
+              <a:ext uri="{FF2B5EF4-FFF2-40B4-BE49-F238E27FC236}">
+                <a16:creationId xmlns:a16="http://schemas.microsoft.com/office/drawing/2014/main" id="{4EEEE7FB-1FC2-1845-85A6-9C8F723331DA}"/>
+              </a:ext>
+            </a:extLst>
+          </p:cNvPr>
+          <p:cNvSpPr/>
+          <p:nvPr/>
+        </p:nvSpPr>
+        <p:spPr>
+          <a:xfrm>
+            <a:off x="8623395" y="4891587"/>
+            <a:ext cx="1634014" cy="920123"/>
+          </a:xfrm>
+          <a:prstGeom prst="ellipse">
+            <a:avLst/>
+          </a:prstGeom>
+          <a:solidFill>
+            <a:srgbClr val="FFFFFF"/>
+          </a:solidFill>
+          <a:ln w="19050">
+            <a:solidFill>
+              <a:schemeClr val="accent1">
+                <a:lumMod val="75000"/>
+              </a:schemeClr>
+            </a:solidFill>
+          </a:ln>
+        </p:spPr>
+        <p:style>
+          <a:lnRef idx="2">
+            <a:schemeClr val="accent6"/>
+          </a:lnRef>
+          <a:fillRef idx="1">
+            <a:schemeClr val="lt1"/>
+          </a:fillRef>
+          <a:effectRef idx="0">
+            <a:schemeClr val="accent6"/>
+          </a:effectRef>
+          <a:fontRef idx="minor">
+            <a:schemeClr val="dk1"/>
+          </a:fontRef>
+        </p:style>
+        <p:txBody>
+          <a:bodyPr rtlCol="0" anchor="ctr"/>
+          <a:lstStyle/>
+          <a:p>
+            <a:pPr algn="ctr"/>
+            <a:r>
+              <a:rPr kumimoji="1" lang="en-US" altLang="zh-CN" b="1" dirty="0">
+                <a:latin typeface="Calibri" panose="020F0502020204030204" pitchFamily="34" charset="0"/>
+                <a:cs typeface="Calibri" panose="020F0502020204030204" pitchFamily="34" charset="0"/>
+              </a:rPr>
+              <a:t>Word2Vec</a:t>
+            </a:r>
+            <a:endParaRPr kumimoji="1" lang="zh-CN" altLang="en-US" b="1" dirty="0">
+              <a:latin typeface="Calibri" panose="020F0502020204030204" pitchFamily="34" charset="0"/>
+              <a:cs typeface="Calibri" panose="020F0502020204030204" pitchFamily="34" charset="0"/>
+            </a:endParaRPr>
+          </a:p>
+        </p:txBody>
+      </p:sp>
+      <p:cxnSp>
+        <p:nvCxnSpPr>
+          <p:cNvPr id="21" name="直线箭头连接符 20">
+            <a:extLst>
+              <a:ext uri="{FF2B5EF4-FFF2-40B4-BE49-F238E27FC236}">
+                <a16:creationId xmlns:a16="http://schemas.microsoft.com/office/drawing/2014/main" id="{D5706766-4E8B-4949-A0D1-F2A80D1BC289}"/>
+              </a:ext>
+            </a:extLst>
+          </p:cNvPr>
+          <p:cNvCxnSpPr>
+            <a:cxnSpLocks/>
+            <a:endCxn id="4" idx="6"/>
+          </p:cNvCxnSpPr>
+          <p:nvPr/>
+        </p:nvCxnSpPr>
+        <p:spPr>
+          <a:xfrm flipH="1">
+            <a:off x="8359104" y="4152115"/>
+            <a:ext cx="765568" cy="82691"/>
+          </a:xfrm>
+          <a:prstGeom prst="straightConnector1">
+            <a:avLst/>
+          </a:prstGeom>
+          <a:ln w="19050">
+            <a:solidFill>
+              <a:schemeClr val="accent1">
+                <a:lumMod val="75000"/>
+              </a:schemeClr>
+            </a:solidFill>
+            <a:tailEnd type="triangle"/>
+          </a:ln>
+        </p:spPr>
+        <p:style>
+          <a:lnRef idx="1">
+            <a:schemeClr val="dk1"/>
+          </a:lnRef>
+          <a:fillRef idx="0">
+            <a:schemeClr val="dk1"/>
+          </a:fillRef>
+          <a:effectRef idx="0">
+            <a:schemeClr val="dk1"/>
+          </a:effectRef>
+          <a:fontRef idx="minor">
+            <a:schemeClr val="tx1"/>
+          </a:fontRef>
+        </p:style>
+      </p:cxnSp>
+      <p:cxnSp>
+        <p:nvCxnSpPr>
+          <p:cNvPr id="24" name="直线箭头连接符 23">
+            <a:extLst>
+              <a:ext uri="{FF2B5EF4-FFF2-40B4-BE49-F238E27FC236}">
+                <a16:creationId xmlns:a16="http://schemas.microsoft.com/office/drawing/2014/main" id="{58D9B24F-2099-604B-898A-298BC58BC8CD}"/>
+              </a:ext>
+            </a:extLst>
+          </p:cNvPr>
+          <p:cNvCxnSpPr>
+            <a:cxnSpLocks/>
+            <a:stCxn id="4" idx="5"/>
+            <a:endCxn id="14" idx="2"/>
+          </p:cNvCxnSpPr>
+          <p:nvPr/>
+        </p:nvCxnSpPr>
+        <p:spPr>
+          <a:xfrm>
+            <a:off x="8097086" y="4685233"/>
+            <a:ext cx="526309" cy="666416"/>
+          </a:xfrm>
+          <a:prstGeom prst="straightConnector1">
+            <a:avLst/>
+          </a:prstGeom>
+          <a:ln w="19050">
+            <a:solidFill>
+              <a:schemeClr val="accent1">
+                <a:lumMod val="75000"/>
+              </a:schemeClr>
+            </a:solidFill>
+            <a:tailEnd type="triangle"/>
+          </a:ln>
+        </p:spPr>
+        <p:style>
+          <a:lnRef idx="1">
+            <a:schemeClr val="dk1"/>
+          </a:lnRef>
+          <a:fillRef idx="0">
+            <a:schemeClr val="dk1"/>
+          </a:fillRef>
+          <a:effectRef idx="0">
+            <a:schemeClr val="dk1"/>
+          </a:effectRef>
+          <a:fontRef idx="minor">
+            <a:schemeClr val="tx1"/>
+          </a:fontRef>
+        </p:style>
+      </p:cxnSp>
+      <p:sp>
+        <p:nvSpPr>
+          <p:cNvPr id="28" name="矩形 27">
+            <a:extLst>
+              <a:ext uri="{FF2B5EF4-FFF2-40B4-BE49-F238E27FC236}">
+                <a16:creationId xmlns:a16="http://schemas.microsoft.com/office/drawing/2014/main" id="{B3E5C349-C895-6C49-B60E-D0BA7BE7F171}"/>
+              </a:ext>
+            </a:extLst>
+          </p:cNvPr>
+          <p:cNvSpPr/>
+          <p:nvPr/>
+        </p:nvSpPr>
+        <p:spPr>
+          <a:xfrm>
+            <a:off x="6947109" y="2568746"/>
+            <a:ext cx="1363478" cy="660629"/>
+          </a:xfrm>
+          <a:prstGeom prst="rect">
+            <a:avLst/>
+          </a:prstGeom>
+          <a:solidFill>
+            <a:schemeClr val="bg1"/>
+          </a:solidFill>
+          <a:ln w="19050">
+            <a:solidFill>
+              <a:schemeClr val="accent2">
+                <a:lumMod val="60000"/>
+                <a:lumOff val="40000"/>
+              </a:schemeClr>
+            </a:solidFill>
+          </a:ln>
+        </p:spPr>
+        <p:style>
+          <a:lnRef idx="2">
+            <a:schemeClr val="accent6"/>
+          </a:lnRef>
+          <a:fillRef idx="1">
+            <a:schemeClr val="lt1"/>
+          </a:fillRef>
+          <a:effectRef idx="0">
+            <a:schemeClr val="accent6"/>
+          </a:effectRef>
+          <a:fontRef idx="minor">
+            <a:schemeClr val="dk1"/>
+          </a:fontRef>
+        </p:style>
+        <p:txBody>
+          <a:bodyPr rtlCol="0" anchor="ctr"/>
+          <a:lstStyle/>
+          <a:p>
+            <a:pPr algn="ctr"/>
+            <a:r>
+              <a:rPr kumimoji="1" lang="en-US" altLang="zh-CN" dirty="0">
+                <a:solidFill>
+                  <a:schemeClr val="tx1"/>
+                </a:solidFill>
+                <a:latin typeface="Calibri" panose="020F0502020204030204" pitchFamily="34" charset="0"/>
+                <a:cs typeface="Calibri" panose="020F0502020204030204" pitchFamily="34" charset="0"/>
+              </a:rPr>
+              <a:t>citation context</a:t>
+            </a:r>
+            <a:endParaRPr kumimoji="1" lang="zh-CN" altLang="en-US" dirty="0">
+              <a:solidFill>
+                <a:schemeClr val="tx1"/>
+              </a:solidFill>
+              <a:latin typeface="Calibri" panose="020F0502020204030204" pitchFamily="34" charset="0"/>
+              <a:cs typeface="Calibri" panose="020F0502020204030204" pitchFamily="34" charset="0"/>
+            </a:endParaRPr>
+          </a:p>
+        </p:txBody>
+      </p:sp>
+      <p:sp>
+        <p:nvSpPr>
+          <p:cNvPr id="40" name="椭圆 39">
+            <a:extLst>
+              <a:ext uri="{FF2B5EF4-FFF2-40B4-BE49-F238E27FC236}">
+                <a16:creationId xmlns:a16="http://schemas.microsoft.com/office/drawing/2014/main" id="{55BD0A76-4986-1C4D-A72F-11E43F195DC6}"/>
+              </a:ext>
+            </a:extLst>
+          </p:cNvPr>
+          <p:cNvSpPr/>
+          <p:nvPr/>
+        </p:nvSpPr>
+        <p:spPr>
+          <a:xfrm rot="2642623">
+            <a:off x="9080500" y="3864109"/>
+            <a:ext cx="468893" cy="477007"/>
+          </a:xfrm>
+          <a:prstGeom prst="ellipse">
+            <a:avLst/>
+          </a:prstGeom>
+          <a:ln w="19050">
+            <a:solidFill>
+              <a:schemeClr val="accent1">
+                <a:lumMod val="75000"/>
+              </a:schemeClr>
+            </a:solidFill>
+          </a:ln>
+        </p:spPr>
+        <p:style>
+          <a:lnRef idx="2">
+            <a:schemeClr val="accent6"/>
+          </a:lnRef>
+          <a:fillRef idx="1">
+            <a:schemeClr val="lt1"/>
+          </a:fillRef>
+          <a:effectRef idx="0">
+            <a:schemeClr val="accent6"/>
+          </a:effectRef>
+          <a:fontRef idx="minor">
+            <a:schemeClr val="dk1"/>
+          </a:fontRef>
+        </p:style>
+        <p:txBody>
+          <a:bodyPr rtlCol="0" anchor="ctr"/>
+          <a:lstStyle/>
+          <a:p>
+            <a:pPr algn="ctr"/>
+            <a:endParaRPr kumimoji="1" lang="zh-CN" altLang="en-US" dirty="0">
+              <a:latin typeface="Calibri" panose="020F0502020204030204" pitchFamily="34" charset="0"/>
+              <a:cs typeface="Calibri" panose="020F0502020204030204" pitchFamily="34" charset="0"/>
+            </a:endParaRPr>
+          </a:p>
+        </p:txBody>
+      </p:sp>
+      <p:sp>
+        <p:nvSpPr>
+          <p:cNvPr id="44" name="椭圆 43">
+            <a:extLst>
+              <a:ext uri="{FF2B5EF4-FFF2-40B4-BE49-F238E27FC236}">
+                <a16:creationId xmlns:a16="http://schemas.microsoft.com/office/drawing/2014/main" id="{A4D8EA85-E625-F346-BCE5-04F7FA4545D9}"/>
+              </a:ext>
+            </a:extLst>
+          </p:cNvPr>
+          <p:cNvSpPr/>
+          <p:nvPr/>
+        </p:nvSpPr>
+        <p:spPr>
+          <a:xfrm rot="18641834">
+            <a:off x="6133832" y="5222044"/>
+            <a:ext cx="468893" cy="484531"/>
+          </a:xfrm>
+          <a:prstGeom prst="ellipse">
+            <a:avLst/>
+          </a:prstGeom>
+          <a:ln w="19050">
+            <a:solidFill>
+              <a:schemeClr val="accent1">
+                <a:lumMod val="75000"/>
+              </a:schemeClr>
+            </a:solidFill>
+          </a:ln>
+        </p:spPr>
+        <p:style>
+          <a:lnRef idx="2">
+            <a:schemeClr val="accent6"/>
+          </a:lnRef>
+          <a:fillRef idx="1">
+            <a:schemeClr val="lt1"/>
+          </a:fillRef>
+          <a:effectRef idx="0">
+            <a:schemeClr val="accent6"/>
+          </a:effectRef>
+          <a:fontRef idx="minor">
+            <a:schemeClr val="dk1"/>
+          </a:fontRef>
+        </p:style>
+        <p:txBody>
+          <a:bodyPr rtlCol="0" anchor="ctr"/>
+          <a:lstStyle/>
+          <a:p>
+            <a:pPr algn="ctr"/>
+            <a:endParaRPr kumimoji="1" lang="zh-CN" altLang="en-US" dirty="0">
+              <a:latin typeface="Calibri" panose="020F0502020204030204" pitchFamily="34" charset="0"/>
+              <a:cs typeface="Calibri" panose="020F0502020204030204" pitchFamily="34" charset="0"/>
+            </a:endParaRPr>
+          </a:p>
+        </p:txBody>
+      </p:sp>
+      <p:cxnSp>
+        <p:nvCxnSpPr>
+          <p:cNvPr id="45" name="直线箭头连接符 44">
+            <a:extLst>
+              <a:ext uri="{FF2B5EF4-FFF2-40B4-BE49-F238E27FC236}">
+                <a16:creationId xmlns:a16="http://schemas.microsoft.com/office/drawing/2014/main" id="{0972208D-205F-2147-9630-946CCB59D0A2}"/>
+              </a:ext>
+            </a:extLst>
+          </p:cNvPr>
+          <p:cNvCxnSpPr>
+            <a:cxnSpLocks/>
+            <a:stCxn id="4" idx="4"/>
+            <a:endCxn id="44" idx="6"/>
+          </p:cNvCxnSpPr>
+          <p:nvPr/>
+        </p:nvCxnSpPr>
+        <p:spPr>
+          <a:xfrm flipH="1">
+            <a:off x="6521152" y="4871806"/>
+            <a:ext cx="943367" cy="414755"/>
+          </a:xfrm>
+          <a:prstGeom prst="straightConnector1">
+            <a:avLst/>
+          </a:prstGeom>
+          <a:ln w="19050">
+            <a:solidFill>
+              <a:schemeClr val="accent1">
+                <a:lumMod val="75000"/>
+              </a:schemeClr>
+            </a:solidFill>
+            <a:tailEnd type="triangle"/>
+          </a:ln>
+        </p:spPr>
+        <p:style>
+          <a:lnRef idx="1">
+            <a:schemeClr val="dk1"/>
+          </a:lnRef>
+          <a:fillRef idx="0">
+            <a:schemeClr val="dk1"/>
+          </a:fillRef>
+          <a:effectRef idx="0">
+            <a:schemeClr val="dk1"/>
+          </a:effectRef>
+          <a:fontRef idx="minor">
+            <a:schemeClr val="tx1"/>
+          </a:fontRef>
+        </p:style>
+      </p:cxnSp>
+      <p:sp>
+        <p:nvSpPr>
+          <p:cNvPr id="49" name="文本框 48">
+            <a:extLst>
+              <a:ext uri="{FF2B5EF4-FFF2-40B4-BE49-F238E27FC236}">
+                <a16:creationId xmlns:a16="http://schemas.microsoft.com/office/drawing/2014/main" id="{449B90EE-EB0B-C749-A3F7-6BE2797CD1BC}"/>
+              </a:ext>
+            </a:extLst>
+          </p:cNvPr>
+          <p:cNvSpPr txBox="1"/>
+          <p:nvPr/>
+        </p:nvSpPr>
+        <p:spPr>
+          <a:xfrm>
+            <a:off x="7453462" y="5106623"/>
+            <a:ext cx="622884" cy="378264"/>
+          </a:xfrm>
+          <a:prstGeom prst="rect">
+            <a:avLst/>
+          </a:prstGeom>
+          <a:noFill/>
+          <a:ln w="19050">
+            <a:solidFill>
+              <a:schemeClr val="accent4">
+                <a:lumMod val="20000"/>
+                <a:lumOff val="80000"/>
+              </a:schemeClr>
+            </a:solidFill>
+          </a:ln>
+        </p:spPr>
+        <p:txBody>
+          <a:bodyPr wrap="square" rtlCol="0">
+            <a:spAutoFit/>
+          </a:bodyPr>
+          <a:lstStyle/>
+          <a:p>
+            <a:r>
+              <a:rPr kumimoji="1" lang="en-US" altLang="zh-CN" b="1" dirty="0">
+                <a:latin typeface="Calibri" panose="020F0502020204030204" pitchFamily="34" charset="0"/>
+                <a:cs typeface="Calibri" panose="020F0502020204030204" pitchFamily="34" charset="0"/>
+              </a:rPr>
+              <a:t>…</a:t>
+            </a:r>
+            <a:endParaRPr kumimoji="1" lang="zh-CN" altLang="en-US" b="1" dirty="0">
+              <a:latin typeface="Calibri" panose="020F0502020204030204" pitchFamily="34" charset="0"/>
+              <a:cs typeface="Calibri" panose="020F0502020204030204" pitchFamily="34" charset="0"/>
+            </a:endParaRPr>
+          </a:p>
+        </p:txBody>
+      </p:sp>
+      <p:cxnSp>
+        <p:nvCxnSpPr>
+          <p:cNvPr id="53" name="直线箭头连接符 52">
+            <a:extLst>
+              <a:ext uri="{FF2B5EF4-FFF2-40B4-BE49-F238E27FC236}">
+                <a16:creationId xmlns:a16="http://schemas.microsoft.com/office/drawing/2014/main" id="{A7CFED1C-E267-8449-AEC0-246DCD4AF301}"/>
+              </a:ext>
+            </a:extLst>
+          </p:cNvPr>
+          <p:cNvCxnSpPr>
+            <a:cxnSpLocks/>
+            <a:stCxn id="54" idx="7"/>
+            <a:endCxn id="3" idx="7"/>
+          </p:cNvCxnSpPr>
+          <p:nvPr/>
+        </p:nvCxnSpPr>
+        <p:spPr>
+          <a:xfrm flipH="1">
+            <a:off x="8955129" y="830806"/>
+            <a:ext cx="173154" cy="329724"/>
+          </a:xfrm>
+          <a:prstGeom prst="straightConnector1">
+            <a:avLst/>
+          </a:prstGeom>
+          <a:ln w="19050">
+            <a:solidFill>
+              <a:schemeClr val="accent1">
+                <a:lumMod val="75000"/>
+              </a:schemeClr>
+            </a:solidFill>
+            <a:tailEnd type="triangle"/>
+          </a:ln>
+        </p:spPr>
+        <p:style>
+          <a:lnRef idx="1">
+            <a:schemeClr val="dk1"/>
+          </a:lnRef>
+          <a:fillRef idx="0">
+            <a:schemeClr val="dk1"/>
+          </a:fillRef>
+          <a:effectRef idx="0">
+            <a:schemeClr val="dk1"/>
+          </a:effectRef>
+          <a:fontRef idx="minor">
+            <a:schemeClr val="tx1"/>
+          </a:fontRef>
+        </p:style>
+      </p:cxnSp>
+      <p:sp>
+        <p:nvSpPr>
+          <p:cNvPr id="54" name="椭圆 53">
+            <a:extLst>
+              <a:ext uri="{FF2B5EF4-FFF2-40B4-BE49-F238E27FC236}">
+                <a16:creationId xmlns:a16="http://schemas.microsoft.com/office/drawing/2014/main" id="{B653AAAD-BA07-2941-84F6-16D2508BB242}"/>
+              </a:ext>
+            </a:extLst>
+          </p:cNvPr>
+          <p:cNvSpPr/>
+          <p:nvPr/>
+        </p:nvSpPr>
+        <p:spPr>
+          <a:xfrm rot="12610101">
+            <a:off x="9122521" y="647633"/>
+            <a:ext cx="297498" cy="292964"/>
+          </a:xfrm>
+          <a:prstGeom prst="ellipse">
+            <a:avLst/>
+          </a:prstGeom>
+          <a:ln w="19050">
+            <a:solidFill>
+              <a:schemeClr val="accent1">
+                <a:lumMod val="75000"/>
+              </a:schemeClr>
+            </a:solidFill>
+          </a:ln>
+        </p:spPr>
+        <p:style>
+          <a:lnRef idx="2">
+            <a:schemeClr val="accent6"/>
+          </a:lnRef>
+          <a:fillRef idx="1">
+            <a:schemeClr val="lt1"/>
+          </a:fillRef>
+          <a:effectRef idx="0">
+            <a:schemeClr val="accent6"/>
+          </a:effectRef>
+          <a:fontRef idx="minor">
+            <a:schemeClr val="dk1"/>
+          </a:fontRef>
+        </p:style>
+        <p:txBody>
+          <a:bodyPr rtlCol="0" anchor="ctr"/>
+          <a:lstStyle/>
+          <a:p>
+            <a:pPr algn="ctr"/>
+            <a:endParaRPr kumimoji="1" lang="zh-CN" altLang="en-US" dirty="0">
+              <a:latin typeface="Calibri" panose="020F0502020204030204" pitchFamily="34" charset="0"/>
+              <a:cs typeface="Calibri" panose="020F0502020204030204" pitchFamily="34" charset="0"/>
+            </a:endParaRPr>
+          </a:p>
+        </p:txBody>
+      </p:sp>
+      <p:cxnSp>
+        <p:nvCxnSpPr>
+          <p:cNvPr id="61" name="直线箭头连接符 60">
+            <a:extLst>
+              <a:ext uri="{FF2B5EF4-FFF2-40B4-BE49-F238E27FC236}">
+                <a16:creationId xmlns:a16="http://schemas.microsoft.com/office/drawing/2014/main" id="{6F78533E-9A5F-1646-A11B-A1583ADB379D}"/>
+              </a:ext>
+            </a:extLst>
+          </p:cNvPr>
+          <p:cNvCxnSpPr>
+            <a:cxnSpLocks/>
+            <a:stCxn id="40" idx="0"/>
+          </p:cNvCxnSpPr>
+          <p:nvPr/>
+        </p:nvCxnSpPr>
+        <p:spPr>
+          <a:xfrm flipV="1">
+            <a:off x="9480756" y="3710582"/>
+            <a:ext cx="280572" cy="220592"/>
+          </a:xfrm>
+          <a:prstGeom prst="straightConnector1">
+            <a:avLst/>
+          </a:prstGeom>
+          <a:ln w="19050">
+            <a:solidFill>
+              <a:schemeClr val="accent1">
+                <a:lumMod val="75000"/>
+              </a:schemeClr>
+            </a:solidFill>
+            <a:tailEnd type="triangle"/>
+          </a:ln>
+        </p:spPr>
+        <p:style>
+          <a:lnRef idx="1">
+            <a:schemeClr val="dk1"/>
+          </a:lnRef>
+          <a:fillRef idx="0">
+            <a:schemeClr val="dk1"/>
+          </a:fillRef>
+          <a:effectRef idx="0">
+            <a:schemeClr val="dk1"/>
+          </a:effectRef>
+          <a:fontRef idx="minor">
+            <a:schemeClr val="tx1"/>
+          </a:fontRef>
+        </p:style>
+      </p:cxnSp>
+      <p:sp>
+        <p:nvSpPr>
+          <p:cNvPr id="62" name="椭圆 61">
+            <a:extLst>
+              <a:ext uri="{FF2B5EF4-FFF2-40B4-BE49-F238E27FC236}">
+                <a16:creationId xmlns:a16="http://schemas.microsoft.com/office/drawing/2014/main" id="{83FF4F26-229D-3445-AFCE-F6D05F50A189}"/>
+              </a:ext>
+            </a:extLst>
+          </p:cNvPr>
+          <p:cNvSpPr/>
+          <p:nvPr/>
+        </p:nvSpPr>
+        <p:spPr>
+          <a:xfrm rot="15653025">
+            <a:off x="9724598" y="3465364"/>
+            <a:ext cx="297498" cy="292964"/>
+          </a:xfrm>
+          <a:prstGeom prst="ellipse">
+            <a:avLst/>
+          </a:prstGeom>
+          <a:ln w="19050">
+            <a:solidFill>
+              <a:schemeClr val="accent1">
+                <a:lumMod val="75000"/>
+              </a:schemeClr>
+            </a:solidFill>
+          </a:ln>
+        </p:spPr>
+        <p:style>
+          <a:lnRef idx="2">
+            <a:schemeClr val="accent6"/>
+          </a:lnRef>
+          <a:fillRef idx="1">
+            <a:schemeClr val="lt1"/>
+          </a:fillRef>
+          <a:effectRef idx="0">
+            <a:schemeClr val="accent6"/>
+          </a:effectRef>
+          <a:fontRef idx="minor">
+            <a:schemeClr val="dk1"/>
+          </a:fontRef>
+        </p:style>
+        <p:txBody>
+          <a:bodyPr rtlCol="0" anchor="ctr"/>
+          <a:lstStyle/>
+          <a:p>
+            <a:pPr algn="ctr"/>
+            <a:endParaRPr kumimoji="1" lang="zh-CN" altLang="en-US" dirty="0">
+              <a:latin typeface="Calibri" panose="020F0502020204030204" pitchFamily="34" charset="0"/>
+              <a:cs typeface="Calibri" panose="020F0502020204030204" pitchFamily="34" charset="0"/>
+            </a:endParaRPr>
+          </a:p>
+        </p:txBody>
+      </p:sp>
+      <p:cxnSp>
+        <p:nvCxnSpPr>
+          <p:cNvPr id="66" name="直线箭头连接符 65">
+            <a:extLst>
+              <a:ext uri="{FF2B5EF4-FFF2-40B4-BE49-F238E27FC236}">
+                <a16:creationId xmlns:a16="http://schemas.microsoft.com/office/drawing/2014/main" id="{F2095BB6-E932-574D-95FE-CAF17EE6A3DB}"/>
+              </a:ext>
+            </a:extLst>
+          </p:cNvPr>
+          <p:cNvCxnSpPr>
+            <a:cxnSpLocks/>
+            <a:stCxn id="67" idx="0"/>
+            <a:endCxn id="44" idx="2"/>
+          </p:cNvCxnSpPr>
+          <p:nvPr/>
+        </p:nvCxnSpPr>
+        <p:spPr>
+          <a:xfrm flipV="1">
+            <a:off x="6017946" y="5642059"/>
+            <a:ext cx="197459" cy="263291"/>
+          </a:xfrm>
+          <a:prstGeom prst="straightConnector1">
+            <a:avLst/>
+          </a:prstGeom>
+          <a:ln w="19050">
+            <a:solidFill>
+              <a:schemeClr val="accent1">
+                <a:lumMod val="75000"/>
+              </a:schemeClr>
+            </a:solidFill>
+            <a:tailEnd type="triangle"/>
+          </a:ln>
+        </p:spPr>
+        <p:style>
+          <a:lnRef idx="1">
+            <a:schemeClr val="dk1"/>
+          </a:lnRef>
+          <a:fillRef idx="0">
+            <a:schemeClr val="dk1"/>
+          </a:fillRef>
+          <a:effectRef idx="0">
+            <a:schemeClr val="dk1"/>
+          </a:effectRef>
+          <a:fontRef idx="minor">
+            <a:schemeClr val="tx1"/>
+          </a:fontRef>
+        </p:style>
+      </p:cxnSp>
+      <p:sp>
+        <p:nvSpPr>
+          <p:cNvPr id="67" name="椭圆 66">
+            <a:extLst>
+              <a:ext uri="{FF2B5EF4-FFF2-40B4-BE49-F238E27FC236}">
+                <a16:creationId xmlns:a16="http://schemas.microsoft.com/office/drawing/2014/main" id="{FDBD94A0-156B-3344-9FA6-28361576E310}"/>
+              </a:ext>
+            </a:extLst>
+          </p:cNvPr>
+          <p:cNvSpPr/>
+          <p:nvPr/>
+        </p:nvSpPr>
+        <p:spPr>
+          <a:xfrm rot="684744">
+            <a:off x="5840213" y="5902454"/>
+            <a:ext cx="297498" cy="292964"/>
+          </a:xfrm>
+          <a:prstGeom prst="ellipse">
+            <a:avLst/>
+          </a:prstGeom>
+          <a:ln w="19050">
+            <a:solidFill>
+              <a:schemeClr val="accent1">
+                <a:lumMod val="75000"/>
+              </a:schemeClr>
+            </a:solidFill>
+          </a:ln>
+        </p:spPr>
+        <p:style>
+          <a:lnRef idx="2">
+            <a:schemeClr val="accent6"/>
+          </a:lnRef>
+          <a:fillRef idx="1">
+            <a:schemeClr val="lt1"/>
+          </a:fillRef>
+          <a:effectRef idx="0">
+            <a:schemeClr val="accent6"/>
+          </a:effectRef>
+          <a:fontRef idx="minor">
+            <a:schemeClr val="dk1"/>
+          </a:fontRef>
+        </p:style>
+        <p:txBody>
+          <a:bodyPr rtlCol="0" anchor="ctr"/>
+          <a:lstStyle/>
+          <a:p>
+            <a:pPr algn="ctr"/>
+            <a:endParaRPr kumimoji="1" lang="zh-CN" altLang="en-US" dirty="0">
+              <a:latin typeface="Calibri" panose="020F0502020204030204" pitchFamily="34" charset="0"/>
+              <a:cs typeface="Calibri" panose="020F0502020204030204" pitchFamily="34" charset="0"/>
+            </a:endParaRPr>
+          </a:p>
+        </p:txBody>
+      </p:sp>
+      <p:cxnSp>
+        <p:nvCxnSpPr>
+          <p:cNvPr id="75" name="直线箭头连接符 74">
+            <a:extLst>
+              <a:ext uri="{FF2B5EF4-FFF2-40B4-BE49-F238E27FC236}">
+                <a16:creationId xmlns:a16="http://schemas.microsoft.com/office/drawing/2014/main" id="{929A5F2F-F879-904C-94FB-5F5987B73468}"/>
+              </a:ext>
+            </a:extLst>
+          </p:cNvPr>
+          <p:cNvCxnSpPr>
+            <a:cxnSpLocks/>
+            <a:stCxn id="76" idx="7"/>
+            <a:endCxn id="3" idx="6"/>
+          </p:cNvCxnSpPr>
+          <p:nvPr/>
+        </p:nvCxnSpPr>
+        <p:spPr>
+          <a:xfrm flipH="1">
+            <a:off x="9242633" y="1490826"/>
+            <a:ext cx="289411" cy="68095"/>
+          </a:xfrm>
+          <a:prstGeom prst="straightConnector1">
+            <a:avLst/>
+          </a:prstGeom>
+          <a:ln w="19050">
+            <a:solidFill>
+              <a:schemeClr val="accent1">
+                <a:lumMod val="75000"/>
+              </a:schemeClr>
+            </a:solidFill>
+            <a:tailEnd type="triangle"/>
+          </a:ln>
+        </p:spPr>
+        <p:style>
+          <a:lnRef idx="1">
+            <a:schemeClr val="dk1"/>
+          </a:lnRef>
+          <a:fillRef idx="0">
+            <a:schemeClr val="dk1"/>
+          </a:fillRef>
+          <a:effectRef idx="0">
+            <a:schemeClr val="dk1"/>
+          </a:effectRef>
+          <a:fontRef idx="minor">
+            <a:schemeClr val="tx1"/>
+          </a:fontRef>
+        </p:style>
+      </p:cxnSp>
+      <p:sp>
+        <p:nvSpPr>
+          <p:cNvPr id="76" name="椭圆 75">
+            <a:extLst>
+              <a:ext uri="{FF2B5EF4-FFF2-40B4-BE49-F238E27FC236}">
+                <a16:creationId xmlns:a16="http://schemas.microsoft.com/office/drawing/2014/main" id="{62020212-83FA-0449-85A3-E0E83A0F17BD}"/>
+              </a:ext>
+            </a:extLst>
+          </p:cNvPr>
+          <p:cNvSpPr/>
+          <p:nvPr/>
+        </p:nvSpPr>
+        <p:spPr>
+          <a:xfrm rot="14477309">
+            <a:off x="9524667" y="1386834"/>
+            <a:ext cx="297498" cy="292964"/>
+          </a:xfrm>
+          <a:prstGeom prst="ellipse">
+            <a:avLst/>
+          </a:prstGeom>
+          <a:ln w="19050">
+            <a:solidFill>
+              <a:schemeClr val="accent1">
+                <a:lumMod val="75000"/>
+              </a:schemeClr>
+            </a:solidFill>
+          </a:ln>
+        </p:spPr>
+        <p:style>
+          <a:lnRef idx="2">
+            <a:schemeClr val="accent6"/>
+          </a:lnRef>
+          <a:fillRef idx="1">
+            <a:schemeClr val="lt1"/>
+          </a:fillRef>
+          <a:effectRef idx="0">
+            <a:schemeClr val="accent6"/>
+          </a:effectRef>
+          <a:fontRef idx="minor">
+            <a:schemeClr val="dk1"/>
+          </a:fontRef>
+        </p:style>
+        <p:txBody>
+          <a:bodyPr rtlCol="0" anchor="ctr"/>
+          <a:lstStyle/>
+          <a:p>
+            <a:pPr algn="ctr"/>
+            <a:endParaRPr kumimoji="1" lang="zh-CN" altLang="en-US" dirty="0">
+              <a:latin typeface="Calibri" panose="020F0502020204030204" pitchFamily="34" charset="0"/>
+              <a:cs typeface="Calibri" panose="020F0502020204030204" pitchFamily="34" charset="0"/>
+            </a:endParaRPr>
+          </a:p>
+        </p:txBody>
+      </p:sp>
+      <p:sp>
+        <p:nvSpPr>
+          <p:cNvPr id="105" name="椭圆 104">
+            <a:extLst>
+              <a:ext uri="{FF2B5EF4-FFF2-40B4-BE49-F238E27FC236}">
+                <a16:creationId xmlns:a16="http://schemas.microsoft.com/office/drawing/2014/main" id="{D0564BA5-4009-744C-823A-C79A2712D84D}"/>
+              </a:ext>
+            </a:extLst>
+          </p:cNvPr>
+          <p:cNvSpPr/>
+          <p:nvPr/>
+        </p:nvSpPr>
+        <p:spPr>
+          <a:xfrm>
+            <a:off x="3314630" y="4044466"/>
+            <a:ext cx="1424135" cy="827340"/>
+          </a:xfrm>
+          <a:prstGeom prst="ellipse">
+            <a:avLst/>
+          </a:prstGeom>
+          <a:solidFill>
+            <a:schemeClr val="bg1"/>
+          </a:solidFill>
+          <a:ln w="19050">
+            <a:solidFill>
+              <a:schemeClr val="accent1">
+                <a:lumMod val="75000"/>
+              </a:schemeClr>
+            </a:solidFill>
+          </a:ln>
+        </p:spPr>
+        <p:style>
+          <a:lnRef idx="2">
+            <a:schemeClr val="accent6"/>
+          </a:lnRef>
+          <a:fillRef idx="1">
+            <a:schemeClr val="lt1"/>
+          </a:fillRef>
+          <a:effectRef idx="0">
+            <a:schemeClr val="accent6"/>
+          </a:effectRef>
+          <a:fontRef idx="minor">
+            <a:schemeClr val="dk1"/>
+          </a:fontRef>
+        </p:style>
+        <p:txBody>
+          <a:bodyPr rtlCol="0" anchor="ctr"/>
+          <a:lstStyle/>
+          <a:p>
+            <a:pPr algn="ctr"/>
+            <a:r>
+              <a:rPr kumimoji="1" lang="en-US" altLang="zh-CN" b="1" dirty="0">
+                <a:latin typeface="Calibri" panose="020F0502020204030204" pitchFamily="34" charset="0"/>
+                <a:cs typeface="Calibri" panose="020F0502020204030204" pitchFamily="34" charset="0"/>
+              </a:rPr>
+              <a:t>GCMC</a:t>
+            </a:r>
+            <a:endParaRPr kumimoji="1" lang="zh-CN" altLang="en-US" b="1" dirty="0">
+              <a:latin typeface="Calibri" panose="020F0502020204030204" pitchFamily="34" charset="0"/>
+              <a:cs typeface="Calibri" panose="020F0502020204030204" pitchFamily="34" charset="0"/>
+            </a:endParaRPr>
+          </a:p>
+        </p:txBody>
+      </p:sp>
+      <p:cxnSp>
+        <p:nvCxnSpPr>
+          <p:cNvPr id="106" name="直线箭头连接符 105">
+            <a:extLst>
+              <a:ext uri="{FF2B5EF4-FFF2-40B4-BE49-F238E27FC236}">
+                <a16:creationId xmlns:a16="http://schemas.microsoft.com/office/drawing/2014/main" id="{473C53AD-8D05-354F-88FC-FF6CBFF8A2EB}"/>
+              </a:ext>
+            </a:extLst>
+          </p:cNvPr>
+          <p:cNvCxnSpPr>
+            <a:cxnSpLocks/>
+            <a:stCxn id="105" idx="6"/>
+            <a:endCxn id="4" idx="2"/>
+          </p:cNvCxnSpPr>
+          <p:nvPr/>
+        </p:nvCxnSpPr>
+        <p:spPr>
+          <a:xfrm flipV="1">
+            <a:off x="4738765" y="4234806"/>
+            <a:ext cx="1831168" cy="223330"/>
+          </a:xfrm>
+          <a:prstGeom prst="straightConnector1">
+            <a:avLst/>
+          </a:prstGeom>
+          <a:ln w="19050">
+            <a:solidFill>
+              <a:schemeClr val="accent1">
+                <a:lumMod val="75000"/>
+              </a:schemeClr>
+            </a:solidFill>
+            <a:tailEnd type="triangle"/>
+          </a:ln>
+        </p:spPr>
+        <p:style>
+          <a:lnRef idx="1">
+            <a:schemeClr val="dk1"/>
+          </a:lnRef>
+          <a:fillRef idx="0">
+            <a:schemeClr val="dk1"/>
+          </a:fillRef>
+          <a:effectRef idx="0">
+            <a:schemeClr val="dk1"/>
+          </a:effectRef>
+          <a:fontRef idx="minor">
+            <a:schemeClr val="tx1"/>
+          </a:fontRef>
+        </p:style>
+      </p:cxnSp>
+      <p:sp>
+        <p:nvSpPr>
+          <p:cNvPr id="29" name="矩形 28">
+            <a:extLst>
+              <a:ext uri="{FF2B5EF4-FFF2-40B4-BE49-F238E27FC236}">
+                <a16:creationId xmlns:a16="http://schemas.microsoft.com/office/drawing/2014/main" id="{F751CC5E-BA23-0048-8157-8C8DB66DF17D}"/>
+              </a:ext>
+            </a:extLst>
+          </p:cNvPr>
+          <p:cNvSpPr/>
+          <p:nvPr/>
+        </p:nvSpPr>
+        <p:spPr>
+          <a:xfrm>
+            <a:off x="681859" y="595821"/>
+            <a:ext cx="5732620" cy="2968534"/>
+          </a:xfrm>
+          <a:prstGeom prst="rect">
+            <a:avLst/>
+          </a:prstGeom>
+          <a:solidFill>
+            <a:schemeClr val="bg1"/>
+          </a:solidFill>
+          <a:ln w="19050">
+            <a:solidFill>
+              <a:schemeClr val="accent2">
+                <a:lumMod val="60000"/>
+                <a:lumOff val="40000"/>
+              </a:schemeClr>
+            </a:solidFill>
+          </a:ln>
+        </p:spPr>
+        <p:style>
+          <a:lnRef idx="2">
+            <a:schemeClr val="accent6"/>
+          </a:lnRef>
+          <a:fillRef idx="1">
+            <a:schemeClr val="lt1"/>
+          </a:fillRef>
+          <a:effectRef idx="0">
+            <a:schemeClr val="accent6"/>
+          </a:effectRef>
+          <a:fontRef idx="minor">
+            <a:schemeClr val="dk1"/>
+          </a:fontRef>
+        </p:style>
+        <p:txBody>
+          <a:bodyPr rtlCol="0" anchor="t" anchorCtr="0"/>
+          <a:lstStyle/>
+          <a:p>
+            <a:r>
+              <a:rPr lang="en" altLang="zh-CN" sz="1900" dirty="0">
+                <a:latin typeface="Calibri" panose="020F0502020204030204" pitchFamily="34" charset="0"/>
+                <a:cs typeface="Calibri" panose="020F0502020204030204" pitchFamily="34" charset="0"/>
+              </a:rPr>
+              <a:t>Text From </a:t>
+            </a:r>
+            <a:r>
+              <a:rPr lang="en" altLang="zh-CN" sz="1900" b="1" dirty="0">
+                <a:solidFill>
+                  <a:schemeClr val="accent6">
+                    <a:lumMod val="75000"/>
+                  </a:schemeClr>
+                </a:solidFill>
+                <a:latin typeface="Calibri" panose="020F0502020204030204" pitchFamily="34" charset="0"/>
+                <a:cs typeface="Calibri" panose="020F0502020204030204" pitchFamily="34" charset="0"/>
+              </a:rPr>
+              <a:t>GraphSAGE</a:t>
+            </a:r>
+            <a:r>
+              <a:rPr lang="en" altLang="zh-CN" sz="1900" dirty="0">
+                <a:latin typeface="Calibri" panose="020F0502020204030204" pitchFamily="34" charset="0"/>
+                <a:cs typeface="Calibri" panose="020F0502020204030204" pitchFamily="34" charset="0"/>
+              </a:rPr>
+              <a:t>: “We also compare four variants of GraphSAGE that use the different aggregator functions (Section 3.3). </a:t>
+            </a:r>
+            <a:r>
+              <a:rPr lang="en" altLang="zh-CN" sz="1900" b="1" dirty="0">
+                <a:latin typeface="Calibri" panose="020F0502020204030204" pitchFamily="34" charset="0"/>
+                <a:cs typeface="Calibri" panose="020F0502020204030204" pitchFamily="34" charset="0"/>
+              </a:rPr>
+              <a:t>Since, the "convolutional" variant of GraphSAGE is an extended, inductive version of </a:t>
+            </a:r>
+            <a:r>
+              <a:rPr lang="en" altLang="zh-CN" sz="1900" b="1" dirty="0" err="1">
+                <a:latin typeface="Calibri" panose="020F0502020204030204" pitchFamily="34" charset="0"/>
+                <a:cs typeface="Calibri" panose="020F0502020204030204" pitchFamily="34" charset="0"/>
+              </a:rPr>
+              <a:t>Kipf</a:t>
+            </a:r>
+            <a:r>
+              <a:rPr lang="en" altLang="zh-CN" sz="1900" b="1" dirty="0">
+                <a:latin typeface="Calibri" panose="020F0502020204030204" pitchFamily="34" charset="0"/>
+                <a:cs typeface="Calibri" panose="020F0502020204030204" pitchFamily="34" charset="0"/>
+              </a:rPr>
+              <a:t> et </a:t>
+            </a:r>
+            <a:r>
+              <a:rPr lang="en" altLang="zh-CN" sz="1900" b="1" dirty="0" err="1">
+                <a:latin typeface="Calibri" panose="020F0502020204030204" pitchFamily="34" charset="0"/>
+                <a:cs typeface="Calibri" panose="020F0502020204030204" pitchFamily="34" charset="0"/>
+              </a:rPr>
+              <a:t>al's</a:t>
+            </a:r>
+            <a:r>
+              <a:rPr lang="en" altLang="zh-CN" sz="1900" b="1" dirty="0">
+                <a:latin typeface="Calibri" panose="020F0502020204030204" pitchFamily="34" charset="0"/>
+                <a:cs typeface="Calibri" panose="020F0502020204030204" pitchFamily="34" charset="0"/>
+              </a:rPr>
+              <a:t> semi-supervised GCN </a:t>
+            </a:r>
+            <a:r>
+              <a:rPr lang="en" altLang="zh-CN" sz="1900" b="1" dirty="0">
+                <a:solidFill>
+                  <a:srgbClr val="C00000"/>
+                </a:solidFill>
+                <a:latin typeface="Calibri" panose="020F0502020204030204" pitchFamily="34" charset="0"/>
+                <a:cs typeface="Calibri" panose="020F0502020204030204" pitchFamily="34" charset="0"/>
+              </a:rPr>
+              <a:t>[17] </a:t>
+            </a:r>
+            <a:r>
+              <a:rPr lang="en" altLang="zh-CN" sz="1900" b="1" dirty="0">
+                <a:latin typeface="Calibri" panose="020F0502020204030204" pitchFamily="34" charset="0"/>
+                <a:cs typeface="Calibri" panose="020F0502020204030204" pitchFamily="34" charset="0"/>
+              </a:rPr>
+              <a:t>, we term this variant GraphSAGE-GCN.</a:t>
+            </a:r>
+            <a:r>
+              <a:rPr lang="en" altLang="zh-CN" sz="1900" dirty="0">
+                <a:latin typeface="Calibri" panose="020F0502020204030204" pitchFamily="34" charset="0"/>
+                <a:cs typeface="Calibri" panose="020F0502020204030204" pitchFamily="34" charset="0"/>
+              </a:rPr>
+              <a:t> We test unsupervised variants of GraphSAGE trained according to the loss in Equation (1), as well as supervised variants that are trained directly on classification cross-entropy loss. ”</a:t>
+            </a:r>
+          </a:p>
+          <a:p>
+            <a:endParaRPr lang="en" altLang="zh-CN" dirty="0">
+              <a:solidFill>
+                <a:schemeClr val="tx1"/>
+              </a:solidFill>
+            </a:endParaRPr>
+          </a:p>
+        </p:txBody>
+      </p:sp>
+      <p:cxnSp>
+        <p:nvCxnSpPr>
+          <p:cNvPr id="119" name="直线箭头连接符 118">
+            <a:extLst>
+              <a:ext uri="{FF2B5EF4-FFF2-40B4-BE49-F238E27FC236}">
+                <a16:creationId xmlns:a16="http://schemas.microsoft.com/office/drawing/2014/main" id="{6E71F29E-4815-FB47-95DE-41CD290F95C0}"/>
+              </a:ext>
+            </a:extLst>
+          </p:cNvPr>
+          <p:cNvCxnSpPr>
+            <a:cxnSpLocks/>
+            <a:stCxn id="128" idx="5"/>
+            <a:endCxn id="105" idx="2"/>
+          </p:cNvCxnSpPr>
+          <p:nvPr/>
+        </p:nvCxnSpPr>
+        <p:spPr>
+          <a:xfrm flipV="1">
+            <a:off x="2414757" y="4458136"/>
+            <a:ext cx="899873" cy="210073"/>
+          </a:xfrm>
+          <a:prstGeom prst="straightConnector1">
+            <a:avLst/>
+          </a:prstGeom>
+          <a:ln w="19050">
+            <a:solidFill>
+              <a:schemeClr val="accent1">
+                <a:lumMod val="75000"/>
+              </a:schemeClr>
+            </a:solidFill>
+            <a:tailEnd type="triangle"/>
+          </a:ln>
+        </p:spPr>
+        <p:style>
+          <a:lnRef idx="1">
+            <a:schemeClr val="dk1"/>
+          </a:lnRef>
+          <a:fillRef idx="0">
+            <a:schemeClr val="dk1"/>
+          </a:fillRef>
+          <a:effectRef idx="0">
+            <a:schemeClr val="dk1"/>
+          </a:effectRef>
+          <a:fontRef idx="minor">
+            <a:schemeClr val="tx1"/>
+          </a:fontRef>
+        </p:style>
+      </p:cxnSp>
+      <p:cxnSp>
+        <p:nvCxnSpPr>
+          <p:cNvPr id="121" name="直线箭头连接符 120">
+            <a:extLst>
+              <a:ext uri="{FF2B5EF4-FFF2-40B4-BE49-F238E27FC236}">
+                <a16:creationId xmlns:a16="http://schemas.microsoft.com/office/drawing/2014/main" id="{CB151B8E-87B5-A141-84CB-2A73300A3B9B}"/>
+              </a:ext>
+            </a:extLst>
+          </p:cNvPr>
+          <p:cNvCxnSpPr>
+            <a:cxnSpLocks/>
+            <a:stCxn id="131" idx="7"/>
+            <a:endCxn id="105" idx="4"/>
+          </p:cNvCxnSpPr>
+          <p:nvPr/>
+        </p:nvCxnSpPr>
+        <p:spPr>
+          <a:xfrm flipV="1">
+            <a:off x="3919653" y="4871806"/>
+            <a:ext cx="107045" cy="495319"/>
+          </a:xfrm>
+          <a:prstGeom prst="straightConnector1">
+            <a:avLst/>
+          </a:prstGeom>
+          <a:ln w="19050">
+            <a:solidFill>
+              <a:schemeClr val="accent1">
+                <a:lumMod val="75000"/>
+              </a:schemeClr>
+            </a:solidFill>
+            <a:tailEnd type="triangle"/>
+          </a:ln>
+        </p:spPr>
+        <p:style>
+          <a:lnRef idx="1">
+            <a:schemeClr val="dk1"/>
+          </a:lnRef>
+          <a:fillRef idx="0">
+            <a:schemeClr val="dk1"/>
+          </a:fillRef>
+          <a:effectRef idx="0">
+            <a:schemeClr val="dk1"/>
+          </a:effectRef>
+          <a:fontRef idx="minor">
+            <a:schemeClr val="tx1"/>
+          </a:fontRef>
+        </p:style>
+      </p:cxnSp>
+      <p:sp>
+        <p:nvSpPr>
+          <p:cNvPr id="128" name="椭圆 127">
+            <a:extLst>
+              <a:ext uri="{FF2B5EF4-FFF2-40B4-BE49-F238E27FC236}">
+                <a16:creationId xmlns:a16="http://schemas.microsoft.com/office/drawing/2014/main" id="{9B5EDDB6-0381-9F4D-81D1-1777E83B2D15}"/>
+              </a:ext>
+            </a:extLst>
+          </p:cNvPr>
+          <p:cNvSpPr/>
+          <p:nvPr/>
+        </p:nvSpPr>
+        <p:spPr>
+          <a:xfrm rot="18641834">
+            <a:off x="1942333" y="4439928"/>
+            <a:ext cx="468893" cy="484531"/>
+          </a:xfrm>
+          <a:prstGeom prst="ellipse">
+            <a:avLst/>
+          </a:prstGeom>
+          <a:ln w="19050">
+            <a:solidFill>
+              <a:schemeClr val="accent1">
+                <a:lumMod val="75000"/>
+              </a:schemeClr>
+            </a:solidFill>
+          </a:ln>
+        </p:spPr>
+        <p:style>
+          <a:lnRef idx="2">
+            <a:schemeClr val="accent6"/>
+          </a:lnRef>
+          <a:fillRef idx="1">
+            <a:schemeClr val="lt1"/>
+          </a:fillRef>
+          <a:effectRef idx="0">
+            <a:schemeClr val="accent6"/>
+          </a:effectRef>
+          <a:fontRef idx="minor">
+            <a:schemeClr val="dk1"/>
+          </a:fontRef>
+        </p:style>
+        <p:txBody>
+          <a:bodyPr rtlCol="0" anchor="ctr"/>
+          <a:lstStyle/>
+          <a:p>
+            <a:pPr algn="ctr"/>
+            <a:endParaRPr kumimoji="1" lang="zh-CN" altLang="en-US" dirty="0">
+              <a:latin typeface="Calibri" panose="020F0502020204030204" pitchFamily="34" charset="0"/>
+              <a:cs typeface="Calibri" panose="020F0502020204030204" pitchFamily="34" charset="0"/>
+            </a:endParaRPr>
+          </a:p>
+        </p:txBody>
+      </p:sp>
+      <p:sp>
+        <p:nvSpPr>
+          <p:cNvPr id="131" name="椭圆 130">
+            <a:extLst>
+              <a:ext uri="{FF2B5EF4-FFF2-40B4-BE49-F238E27FC236}">
+                <a16:creationId xmlns:a16="http://schemas.microsoft.com/office/drawing/2014/main" id="{842D0D4D-CE53-7E44-A829-E0CC552A54DA}"/>
+              </a:ext>
+            </a:extLst>
+          </p:cNvPr>
+          <p:cNvSpPr/>
+          <p:nvPr/>
+        </p:nvSpPr>
+        <p:spPr>
+          <a:xfrm rot="18641834">
+            <a:off x="3706988" y="5362250"/>
+            <a:ext cx="468893" cy="484531"/>
+          </a:xfrm>
+          <a:prstGeom prst="ellipse">
+            <a:avLst/>
+          </a:prstGeom>
+          <a:ln w="19050">
+            <a:solidFill>
+              <a:schemeClr val="accent1">
+                <a:lumMod val="75000"/>
+              </a:schemeClr>
+            </a:solidFill>
+          </a:ln>
+        </p:spPr>
+        <p:style>
+          <a:lnRef idx="2">
+            <a:schemeClr val="accent6"/>
+          </a:lnRef>
+          <a:fillRef idx="1">
+            <a:schemeClr val="lt1"/>
+          </a:fillRef>
+          <a:effectRef idx="0">
+            <a:schemeClr val="accent6"/>
+          </a:effectRef>
+          <a:fontRef idx="minor">
+            <a:schemeClr val="dk1"/>
+          </a:fontRef>
+        </p:style>
+        <p:txBody>
+          <a:bodyPr rtlCol="0" anchor="ctr"/>
+          <a:lstStyle/>
+          <a:p>
+            <a:pPr algn="ctr"/>
+            <a:endParaRPr kumimoji="1" lang="zh-CN" altLang="en-US" dirty="0">
+              <a:latin typeface="Calibri" panose="020F0502020204030204" pitchFamily="34" charset="0"/>
+              <a:cs typeface="Calibri" panose="020F0502020204030204" pitchFamily="34" charset="0"/>
+            </a:endParaRPr>
+          </a:p>
+        </p:txBody>
+      </p:sp>
+      <p:sp>
+        <p:nvSpPr>
+          <p:cNvPr id="3" name="椭圆 2">
+            <a:extLst>
+              <a:ext uri="{FF2B5EF4-FFF2-40B4-BE49-F238E27FC236}">
+                <a16:creationId xmlns:a16="http://schemas.microsoft.com/office/drawing/2014/main" id="{C8CDF892-6BEB-974F-9ACB-EA4D957824FF}"/>
+              </a:ext>
+            </a:extLst>
+          </p:cNvPr>
+          <p:cNvSpPr/>
+          <p:nvPr/>
+        </p:nvSpPr>
+        <p:spPr>
+          <a:xfrm>
+            <a:off x="7279430" y="995511"/>
+            <a:ext cx="1963203" cy="1126820"/>
+          </a:xfrm>
+          <a:prstGeom prst="ellipse">
+            <a:avLst/>
+          </a:prstGeom>
+          <a:ln w="19050">
+            <a:solidFill>
+              <a:schemeClr val="accent1">
+                <a:lumMod val="75000"/>
+              </a:schemeClr>
+            </a:solidFill>
+          </a:ln>
+        </p:spPr>
+        <p:style>
+          <a:lnRef idx="2">
+            <a:schemeClr val="accent6"/>
+          </a:lnRef>
+          <a:fillRef idx="1">
+            <a:schemeClr val="lt1"/>
+          </a:fillRef>
+          <a:effectRef idx="0">
+            <a:schemeClr val="accent6"/>
+          </a:effectRef>
+          <a:fontRef idx="minor">
+            <a:schemeClr val="dk1"/>
+          </a:fontRef>
+        </p:style>
+        <p:txBody>
+          <a:bodyPr rtlCol="0" anchor="ctr"/>
+          <a:lstStyle/>
+          <a:p>
+            <a:pPr algn="ctr"/>
+            <a:r>
+              <a:rPr kumimoji="1" lang="en-US" altLang="zh-CN" b="1" dirty="0">
+                <a:solidFill>
+                  <a:schemeClr val="accent6">
+                    <a:lumMod val="75000"/>
+                  </a:schemeClr>
+                </a:solidFill>
+                <a:latin typeface="Calibri" panose="020F0502020204030204" pitchFamily="34" charset="0"/>
+                <a:cs typeface="Calibri" panose="020F0502020204030204" pitchFamily="34" charset="0"/>
+              </a:rPr>
+              <a:t>GraphSAGE</a:t>
+            </a:r>
+            <a:endParaRPr kumimoji="1" lang="zh-CN" altLang="en-US" b="1" dirty="0">
+              <a:solidFill>
+                <a:schemeClr val="accent6">
+                  <a:lumMod val="75000"/>
+                </a:schemeClr>
+              </a:solidFill>
+              <a:latin typeface="Calibri" panose="020F0502020204030204" pitchFamily="34" charset="0"/>
+              <a:cs typeface="Calibri" panose="020F0502020204030204" pitchFamily="34" charset="0"/>
+            </a:endParaRPr>
+          </a:p>
+        </p:txBody>
+      </p:sp>
+    </p:spTree>
+    <p:extLst>
+      <p:ext uri="{BB962C8B-B14F-4D97-AF65-F5344CB8AC3E}">
+        <p14:creationId xmlns:p14="http://schemas.microsoft.com/office/powerpoint/2010/main" val="1728019478"/>
+      </p:ext>
+    </p:extLst>
+  </p:cSld>
+  <p:clrMapOvr>
+    <a:masterClrMapping/>
+  </p:clrMapOvr>
+</p:sld>
+</file>
+
+<file path=ppt/slides/slide5.xml><?xml version="1.0" encoding="utf-8"?>
+<p:sld xmlns:a="http://schemas.openxmlformats.org/drawingml/2006/main" xmlns:r="http://schemas.openxmlformats.org/officeDocument/2006/relationships" xmlns:p="http://schemas.openxmlformats.org/presentationml/2006/main">
+  <p:cSld>
+    <p:bg>
+      <p:bgPr>
+        <a:solidFill>
+          <a:schemeClr val="accent4">
+            <a:lumMod val="20000"/>
+            <a:lumOff val="80000"/>
+            <a:alpha val="66000"/>
+          </a:schemeClr>
+        </a:solidFill>
+        <a:effectLst/>
+      </p:bgPr>
+    </p:bg>
+    <p:spTree>
+      <p:nvGrpSpPr>
+        <p:cNvPr id="1" name=""/>
+        <p:cNvGrpSpPr/>
+        <p:nvPr/>
+      </p:nvGrpSpPr>
+      <p:grpSpPr>
+        <a:xfrm>
+          <a:off x="0" y="0"/>
+          <a:ext cx="0" cy="0"/>
+          <a:chOff x="0" y="0"/>
+          <a:chExt cx="0" cy="0"/>
+        </a:xfrm>
+      </p:grpSpPr>
+      <p:cxnSp>
+        <p:nvCxnSpPr>
+          <p:cNvPr id="112" name="直线箭头连接符 111">
+            <a:extLst>
+              <a:ext uri="{FF2B5EF4-FFF2-40B4-BE49-F238E27FC236}">
+                <a16:creationId xmlns:a16="http://schemas.microsoft.com/office/drawing/2014/main" id="{B033A795-262A-8847-823C-B82B671E32D0}"/>
+              </a:ext>
+            </a:extLst>
+          </p:cNvPr>
+          <p:cNvCxnSpPr>
+            <a:cxnSpLocks/>
+            <a:stCxn id="105" idx="0"/>
+            <a:endCxn id="3" idx="2"/>
+          </p:cNvCxnSpPr>
+          <p:nvPr/>
+        </p:nvCxnSpPr>
+        <p:spPr>
+          <a:xfrm flipV="1">
             <a:off x="4026698" y="1558921"/>
             <a:ext cx="3252732" cy="2485545"/>
           </a:xfrm>
@@ -8851,7 +10949,7 @@
 </p:sld>
 </file>
 
-<file path=ppt/slides/slide4.xml><?xml version="1.0" encoding="utf-8"?>
+<file path=ppt/slides/slide6.xml><?xml version="1.0" encoding="utf-8"?>
 <p:sld xmlns:a="http://schemas.openxmlformats.org/drawingml/2006/main" xmlns:r="http://schemas.openxmlformats.org/officeDocument/2006/relationships" xmlns:p="http://schemas.openxmlformats.org/presentationml/2006/main">
   <p:cSld>
     <p:spTree>
@@ -8868,321 +10966,6 @@
           <a:chExt cx="0" cy="0"/>
         </a:xfrm>
       </p:grpSpPr>
-      <p:pic>
-        <p:nvPicPr>
-          <p:cNvPr id="4" name="图片 3">
-            <a:extLst>
-              <a:ext uri="{FF2B5EF4-FFF2-40B4-BE49-F238E27FC236}">
-                <a16:creationId xmlns:a16="http://schemas.microsoft.com/office/drawing/2014/main" id="{6CA3D319-9138-034E-9BFC-6F4F14A1EDF1}"/>
-              </a:ext>
-            </a:extLst>
-          </p:cNvPr>
-          <p:cNvPicPr>
-            <a:picLocks noChangeAspect="1"/>
-          </p:cNvPicPr>
-          <p:nvPr/>
-        </p:nvPicPr>
-        <p:blipFill>
-          <a:blip r:embed="rId2"/>
-          <a:stretch>
-            <a:fillRect/>
-          </a:stretch>
-        </p:blipFill>
-        <p:spPr>
-          <a:xfrm>
-            <a:off x="1171074" y="433692"/>
-            <a:ext cx="14108742" cy="7249920"/>
-          </a:xfrm>
-          <a:prstGeom prst="rect">
-            <a:avLst/>
-          </a:prstGeom>
-        </p:spPr>
-      </p:pic>
-      <p:sp>
-        <p:nvSpPr>
-          <p:cNvPr id="12" name="矩形 11">
-            <a:extLst>
-              <a:ext uri="{FF2B5EF4-FFF2-40B4-BE49-F238E27FC236}">
-                <a16:creationId xmlns:a16="http://schemas.microsoft.com/office/drawing/2014/main" id="{02718DAE-E615-5349-9EBA-131741DD7EC0}"/>
-              </a:ext>
-            </a:extLst>
-          </p:cNvPr>
-          <p:cNvSpPr/>
-          <p:nvPr/>
-        </p:nvSpPr>
-        <p:spPr>
-          <a:xfrm>
-            <a:off x="10026316" y="4203031"/>
-            <a:ext cx="272716" cy="256673"/>
-          </a:xfrm>
-          <a:prstGeom prst="rect">
-            <a:avLst/>
-          </a:prstGeom>
-          <a:solidFill>
-            <a:schemeClr val="accent4">
-              <a:lumMod val="20000"/>
-              <a:lumOff val="80000"/>
-              <a:alpha val="63000"/>
-            </a:schemeClr>
-          </a:solidFill>
-        </p:spPr>
-        <p:style>
-          <a:lnRef idx="2">
-            <a:schemeClr val="accent1">
-              <a:shade val="50000"/>
-            </a:schemeClr>
-          </a:lnRef>
-          <a:fillRef idx="1">
-            <a:schemeClr val="accent1"/>
-          </a:fillRef>
-          <a:effectRef idx="0">
-            <a:schemeClr val="accent1"/>
-          </a:effectRef>
-          <a:fontRef idx="minor">
-            <a:schemeClr val="lt1"/>
-          </a:fontRef>
-        </p:style>
-        <p:txBody>
-          <a:bodyPr rtlCol="0" anchor="ctr"/>
-          <a:lstStyle/>
-          <a:p>
-            <a:pPr algn="ctr"/>
-            <a:endParaRPr kumimoji="1" lang="zh-CN" altLang="en-US"/>
-          </a:p>
-        </p:txBody>
-      </p:sp>
-      <p:cxnSp>
-        <p:nvCxnSpPr>
-          <p:cNvPr id="22" name="直线连接符 21">
-            <a:extLst>
-              <a:ext uri="{FF2B5EF4-FFF2-40B4-BE49-F238E27FC236}">
-                <a16:creationId xmlns:a16="http://schemas.microsoft.com/office/drawing/2014/main" id="{B9FF3097-E2E5-AF40-9D0C-6C216FB6E73F}"/>
-              </a:ext>
-            </a:extLst>
-          </p:cNvPr>
-          <p:cNvCxnSpPr>
-            <a:cxnSpLocks/>
-          </p:cNvCxnSpPr>
-          <p:nvPr/>
-        </p:nvCxnSpPr>
-        <p:spPr>
-          <a:xfrm flipH="1" flipV="1">
-            <a:off x="9290162" y="1"/>
-            <a:ext cx="1008870" cy="4203030"/>
-          </a:xfrm>
-          <a:prstGeom prst="line">
-            <a:avLst/>
-          </a:prstGeom>
-          <a:ln>
-            <a:solidFill>
-              <a:schemeClr val="accent4"/>
-            </a:solidFill>
-          </a:ln>
-        </p:spPr>
-        <p:style>
-          <a:lnRef idx="1">
-            <a:schemeClr val="accent3"/>
-          </a:lnRef>
-          <a:fillRef idx="0">
-            <a:schemeClr val="accent3"/>
-          </a:fillRef>
-          <a:effectRef idx="0">
-            <a:schemeClr val="accent3"/>
-          </a:effectRef>
-          <a:fontRef idx="minor">
-            <a:schemeClr val="tx1"/>
-          </a:fontRef>
-        </p:style>
-      </p:cxnSp>
-      <p:cxnSp>
-        <p:nvCxnSpPr>
-          <p:cNvPr id="24" name="直线连接符 23">
-            <a:extLst>
-              <a:ext uri="{FF2B5EF4-FFF2-40B4-BE49-F238E27FC236}">
-                <a16:creationId xmlns:a16="http://schemas.microsoft.com/office/drawing/2014/main" id="{C46CF371-4F59-554A-A069-D367FDF71A27}"/>
-              </a:ext>
-            </a:extLst>
-          </p:cNvPr>
-          <p:cNvCxnSpPr>
-            <a:cxnSpLocks/>
-          </p:cNvCxnSpPr>
-          <p:nvPr/>
-        </p:nvCxnSpPr>
-        <p:spPr>
-          <a:xfrm flipH="1">
-            <a:off x="9290162" y="4459704"/>
-            <a:ext cx="1008870" cy="766012"/>
-          </a:xfrm>
-          <a:prstGeom prst="line">
-            <a:avLst/>
-          </a:prstGeom>
-          <a:ln>
-            <a:solidFill>
-              <a:schemeClr val="accent4"/>
-            </a:solidFill>
-          </a:ln>
-        </p:spPr>
-        <p:style>
-          <a:lnRef idx="1">
-            <a:schemeClr val="accent3"/>
-          </a:lnRef>
-          <a:fillRef idx="0">
-            <a:schemeClr val="accent3"/>
-          </a:fillRef>
-          <a:effectRef idx="0">
-            <a:schemeClr val="accent3"/>
-          </a:effectRef>
-          <a:fontRef idx="minor">
-            <a:schemeClr val="tx1"/>
-          </a:fontRef>
-        </p:style>
-      </p:cxnSp>
-      <p:cxnSp>
-        <p:nvCxnSpPr>
-          <p:cNvPr id="28" name="直线连接符 27">
-            <a:extLst>
-              <a:ext uri="{FF2B5EF4-FFF2-40B4-BE49-F238E27FC236}">
-                <a16:creationId xmlns:a16="http://schemas.microsoft.com/office/drawing/2014/main" id="{324E7D3D-C9FC-8545-8472-B5BFC9034704}"/>
-              </a:ext>
-            </a:extLst>
-          </p:cNvPr>
-          <p:cNvCxnSpPr>
-            <a:cxnSpLocks/>
-          </p:cNvCxnSpPr>
-          <p:nvPr/>
-        </p:nvCxnSpPr>
-        <p:spPr>
-          <a:xfrm flipH="1">
-            <a:off x="0" y="4459704"/>
-            <a:ext cx="10026316" cy="766012"/>
-          </a:xfrm>
-          <a:prstGeom prst="line">
-            <a:avLst/>
-          </a:prstGeom>
-          <a:ln>
-            <a:solidFill>
-              <a:schemeClr val="accent4"/>
-            </a:solidFill>
-          </a:ln>
-        </p:spPr>
-        <p:style>
-          <a:lnRef idx="1">
-            <a:schemeClr val="accent3"/>
-          </a:lnRef>
-          <a:fillRef idx="0">
-            <a:schemeClr val="accent3"/>
-          </a:fillRef>
-          <a:effectRef idx="0">
-            <a:schemeClr val="accent3"/>
-          </a:effectRef>
-          <a:fontRef idx="minor">
-            <a:schemeClr val="tx1"/>
-          </a:fontRef>
-        </p:style>
-      </p:cxnSp>
-      <p:cxnSp>
-        <p:nvCxnSpPr>
-          <p:cNvPr id="10" name="直线连接符 9">
-            <a:extLst>
-              <a:ext uri="{FF2B5EF4-FFF2-40B4-BE49-F238E27FC236}">
-                <a16:creationId xmlns:a16="http://schemas.microsoft.com/office/drawing/2014/main" id="{CA484657-545F-8F44-B836-E2628AC52111}"/>
-              </a:ext>
-            </a:extLst>
-          </p:cNvPr>
-          <p:cNvCxnSpPr>
-            <a:cxnSpLocks/>
-          </p:cNvCxnSpPr>
-          <p:nvPr/>
-        </p:nvCxnSpPr>
-        <p:spPr>
-          <a:xfrm flipH="1" flipV="1">
-            <a:off x="0" y="0"/>
-            <a:ext cx="10026316" cy="4203031"/>
-          </a:xfrm>
-          <a:prstGeom prst="line">
-            <a:avLst/>
-          </a:prstGeom>
-          <a:ln>
-            <a:solidFill>
-              <a:schemeClr val="accent4"/>
-            </a:solidFill>
-          </a:ln>
-        </p:spPr>
-        <p:style>
-          <a:lnRef idx="1">
-            <a:schemeClr val="accent3"/>
-          </a:lnRef>
-          <a:fillRef idx="0">
-            <a:schemeClr val="accent3"/>
-          </a:fillRef>
-          <a:effectRef idx="0">
-            <a:schemeClr val="accent3"/>
-          </a:effectRef>
-          <a:fontRef idx="minor">
-            <a:schemeClr val="tx1"/>
-          </a:fontRef>
-        </p:style>
-      </p:cxnSp>
-      <p:pic>
-        <p:nvPicPr>
-          <p:cNvPr id="3" name="图片 2">
-            <a:extLst>
-              <a:ext uri="{FF2B5EF4-FFF2-40B4-BE49-F238E27FC236}">
-                <a16:creationId xmlns:a16="http://schemas.microsoft.com/office/drawing/2014/main" id="{FE90B1B5-C593-D74F-B447-925F763214C4}"/>
-              </a:ext>
-            </a:extLst>
-          </p:cNvPr>
-          <p:cNvPicPr>
-            <a:picLocks noChangeAspect="1"/>
-          </p:cNvPicPr>
-          <p:nvPr/>
-        </p:nvPicPr>
-        <p:blipFill>
-          <a:blip r:embed="rId3"/>
-          <a:stretch>
-            <a:fillRect/>
-          </a:stretch>
-        </p:blipFill>
-        <p:spPr>
-          <a:xfrm>
-            <a:off x="0" y="0"/>
-            <a:ext cx="9290162" cy="5225716"/>
-          </a:xfrm>
-          <a:prstGeom prst="rect">
-            <a:avLst/>
-          </a:prstGeom>
-        </p:spPr>
-      </p:pic>
-    </p:spTree>
-    <p:extLst>
-      <p:ext uri="{BB962C8B-B14F-4D97-AF65-F5344CB8AC3E}">
-        <p14:creationId xmlns:p14="http://schemas.microsoft.com/office/powerpoint/2010/main" val="4062328588"/>
-      </p:ext>
-    </p:extLst>
-  </p:cSld>
-  <p:clrMapOvr>
-    <a:masterClrMapping/>
-  </p:clrMapOvr>
-</p:sld>
-</file>
-
-<file path=ppt/slides/slide5.xml><?xml version="1.0" encoding="utf-8"?>
-<p:sld xmlns:a="http://schemas.openxmlformats.org/drawingml/2006/main" xmlns:r="http://schemas.openxmlformats.org/officeDocument/2006/relationships" xmlns:p="http://schemas.openxmlformats.org/presentationml/2006/main">
-  <p:cSld>
-    <p:spTree>
-      <p:nvGrpSpPr>
-        <p:cNvPr id="1" name=""/>
-        <p:cNvGrpSpPr/>
-        <p:nvPr/>
-      </p:nvGrpSpPr>
-      <p:grpSpPr>
-        <a:xfrm>
-          <a:off x="0" y="0"/>
-          <a:ext cx="0" cy="0"/>
-          <a:chOff x="0" y="0"/>
-          <a:chExt cx="0" cy="0"/>
-        </a:xfrm>
-      </p:grpSpPr>
       <p:sp>
         <p:nvSpPr>
           <p:cNvPr id="3" name="内容占位符 2">
@@ -9201,7 +10984,7 @@
         </p:nvSpPr>
         <p:spPr>
           <a:xfrm>
-            <a:off x="672662" y="1119351"/>
+            <a:off x="672662" y="322182"/>
             <a:ext cx="10846676" cy="5060731"/>
           </a:xfrm>
         </p:spPr>
@@ -9329,6 +11112,41 @@
             <a:r>
               <a:rPr lang="en" altLang="zh-CN" sz="5600" dirty="0"/>
               <a:t>Additionally, the normalization in Line 3 makes training more stable, and it is more efficient to perform approximate nearest neighbor search for normalized embeddings (Section 3.5).</a:t>
+            </a:r>
+          </a:p>
+          <a:p>
+            <a:pPr>
+              <a:lnSpc>
+                <a:spcPct val="120000"/>
+              </a:lnSpc>
+            </a:pPr>
+            <a:r>
+              <a:rPr lang="en" altLang="zh-CN" sz="5600" dirty="0"/>
+              <a:t>4755450	3051291	Inductive Representation Learning on Large Graphs ===CITES=== DeepWalk: Online Learning of Social Representations	[28]::In all these experiments, we perform predictions on nodes that are not seen during training, and, in the case of the PPI dataset, we test on entirely unseen </a:t>
+            </a:r>
+            <a:r>
+              <a:rPr lang="en" altLang="zh-CN" sz="5600" dirty="0" err="1"/>
+              <a:t>graphs.Experimental</a:t>
+            </a:r>
+            <a:r>
+              <a:rPr lang="en" altLang="zh-CN" sz="5600" dirty="0"/>
+              <a:t> set-up</a:t>
+            </a:r>
+            <a:r>
+              <a:rPr lang="en" altLang="zh-CN" sz="5600" b="1" dirty="0"/>
+              <a:t>. To contextualize the empirical results on our inductive benchmarks, we compare against four baselines: a random </a:t>
+            </a:r>
+            <a:r>
+              <a:rPr lang="en" altLang="zh-CN" sz="5600" b="1" dirty="0" err="1"/>
+              <a:t>classifer</a:t>
+            </a:r>
+            <a:r>
+              <a:rPr lang="en" altLang="zh-CN" sz="5600" b="1" dirty="0"/>
+              <a:t>, a logistic regression feature-based classifier (that ignores graph structure), the DeepWalk algorithm [28] as a representative factorization-based approach, and a concatenation of the raw features and DeepWalk embeddings.</a:t>
+            </a:r>
+            <a:r>
+              <a:rPr lang="en" altLang="zh-CN" sz="5600" dirty="0"/>
+              <a:t> We also compare four variants of GraphSAGE that use the different aggregator functions (Section 3.3). </a:t>
             </a:r>
             <a:br>
               <a:rPr lang="en" altLang="zh-CN" sz="5600" dirty="0"/>
@@ -9359,7 +11177,7 @@
 </p:sld>
 </file>
 
-<file path=ppt/slides/slide6.xml><?xml version="1.0" encoding="utf-8"?>
+<file path=ppt/slides/slide7.xml><?xml version="1.0" encoding="utf-8"?>
 <p:sld xmlns:a="http://schemas.openxmlformats.org/drawingml/2006/main" xmlns:r="http://schemas.openxmlformats.org/officeDocument/2006/relationships" xmlns:p="http://schemas.openxmlformats.org/presentationml/2006/main">
   <p:cSld>
     <p:spTree>
